--- a/Presentations/2018-11-27.pptx
+++ b/Presentations/2018-11-27.pptx
@@ -5,7 +5,7 @@
     <p:sldMasterId id="2147483648" r:id="rId1"/>
   </p:sldMasterIdLst>
   <p:notesMasterIdLst>
-    <p:notesMasterId r:id="rId13"/>
+    <p:notesMasterId r:id="rId17"/>
   </p:notesMasterIdLst>
   <p:sldIdLst>
     <p:sldId id="263" r:id="rId2"/>
@@ -19,6 +19,10 @@
     <p:sldId id="304" r:id="rId10"/>
     <p:sldId id="303" r:id="rId11"/>
     <p:sldId id="305" r:id="rId12"/>
+    <p:sldId id="306" r:id="rId13"/>
+    <p:sldId id="307" r:id="rId14"/>
+    <p:sldId id="309" r:id="rId15"/>
+    <p:sldId id="308" r:id="rId16"/>
   </p:sldIdLst>
   <p:sldSz cx="12192000" cy="6858000"/>
   <p:notesSz cx="6858000" cy="9144000"/>
@@ -117,6 +121,11 @@
       </a:defRPr>
     </a:lvl9pPr>
   </p:defaultTextStyle>
+  <p:extLst>
+    <p:ext uri="{EFAFB233-063F-42B5-8137-9DF3F51BA10A}">
+      <p15:sldGuideLst xmlns:p15="http://schemas.microsoft.com/office/powerpoint/2012/main"/>
+    </p:ext>
+  </p:extLst>
 </p:presentation>
 </file>
 
@@ -202,7 +211,7 @@
           <a:p>
             <a:fld id="{9592D345-D246-B844-8712-5366A0913186}" type="datetimeFigureOut">
               <a:rPr lang="da-DK" smtClean="0"/>
-              <a:t>26/11/2018</a:t>
+              <a:t>27/11/2018</a:t>
             </a:fld>
             <a:endParaRPr lang="da-DK"/>
           </a:p>
@@ -1080,7 +1089,7 @@
           <p:cNvPr id="2" name="Title 1">
             <a:extLst>
               <a:ext uri="{FF2B5EF4-FFF2-40B4-BE49-F238E27FC236}">
-                <a16:creationId xmlns:a16="http://schemas.microsoft.com/office/drawing/2014/main" id="{70EC7BC2-3D68-5445-84C7-327A3A18BB9B}"/>
+                <a16:creationId xmlns:a16="http://schemas.microsoft.com/office/drawing/2014/main" xmlns="" id="{70EC7BC2-3D68-5445-84C7-327A3A18BB9B}"/>
               </a:ext>
             </a:extLst>
           </p:cNvPr>
@@ -1118,7 +1127,7 @@
           <p:cNvPr id="3" name="Subtitle 2">
             <a:extLst>
               <a:ext uri="{FF2B5EF4-FFF2-40B4-BE49-F238E27FC236}">
-                <a16:creationId xmlns:a16="http://schemas.microsoft.com/office/drawing/2014/main" id="{36512394-0A98-8C4E-AC15-4A7687D4D5A5}"/>
+                <a16:creationId xmlns:a16="http://schemas.microsoft.com/office/drawing/2014/main" xmlns="" id="{36512394-0A98-8C4E-AC15-4A7687D4D5A5}"/>
               </a:ext>
             </a:extLst>
           </p:cNvPr>
@@ -1189,7 +1198,7 @@
           <p:cNvPr id="4" name="Date Placeholder 3">
             <a:extLst>
               <a:ext uri="{FF2B5EF4-FFF2-40B4-BE49-F238E27FC236}">
-                <a16:creationId xmlns:a16="http://schemas.microsoft.com/office/drawing/2014/main" id="{2AAF3A50-7DA1-C649-A6A0-7548FF10CC13}"/>
+                <a16:creationId xmlns:a16="http://schemas.microsoft.com/office/drawing/2014/main" xmlns="" id="{2AAF3A50-7DA1-C649-A6A0-7548FF10CC13}"/>
               </a:ext>
             </a:extLst>
           </p:cNvPr>
@@ -1207,7 +1216,7 @@
           <a:p>
             <a:fld id="{0C88A4F0-6416-3849-AD5C-8182371F0C64}" type="datetimeFigureOut">
               <a:rPr lang="da-DK" smtClean="0"/>
-              <a:t>26/11/2018</a:t>
+              <a:t>27/11/2018</a:t>
             </a:fld>
             <a:endParaRPr lang="da-DK"/>
           </a:p>
@@ -1218,7 +1227,7 @@
           <p:cNvPr id="5" name="Footer Placeholder 4">
             <a:extLst>
               <a:ext uri="{FF2B5EF4-FFF2-40B4-BE49-F238E27FC236}">
-                <a16:creationId xmlns:a16="http://schemas.microsoft.com/office/drawing/2014/main" id="{83A21BEB-4FCA-8C49-8372-19EB9B35D12A}"/>
+                <a16:creationId xmlns:a16="http://schemas.microsoft.com/office/drawing/2014/main" xmlns="" id="{83A21BEB-4FCA-8C49-8372-19EB9B35D12A}"/>
               </a:ext>
             </a:extLst>
           </p:cNvPr>
@@ -1243,7 +1252,7 @@
           <p:cNvPr id="6" name="Slide Number Placeholder 5">
             <a:extLst>
               <a:ext uri="{FF2B5EF4-FFF2-40B4-BE49-F238E27FC236}">
-                <a16:creationId xmlns:a16="http://schemas.microsoft.com/office/drawing/2014/main" id="{A75A4C88-1242-D940-9D93-298A87B23DD1}"/>
+                <a16:creationId xmlns:a16="http://schemas.microsoft.com/office/drawing/2014/main" xmlns="" id="{A75A4C88-1242-D940-9D93-298A87B23DD1}"/>
               </a:ext>
             </a:extLst>
           </p:cNvPr>
@@ -1302,7 +1311,7 @@
           <p:cNvPr id="2" name="Title 1">
             <a:extLst>
               <a:ext uri="{FF2B5EF4-FFF2-40B4-BE49-F238E27FC236}">
-                <a16:creationId xmlns:a16="http://schemas.microsoft.com/office/drawing/2014/main" id="{50D63CDC-1766-1140-B431-F4FE317DD9D7}"/>
+                <a16:creationId xmlns:a16="http://schemas.microsoft.com/office/drawing/2014/main" xmlns="" id="{50D63CDC-1766-1140-B431-F4FE317DD9D7}"/>
               </a:ext>
             </a:extLst>
           </p:cNvPr>
@@ -1331,7 +1340,7 @@
           <p:cNvPr id="3" name="Vertical Text Placeholder 2">
             <a:extLst>
               <a:ext uri="{FF2B5EF4-FFF2-40B4-BE49-F238E27FC236}">
-                <a16:creationId xmlns:a16="http://schemas.microsoft.com/office/drawing/2014/main" id="{3003C36F-F25B-8F4C-B5CB-795F8AA71565}"/>
+                <a16:creationId xmlns:a16="http://schemas.microsoft.com/office/drawing/2014/main" xmlns="" id="{3003C36F-F25B-8F4C-B5CB-795F8AA71565}"/>
               </a:ext>
             </a:extLst>
           </p:cNvPr>
@@ -1389,7 +1398,7 @@
           <p:cNvPr id="4" name="Date Placeholder 3">
             <a:extLst>
               <a:ext uri="{FF2B5EF4-FFF2-40B4-BE49-F238E27FC236}">
-                <a16:creationId xmlns:a16="http://schemas.microsoft.com/office/drawing/2014/main" id="{E6483027-3D2C-3449-8BC0-05F297151A5C}"/>
+                <a16:creationId xmlns:a16="http://schemas.microsoft.com/office/drawing/2014/main" xmlns="" id="{E6483027-3D2C-3449-8BC0-05F297151A5C}"/>
               </a:ext>
             </a:extLst>
           </p:cNvPr>
@@ -1407,7 +1416,7 @@
           <a:p>
             <a:fld id="{0C88A4F0-6416-3849-AD5C-8182371F0C64}" type="datetimeFigureOut">
               <a:rPr lang="da-DK" smtClean="0"/>
-              <a:t>26/11/2018</a:t>
+              <a:t>27/11/2018</a:t>
             </a:fld>
             <a:endParaRPr lang="da-DK"/>
           </a:p>
@@ -1418,7 +1427,7 @@
           <p:cNvPr id="5" name="Footer Placeholder 4">
             <a:extLst>
               <a:ext uri="{FF2B5EF4-FFF2-40B4-BE49-F238E27FC236}">
-                <a16:creationId xmlns:a16="http://schemas.microsoft.com/office/drawing/2014/main" id="{353AE27F-6C23-AA46-AE1F-05A540D925B7}"/>
+                <a16:creationId xmlns:a16="http://schemas.microsoft.com/office/drawing/2014/main" xmlns="" id="{353AE27F-6C23-AA46-AE1F-05A540D925B7}"/>
               </a:ext>
             </a:extLst>
           </p:cNvPr>
@@ -1443,7 +1452,7 @@
           <p:cNvPr id="6" name="Slide Number Placeholder 5">
             <a:extLst>
               <a:ext uri="{FF2B5EF4-FFF2-40B4-BE49-F238E27FC236}">
-                <a16:creationId xmlns:a16="http://schemas.microsoft.com/office/drawing/2014/main" id="{D99CF83A-BEAC-F34A-8471-1B2AF20FCF45}"/>
+                <a16:creationId xmlns:a16="http://schemas.microsoft.com/office/drawing/2014/main" xmlns="" id="{D99CF83A-BEAC-F34A-8471-1B2AF20FCF45}"/>
               </a:ext>
             </a:extLst>
           </p:cNvPr>
@@ -1502,7 +1511,7 @@
           <p:cNvPr id="2" name="Vertical Title 1">
             <a:extLst>
               <a:ext uri="{FF2B5EF4-FFF2-40B4-BE49-F238E27FC236}">
-                <a16:creationId xmlns:a16="http://schemas.microsoft.com/office/drawing/2014/main" id="{B069079C-3444-1346-8471-F03135B475B6}"/>
+                <a16:creationId xmlns:a16="http://schemas.microsoft.com/office/drawing/2014/main" xmlns="" id="{B069079C-3444-1346-8471-F03135B475B6}"/>
               </a:ext>
             </a:extLst>
           </p:cNvPr>
@@ -1536,7 +1545,7 @@
           <p:cNvPr id="3" name="Vertical Text Placeholder 2">
             <a:extLst>
               <a:ext uri="{FF2B5EF4-FFF2-40B4-BE49-F238E27FC236}">
-                <a16:creationId xmlns:a16="http://schemas.microsoft.com/office/drawing/2014/main" id="{1AA504D9-D9CA-B348-9E3C-D25720357110}"/>
+                <a16:creationId xmlns:a16="http://schemas.microsoft.com/office/drawing/2014/main" xmlns="" id="{1AA504D9-D9CA-B348-9E3C-D25720357110}"/>
               </a:ext>
             </a:extLst>
           </p:cNvPr>
@@ -1599,7 +1608,7 @@
           <p:cNvPr id="4" name="Date Placeholder 3">
             <a:extLst>
               <a:ext uri="{FF2B5EF4-FFF2-40B4-BE49-F238E27FC236}">
-                <a16:creationId xmlns:a16="http://schemas.microsoft.com/office/drawing/2014/main" id="{6F59C05C-F741-4841-BA03-A745F5621D82}"/>
+                <a16:creationId xmlns:a16="http://schemas.microsoft.com/office/drawing/2014/main" xmlns="" id="{6F59C05C-F741-4841-BA03-A745F5621D82}"/>
               </a:ext>
             </a:extLst>
           </p:cNvPr>
@@ -1617,7 +1626,7 @@
           <a:p>
             <a:fld id="{0C88A4F0-6416-3849-AD5C-8182371F0C64}" type="datetimeFigureOut">
               <a:rPr lang="da-DK" smtClean="0"/>
-              <a:t>26/11/2018</a:t>
+              <a:t>27/11/2018</a:t>
             </a:fld>
             <a:endParaRPr lang="da-DK"/>
           </a:p>
@@ -1628,7 +1637,7 @@
           <p:cNvPr id="5" name="Footer Placeholder 4">
             <a:extLst>
               <a:ext uri="{FF2B5EF4-FFF2-40B4-BE49-F238E27FC236}">
-                <a16:creationId xmlns:a16="http://schemas.microsoft.com/office/drawing/2014/main" id="{9D01A035-9EEC-5047-BE6D-2ECDDB537269}"/>
+                <a16:creationId xmlns:a16="http://schemas.microsoft.com/office/drawing/2014/main" xmlns="" id="{9D01A035-9EEC-5047-BE6D-2ECDDB537269}"/>
               </a:ext>
             </a:extLst>
           </p:cNvPr>
@@ -1653,7 +1662,7 @@
           <p:cNvPr id="6" name="Slide Number Placeholder 5">
             <a:extLst>
               <a:ext uri="{FF2B5EF4-FFF2-40B4-BE49-F238E27FC236}">
-                <a16:creationId xmlns:a16="http://schemas.microsoft.com/office/drawing/2014/main" id="{194EFFA5-E111-8043-A074-6F140039DCC1}"/>
+                <a16:creationId xmlns:a16="http://schemas.microsoft.com/office/drawing/2014/main" xmlns="" id="{194EFFA5-E111-8043-A074-6F140039DCC1}"/>
               </a:ext>
             </a:extLst>
           </p:cNvPr>
@@ -1712,7 +1721,7 @@
           <p:cNvPr id="2" name="Title 1">
             <a:extLst>
               <a:ext uri="{FF2B5EF4-FFF2-40B4-BE49-F238E27FC236}">
-                <a16:creationId xmlns:a16="http://schemas.microsoft.com/office/drawing/2014/main" id="{32EF171D-F94D-4241-A039-9BADAEE99C58}"/>
+                <a16:creationId xmlns:a16="http://schemas.microsoft.com/office/drawing/2014/main" xmlns="" id="{32EF171D-F94D-4241-A039-9BADAEE99C58}"/>
               </a:ext>
             </a:extLst>
           </p:cNvPr>
@@ -1741,7 +1750,7 @@
           <p:cNvPr id="3" name="Content Placeholder 2">
             <a:extLst>
               <a:ext uri="{FF2B5EF4-FFF2-40B4-BE49-F238E27FC236}">
-                <a16:creationId xmlns:a16="http://schemas.microsoft.com/office/drawing/2014/main" id="{0B1122EC-E159-0047-8FD4-D644B26C7191}"/>
+                <a16:creationId xmlns:a16="http://schemas.microsoft.com/office/drawing/2014/main" xmlns="" id="{0B1122EC-E159-0047-8FD4-D644B26C7191}"/>
               </a:ext>
             </a:extLst>
           </p:cNvPr>
@@ -1799,7 +1808,7 @@
           <p:cNvPr id="4" name="Date Placeholder 3">
             <a:extLst>
               <a:ext uri="{FF2B5EF4-FFF2-40B4-BE49-F238E27FC236}">
-                <a16:creationId xmlns:a16="http://schemas.microsoft.com/office/drawing/2014/main" id="{0B6C943D-8E30-1944-9DA7-908DA57910A3}"/>
+                <a16:creationId xmlns:a16="http://schemas.microsoft.com/office/drawing/2014/main" xmlns="" id="{0B6C943D-8E30-1944-9DA7-908DA57910A3}"/>
               </a:ext>
             </a:extLst>
           </p:cNvPr>
@@ -1817,7 +1826,7 @@
           <a:p>
             <a:fld id="{0C88A4F0-6416-3849-AD5C-8182371F0C64}" type="datetimeFigureOut">
               <a:rPr lang="da-DK" smtClean="0"/>
-              <a:t>26/11/2018</a:t>
+              <a:t>27/11/2018</a:t>
             </a:fld>
             <a:endParaRPr lang="da-DK"/>
           </a:p>
@@ -1828,7 +1837,7 @@
           <p:cNvPr id="5" name="Footer Placeholder 4">
             <a:extLst>
               <a:ext uri="{FF2B5EF4-FFF2-40B4-BE49-F238E27FC236}">
-                <a16:creationId xmlns:a16="http://schemas.microsoft.com/office/drawing/2014/main" id="{ADE79FE7-1179-8247-AFA1-DE953AA18248}"/>
+                <a16:creationId xmlns:a16="http://schemas.microsoft.com/office/drawing/2014/main" xmlns="" id="{ADE79FE7-1179-8247-AFA1-DE953AA18248}"/>
               </a:ext>
             </a:extLst>
           </p:cNvPr>
@@ -1853,7 +1862,7 @@
           <p:cNvPr id="6" name="Slide Number Placeholder 5">
             <a:extLst>
               <a:ext uri="{FF2B5EF4-FFF2-40B4-BE49-F238E27FC236}">
-                <a16:creationId xmlns:a16="http://schemas.microsoft.com/office/drawing/2014/main" id="{87EB9435-7FFC-6C4F-B8F4-3796A381C59D}"/>
+                <a16:creationId xmlns:a16="http://schemas.microsoft.com/office/drawing/2014/main" xmlns="" id="{87EB9435-7FFC-6C4F-B8F4-3796A381C59D}"/>
               </a:ext>
             </a:extLst>
           </p:cNvPr>
@@ -1912,7 +1921,7 @@
           <p:cNvPr id="2" name="Title 1">
             <a:extLst>
               <a:ext uri="{FF2B5EF4-FFF2-40B4-BE49-F238E27FC236}">
-                <a16:creationId xmlns:a16="http://schemas.microsoft.com/office/drawing/2014/main" id="{D1B3BE6B-6994-CD45-ADD4-058C0D82CDEB}"/>
+                <a16:creationId xmlns:a16="http://schemas.microsoft.com/office/drawing/2014/main" xmlns="" id="{D1B3BE6B-6994-CD45-ADD4-058C0D82CDEB}"/>
               </a:ext>
             </a:extLst>
           </p:cNvPr>
@@ -1950,7 +1959,7 @@
           <p:cNvPr id="3" name="Text Placeholder 2">
             <a:extLst>
               <a:ext uri="{FF2B5EF4-FFF2-40B4-BE49-F238E27FC236}">
-                <a16:creationId xmlns:a16="http://schemas.microsoft.com/office/drawing/2014/main" id="{0EB194DD-C276-0643-A3F0-2E8D8E252701}"/>
+                <a16:creationId xmlns:a16="http://schemas.microsoft.com/office/drawing/2014/main" xmlns="" id="{0EB194DD-C276-0643-A3F0-2E8D8E252701}"/>
               </a:ext>
             </a:extLst>
           </p:cNvPr>
@@ -2075,7 +2084,7 @@
           <p:cNvPr id="4" name="Date Placeholder 3">
             <a:extLst>
               <a:ext uri="{FF2B5EF4-FFF2-40B4-BE49-F238E27FC236}">
-                <a16:creationId xmlns:a16="http://schemas.microsoft.com/office/drawing/2014/main" id="{B223532C-6293-FD42-974C-CF94CD123235}"/>
+                <a16:creationId xmlns:a16="http://schemas.microsoft.com/office/drawing/2014/main" xmlns="" id="{B223532C-6293-FD42-974C-CF94CD123235}"/>
               </a:ext>
             </a:extLst>
           </p:cNvPr>
@@ -2093,7 +2102,7 @@
           <a:p>
             <a:fld id="{0C88A4F0-6416-3849-AD5C-8182371F0C64}" type="datetimeFigureOut">
               <a:rPr lang="da-DK" smtClean="0"/>
-              <a:t>26/11/2018</a:t>
+              <a:t>27/11/2018</a:t>
             </a:fld>
             <a:endParaRPr lang="da-DK"/>
           </a:p>
@@ -2104,7 +2113,7 @@
           <p:cNvPr id="5" name="Footer Placeholder 4">
             <a:extLst>
               <a:ext uri="{FF2B5EF4-FFF2-40B4-BE49-F238E27FC236}">
-                <a16:creationId xmlns:a16="http://schemas.microsoft.com/office/drawing/2014/main" id="{C6491A9B-99B0-BF4A-9F4F-E9F65F0D6CA8}"/>
+                <a16:creationId xmlns:a16="http://schemas.microsoft.com/office/drawing/2014/main" xmlns="" id="{C6491A9B-99B0-BF4A-9F4F-E9F65F0D6CA8}"/>
               </a:ext>
             </a:extLst>
           </p:cNvPr>
@@ -2129,7 +2138,7 @@
           <p:cNvPr id="6" name="Slide Number Placeholder 5">
             <a:extLst>
               <a:ext uri="{FF2B5EF4-FFF2-40B4-BE49-F238E27FC236}">
-                <a16:creationId xmlns:a16="http://schemas.microsoft.com/office/drawing/2014/main" id="{3588B9F7-F32A-C149-AA95-DC92EFAAF570}"/>
+                <a16:creationId xmlns:a16="http://schemas.microsoft.com/office/drawing/2014/main" xmlns="" id="{3588B9F7-F32A-C149-AA95-DC92EFAAF570}"/>
               </a:ext>
             </a:extLst>
           </p:cNvPr>
@@ -2188,7 +2197,7 @@
           <p:cNvPr id="2" name="Title 1">
             <a:extLst>
               <a:ext uri="{FF2B5EF4-FFF2-40B4-BE49-F238E27FC236}">
-                <a16:creationId xmlns:a16="http://schemas.microsoft.com/office/drawing/2014/main" id="{3BB936E0-F622-FD4D-9B7B-C252DAE05E7F}"/>
+                <a16:creationId xmlns:a16="http://schemas.microsoft.com/office/drawing/2014/main" xmlns="" id="{3BB936E0-F622-FD4D-9B7B-C252DAE05E7F}"/>
               </a:ext>
             </a:extLst>
           </p:cNvPr>
@@ -2217,7 +2226,7 @@
           <p:cNvPr id="3" name="Content Placeholder 2">
             <a:extLst>
               <a:ext uri="{FF2B5EF4-FFF2-40B4-BE49-F238E27FC236}">
-                <a16:creationId xmlns:a16="http://schemas.microsoft.com/office/drawing/2014/main" id="{058E2282-7BF4-1C46-9275-4231D23450A4}"/>
+                <a16:creationId xmlns:a16="http://schemas.microsoft.com/office/drawing/2014/main" xmlns="" id="{058E2282-7BF4-1C46-9275-4231D23450A4}"/>
               </a:ext>
             </a:extLst>
           </p:cNvPr>
@@ -2280,7 +2289,7 @@
           <p:cNvPr id="4" name="Content Placeholder 3">
             <a:extLst>
               <a:ext uri="{FF2B5EF4-FFF2-40B4-BE49-F238E27FC236}">
-                <a16:creationId xmlns:a16="http://schemas.microsoft.com/office/drawing/2014/main" id="{CCAC6B01-38F2-5143-B1DD-B05413529CF4}"/>
+                <a16:creationId xmlns:a16="http://schemas.microsoft.com/office/drawing/2014/main" xmlns="" id="{CCAC6B01-38F2-5143-B1DD-B05413529CF4}"/>
               </a:ext>
             </a:extLst>
           </p:cNvPr>
@@ -2343,7 +2352,7 @@
           <p:cNvPr id="5" name="Date Placeholder 4">
             <a:extLst>
               <a:ext uri="{FF2B5EF4-FFF2-40B4-BE49-F238E27FC236}">
-                <a16:creationId xmlns:a16="http://schemas.microsoft.com/office/drawing/2014/main" id="{DBD9031D-650D-4643-BAA3-5D95C6264C72}"/>
+                <a16:creationId xmlns:a16="http://schemas.microsoft.com/office/drawing/2014/main" xmlns="" id="{DBD9031D-650D-4643-BAA3-5D95C6264C72}"/>
               </a:ext>
             </a:extLst>
           </p:cNvPr>
@@ -2361,7 +2370,7 @@
           <a:p>
             <a:fld id="{0C88A4F0-6416-3849-AD5C-8182371F0C64}" type="datetimeFigureOut">
               <a:rPr lang="da-DK" smtClean="0"/>
-              <a:t>26/11/2018</a:t>
+              <a:t>27/11/2018</a:t>
             </a:fld>
             <a:endParaRPr lang="da-DK"/>
           </a:p>
@@ -2372,7 +2381,7 @@
           <p:cNvPr id="6" name="Footer Placeholder 5">
             <a:extLst>
               <a:ext uri="{FF2B5EF4-FFF2-40B4-BE49-F238E27FC236}">
-                <a16:creationId xmlns:a16="http://schemas.microsoft.com/office/drawing/2014/main" id="{9BB1D980-FABC-4347-A010-56C865D0B462}"/>
+                <a16:creationId xmlns:a16="http://schemas.microsoft.com/office/drawing/2014/main" xmlns="" id="{9BB1D980-FABC-4347-A010-56C865D0B462}"/>
               </a:ext>
             </a:extLst>
           </p:cNvPr>
@@ -2397,7 +2406,7 @@
           <p:cNvPr id="7" name="Slide Number Placeholder 6">
             <a:extLst>
               <a:ext uri="{FF2B5EF4-FFF2-40B4-BE49-F238E27FC236}">
-                <a16:creationId xmlns:a16="http://schemas.microsoft.com/office/drawing/2014/main" id="{BEF0ABD4-8BC7-9649-B12A-1E013B92485D}"/>
+                <a16:creationId xmlns:a16="http://schemas.microsoft.com/office/drawing/2014/main" xmlns="" id="{BEF0ABD4-8BC7-9649-B12A-1E013B92485D}"/>
               </a:ext>
             </a:extLst>
           </p:cNvPr>
@@ -2456,7 +2465,7 @@
           <p:cNvPr id="2" name="Title 1">
             <a:extLst>
               <a:ext uri="{FF2B5EF4-FFF2-40B4-BE49-F238E27FC236}">
-                <a16:creationId xmlns:a16="http://schemas.microsoft.com/office/drawing/2014/main" id="{E39B88A6-890F-7442-8F60-A60F9AF4CECA}"/>
+                <a16:creationId xmlns:a16="http://schemas.microsoft.com/office/drawing/2014/main" xmlns="" id="{E39B88A6-890F-7442-8F60-A60F9AF4CECA}"/>
               </a:ext>
             </a:extLst>
           </p:cNvPr>
@@ -2490,7 +2499,7 @@
           <p:cNvPr id="3" name="Text Placeholder 2">
             <a:extLst>
               <a:ext uri="{FF2B5EF4-FFF2-40B4-BE49-F238E27FC236}">
-                <a16:creationId xmlns:a16="http://schemas.microsoft.com/office/drawing/2014/main" id="{80B50DB9-2360-0C4C-B83C-563186FA3AFB}"/>
+                <a16:creationId xmlns:a16="http://schemas.microsoft.com/office/drawing/2014/main" xmlns="" id="{80B50DB9-2360-0C4C-B83C-563186FA3AFB}"/>
               </a:ext>
             </a:extLst>
           </p:cNvPr>
@@ -2561,7 +2570,7 @@
           <p:cNvPr id="4" name="Content Placeholder 3">
             <a:extLst>
               <a:ext uri="{FF2B5EF4-FFF2-40B4-BE49-F238E27FC236}">
-                <a16:creationId xmlns:a16="http://schemas.microsoft.com/office/drawing/2014/main" id="{7DA515F7-C113-E04E-B330-5FAC508D6EF9}"/>
+                <a16:creationId xmlns:a16="http://schemas.microsoft.com/office/drawing/2014/main" xmlns="" id="{7DA515F7-C113-E04E-B330-5FAC508D6EF9}"/>
               </a:ext>
             </a:extLst>
           </p:cNvPr>
@@ -2624,7 +2633,7 @@
           <p:cNvPr id="5" name="Text Placeholder 4">
             <a:extLst>
               <a:ext uri="{FF2B5EF4-FFF2-40B4-BE49-F238E27FC236}">
-                <a16:creationId xmlns:a16="http://schemas.microsoft.com/office/drawing/2014/main" id="{1C7C0490-73D2-944F-B2F7-779919A064F5}"/>
+                <a16:creationId xmlns:a16="http://schemas.microsoft.com/office/drawing/2014/main" xmlns="" id="{1C7C0490-73D2-944F-B2F7-779919A064F5}"/>
               </a:ext>
             </a:extLst>
           </p:cNvPr>
@@ -2695,7 +2704,7 @@
           <p:cNvPr id="6" name="Content Placeholder 5">
             <a:extLst>
               <a:ext uri="{FF2B5EF4-FFF2-40B4-BE49-F238E27FC236}">
-                <a16:creationId xmlns:a16="http://schemas.microsoft.com/office/drawing/2014/main" id="{D53E1515-B7D1-DF44-BD10-385FD6D0E807}"/>
+                <a16:creationId xmlns:a16="http://schemas.microsoft.com/office/drawing/2014/main" xmlns="" id="{D53E1515-B7D1-DF44-BD10-385FD6D0E807}"/>
               </a:ext>
             </a:extLst>
           </p:cNvPr>
@@ -2758,7 +2767,7 @@
           <p:cNvPr id="7" name="Date Placeholder 6">
             <a:extLst>
               <a:ext uri="{FF2B5EF4-FFF2-40B4-BE49-F238E27FC236}">
-                <a16:creationId xmlns:a16="http://schemas.microsoft.com/office/drawing/2014/main" id="{AC9500AF-25C2-614E-AD33-75DFF3CBD5C9}"/>
+                <a16:creationId xmlns:a16="http://schemas.microsoft.com/office/drawing/2014/main" xmlns="" id="{AC9500AF-25C2-614E-AD33-75DFF3CBD5C9}"/>
               </a:ext>
             </a:extLst>
           </p:cNvPr>
@@ -2776,7 +2785,7 @@
           <a:p>
             <a:fld id="{0C88A4F0-6416-3849-AD5C-8182371F0C64}" type="datetimeFigureOut">
               <a:rPr lang="da-DK" smtClean="0"/>
-              <a:t>26/11/2018</a:t>
+              <a:t>27/11/2018</a:t>
             </a:fld>
             <a:endParaRPr lang="da-DK"/>
           </a:p>
@@ -2787,7 +2796,7 @@
           <p:cNvPr id="8" name="Footer Placeholder 7">
             <a:extLst>
               <a:ext uri="{FF2B5EF4-FFF2-40B4-BE49-F238E27FC236}">
-                <a16:creationId xmlns:a16="http://schemas.microsoft.com/office/drawing/2014/main" id="{5F05E421-4952-9742-89F3-6CEC9AB0B942}"/>
+                <a16:creationId xmlns:a16="http://schemas.microsoft.com/office/drawing/2014/main" xmlns="" id="{5F05E421-4952-9742-89F3-6CEC9AB0B942}"/>
               </a:ext>
             </a:extLst>
           </p:cNvPr>
@@ -2812,7 +2821,7 @@
           <p:cNvPr id="9" name="Slide Number Placeholder 8">
             <a:extLst>
               <a:ext uri="{FF2B5EF4-FFF2-40B4-BE49-F238E27FC236}">
-                <a16:creationId xmlns:a16="http://schemas.microsoft.com/office/drawing/2014/main" id="{7E9B21A4-A216-1648-8675-CA9648A7316E}"/>
+                <a16:creationId xmlns:a16="http://schemas.microsoft.com/office/drawing/2014/main" xmlns="" id="{7E9B21A4-A216-1648-8675-CA9648A7316E}"/>
               </a:ext>
             </a:extLst>
           </p:cNvPr>
@@ -2871,7 +2880,7 @@
           <p:cNvPr id="2" name="Title 1">
             <a:extLst>
               <a:ext uri="{FF2B5EF4-FFF2-40B4-BE49-F238E27FC236}">
-                <a16:creationId xmlns:a16="http://schemas.microsoft.com/office/drawing/2014/main" id="{07C88290-411F-7149-8EFB-7DF344536377}"/>
+                <a16:creationId xmlns:a16="http://schemas.microsoft.com/office/drawing/2014/main" xmlns="" id="{07C88290-411F-7149-8EFB-7DF344536377}"/>
               </a:ext>
             </a:extLst>
           </p:cNvPr>
@@ -2900,7 +2909,7 @@
           <p:cNvPr id="3" name="Date Placeholder 2">
             <a:extLst>
               <a:ext uri="{FF2B5EF4-FFF2-40B4-BE49-F238E27FC236}">
-                <a16:creationId xmlns:a16="http://schemas.microsoft.com/office/drawing/2014/main" id="{FBD5C4B8-A290-084F-9A9F-D8EBE3B19867}"/>
+                <a16:creationId xmlns:a16="http://schemas.microsoft.com/office/drawing/2014/main" xmlns="" id="{FBD5C4B8-A290-084F-9A9F-D8EBE3B19867}"/>
               </a:ext>
             </a:extLst>
           </p:cNvPr>
@@ -2918,7 +2927,7 @@
           <a:p>
             <a:fld id="{0C88A4F0-6416-3849-AD5C-8182371F0C64}" type="datetimeFigureOut">
               <a:rPr lang="da-DK" smtClean="0"/>
-              <a:t>26/11/2018</a:t>
+              <a:t>27/11/2018</a:t>
             </a:fld>
             <a:endParaRPr lang="da-DK"/>
           </a:p>
@@ -2929,7 +2938,7 @@
           <p:cNvPr id="4" name="Footer Placeholder 3">
             <a:extLst>
               <a:ext uri="{FF2B5EF4-FFF2-40B4-BE49-F238E27FC236}">
-                <a16:creationId xmlns:a16="http://schemas.microsoft.com/office/drawing/2014/main" id="{B636B2E5-0CD8-2F43-8AD6-11AA0ED7FB61}"/>
+                <a16:creationId xmlns:a16="http://schemas.microsoft.com/office/drawing/2014/main" xmlns="" id="{B636B2E5-0CD8-2F43-8AD6-11AA0ED7FB61}"/>
               </a:ext>
             </a:extLst>
           </p:cNvPr>
@@ -2954,7 +2963,7 @@
           <p:cNvPr id="5" name="Slide Number Placeholder 4">
             <a:extLst>
               <a:ext uri="{FF2B5EF4-FFF2-40B4-BE49-F238E27FC236}">
-                <a16:creationId xmlns:a16="http://schemas.microsoft.com/office/drawing/2014/main" id="{F2EB22DC-EC74-1544-8ACF-4F0B7D0A9533}"/>
+                <a16:creationId xmlns:a16="http://schemas.microsoft.com/office/drawing/2014/main" xmlns="" id="{F2EB22DC-EC74-1544-8ACF-4F0B7D0A9533}"/>
               </a:ext>
             </a:extLst>
           </p:cNvPr>
@@ -3013,7 +3022,7 @@
           <p:cNvPr id="2" name="Date Placeholder 1">
             <a:extLst>
               <a:ext uri="{FF2B5EF4-FFF2-40B4-BE49-F238E27FC236}">
-                <a16:creationId xmlns:a16="http://schemas.microsoft.com/office/drawing/2014/main" id="{AB85106E-DAB5-DA44-94DF-21ACA341EB2E}"/>
+                <a16:creationId xmlns:a16="http://schemas.microsoft.com/office/drawing/2014/main" xmlns="" id="{AB85106E-DAB5-DA44-94DF-21ACA341EB2E}"/>
               </a:ext>
             </a:extLst>
           </p:cNvPr>
@@ -3031,7 +3040,7 @@
           <a:p>
             <a:fld id="{0C88A4F0-6416-3849-AD5C-8182371F0C64}" type="datetimeFigureOut">
               <a:rPr lang="da-DK" smtClean="0"/>
-              <a:t>26/11/2018</a:t>
+              <a:t>27/11/2018</a:t>
             </a:fld>
             <a:endParaRPr lang="da-DK"/>
           </a:p>
@@ -3042,7 +3051,7 @@
           <p:cNvPr id="3" name="Footer Placeholder 2">
             <a:extLst>
               <a:ext uri="{FF2B5EF4-FFF2-40B4-BE49-F238E27FC236}">
-                <a16:creationId xmlns:a16="http://schemas.microsoft.com/office/drawing/2014/main" id="{6F9B187F-CD21-6C4F-96CE-B9EEF79EC096}"/>
+                <a16:creationId xmlns:a16="http://schemas.microsoft.com/office/drawing/2014/main" xmlns="" id="{6F9B187F-CD21-6C4F-96CE-B9EEF79EC096}"/>
               </a:ext>
             </a:extLst>
           </p:cNvPr>
@@ -3067,7 +3076,7 @@
           <p:cNvPr id="4" name="Slide Number Placeholder 3">
             <a:extLst>
               <a:ext uri="{FF2B5EF4-FFF2-40B4-BE49-F238E27FC236}">
-                <a16:creationId xmlns:a16="http://schemas.microsoft.com/office/drawing/2014/main" id="{41064B7C-0ECC-1D40-ACA4-4E1B78279870}"/>
+                <a16:creationId xmlns:a16="http://schemas.microsoft.com/office/drawing/2014/main" xmlns="" id="{41064B7C-0ECC-1D40-ACA4-4E1B78279870}"/>
               </a:ext>
             </a:extLst>
           </p:cNvPr>
@@ -3126,7 +3135,7 @@
           <p:cNvPr id="2" name="Title 1">
             <a:extLst>
               <a:ext uri="{FF2B5EF4-FFF2-40B4-BE49-F238E27FC236}">
-                <a16:creationId xmlns:a16="http://schemas.microsoft.com/office/drawing/2014/main" id="{3FD338F8-A6A6-3646-AE56-78E71B37327E}"/>
+                <a16:creationId xmlns:a16="http://schemas.microsoft.com/office/drawing/2014/main" xmlns="" id="{3FD338F8-A6A6-3646-AE56-78E71B37327E}"/>
               </a:ext>
             </a:extLst>
           </p:cNvPr>
@@ -3164,7 +3173,7 @@
           <p:cNvPr id="3" name="Content Placeholder 2">
             <a:extLst>
               <a:ext uri="{FF2B5EF4-FFF2-40B4-BE49-F238E27FC236}">
-                <a16:creationId xmlns:a16="http://schemas.microsoft.com/office/drawing/2014/main" id="{F6B346EA-86A5-584A-B4E5-27BF93EE8EE0}"/>
+                <a16:creationId xmlns:a16="http://schemas.microsoft.com/office/drawing/2014/main" xmlns="" id="{F6B346EA-86A5-584A-B4E5-27BF93EE8EE0}"/>
               </a:ext>
             </a:extLst>
           </p:cNvPr>
@@ -3255,7 +3264,7 @@
           <p:cNvPr id="4" name="Text Placeholder 3">
             <a:extLst>
               <a:ext uri="{FF2B5EF4-FFF2-40B4-BE49-F238E27FC236}">
-                <a16:creationId xmlns:a16="http://schemas.microsoft.com/office/drawing/2014/main" id="{D1326A26-26A0-774E-B1E2-F756CD3E4FD6}"/>
+                <a16:creationId xmlns:a16="http://schemas.microsoft.com/office/drawing/2014/main" xmlns="" id="{D1326A26-26A0-774E-B1E2-F756CD3E4FD6}"/>
               </a:ext>
             </a:extLst>
           </p:cNvPr>
@@ -3326,7 +3335,7 @@
           <p:cNvPr id="5" name="Date Placeholder 4">
             <a:extLst>
               <a:ext uri="{FF2B5EF4-FFF2-40B4-BE49-F238E27FC236}">
-                <a16:creationId xmlns:a16="http://schemas.microsoft.com/office/drawing/2014/main" id="{C48479E9-E1F5-9643-B226-601290DC0DB3}"/>
+                <a16:creationId xmlns:a16="http://schemas.microsoft.com/office/drawing/2014/main" xmlns="" id="{C48479E9-E1F5-9643-B226-601290DC0DB3}"/>
               </a:ext>
             </a:extLst>
           </p:cNvPr>
@@ -3344,7 +3353,7 @@
           <a:p>
             <a:fld id="{0C88A4F0-6416-3849-AD5C-8182371F0C64}" type="datetimeFigureOut">
               <a:rPr lang="da-DK" smtClean="0"/>
-              <a:t>26/11/2018</a:t>
+              <a:t>27/11/2018</a:t>
             </a:fld>
             <a:endParaRPr lang="da-DK"/>
           </a:p>
@@ -3355,7 +3364,7 @@
           <p:cNvPr id="6" name="Footer Placeholder 5">
             <a:extLst>
               <a:ext uri="{FF2B5EF4-FFF2-40B4-BE49-F238E27FC236}">
-                <a16:creationId xmlns:a16="http://schemas.microsoft.com/office/drawing/2014/main" id="{B609F5C1-B295-E143-9CB3-91F98F044C54}"/>
+                <a16:creationId xmlns:a16="http://schemas.microsoft.com/office/drawing/2014/main" xmlns="" id="{B609F5C1-B295-E143-9CB3-91F98F044C54}"/>
               </a:ext>
             </a:extLst>
           </p:cNvPr>
@@ -3380,7 +3389,7 @@
           <p:cNvPr id="7" name="Slide Number Placeholder 6">
             <a:extLst>
               <a:ext uri="{FF2B5EF4-FFF2-40B4-BE49-F238E27FC236}">
-                <a16:creationId xmlns:a16="http://schemas.microsoft.com/office/drawing/2014/main" id="{A5E86A32-34AA-4140-BDF6-57CC088AD5A4}"/>
+                <a16:creationId xmlns:a16="http://schemas.microsoft.com/office/drawing/2014/main" xmlns="" id="{A5E86A32-34AA-4140-BDF6-57CC088AD5A4}"/>
               </a:ext>
             </a:extLst>
           </p:cNvPr>
@@ -3439,7 +3448,7 @@
           <p:cNvPr id="2" name="Title 1">
             <a:extLst>
               <a:ext uri="{FF2B5EF4-FFF2-40B4-BE49-F238E27FC236}">
-                <a16:creationId xmlns:a16="http://schemas.microsoft.com/office/drawing/2014/main" id="{25EA7A66-BE70-234F-9A50-24540B73C527}"/>
+                <a16:creationId xmlns:a16="http://schemas.microsoft.com/office/drawing/2014/main" xmlns="" id="{25EA7A66-BE70-234F-9A50-24540B73C527}"/>
               </a:ext>
             </a:extLst>
           </p:cNvPr>
@@ -3477,7 +3486,7 @@
           <p:cNvPr id="3" name="Picture Placeholder 2">
             <a:extLst>
               <a:ext uri="{FF2B5EF4-FFF2-40B4-BE49-F238E27FC236}">
-                <a16:creationId xmlns:a16="http://schemas.microsoft.com/office/drawing/2014/main" id="{731C78C1-82E9-9D4C-8841-2BF6DED32BC2}"/>
+                <a16:creationId xmlns:a16="http://schemas.microsoft.com/office/drawing/2014/main" xmlns="" id="{731C78C1-82E9-9D4C-8841-2BF6DED32BC2}"/>
               </a:ext>
             </a:extLst>
           </p:cNvPr>
@@ -3544,7 +3553,7 @@
           <p:cNvPr id="4" name="Text Placeholder 3">
             <a:extLst>
               <a:ext uri="{FF2B5EF4-FFF2-40B4-BE49-F238E27FC236}">
-                <a16:creationId xmlns:a16="http://schemas.microsoft.com/office/drawing/2014/main" id="{F2B4FA57-296A-EB45-84DB-03E00AC985C1}"/>
+                <a16:creationId xmlns:a16="http://schemas.microsoft.com/office/drawing/2014/main" xmlns="" id="{F2B4FA57-296A-EB45-84DB-03E00AC985C1}"/>
               </a:ext>
             </a:extLst>
           </p:cNvPr>
@@ -3615,7 +3624,7 @@
           <p:cNvPr id="5" name="Date Placeholder 4">
             <a:extLst>
               <a:ext uri="{FF2B5EF4-FFF2-40B4-BE49-F238E27FC236}">
-                <a16:creationId xmlns:a16="http://schemas.microsoft.com/office/drawing/2014/main" id="{A32DE43F-C007-9342-A05F-9FA9C66CEC67}"/>
+                <a16:creationId xmlns:a16="http://schemas.microsoft.com/office/drawing/2014/main" xmlns="" id="{A32DE43F-C007-9342-A05F-9FA9C66CEC67}"/>
               </a:ext>
             </a:extLst>
           </p:cNvPr>
@@ -3633,7 +3642,7 @@
           <a:p>
             <a:fld id="{0C88A4F0-6416-3849-AD5C-8182371F0C64}" type="datetimeFigureOut">
               <a:rPr lang="da-DK" smtClean="0"/>
-              <a:t>26/11/2018</a:t>
+              <a:t>27/11/2018</a:t>
             </a:fld>
             <a:endParaRPr lang="da-DK"/>
           </a:p>
@@ -3644,7 +3653,7 @@
           <p:cNvPr id="6" name="Footer Placeholder 5">
             <a:extLst>
               <a:ext uri="{FF2B5EF4-FFF2-40B4-BE49-F238E27FC236}">
-                <a16:creationId xmlns:a16="http://schemas.microsoft.com/office/drawing/2014/main" id="{5BFC31A1-0036-A14E-AF28-7359B007C776}"/>
+                <a16:creationId xmlns:a16="http://schemas.microsoft.com/office/drawing/2014/main" xmlns="" id="{5BFC31A1-0036-A14E-AF28-7359B007C776}"/>
               </a:ext>
             </a:extLst>
           </p:cNvPr>
@@ -3669,7 +3678,7 @@
           <p:cNvPr id="7" name="Slide Number Placeholder 6">
             <a:extLst>
               <a:ext uri="{FF2B5EF4-FFF2-40B4-BE49-F238E27FC236}">
-                <a16:creationId xmlns:a16="http://schemas.microsoft.com/office/drawing/2014/main" id="{10A460D5-A58C-9542-8134-D9ADEF475A5D}"/>
+                <a16:creationId xmlns:a16="http://schemas.microsoft.com/office/drawing/2014/main" xmlns="" id="{10A460D5-A58C-9542-8134-D9ADEF475A5D}"/>
               </a:ext>
             </a:extLst>
           </p:cNvPr>
@@ -3733,7 +3742,7 @@
           <p:cNvPr id="2" name="Title Placeholder 1">
             <a:extLst>
               <a:ext uri="{FF2B5EF4-FFF2-40B4-BE49-F238E27FC236}">
-                <a16:creationId xmlns:a16="http://schemas.microsoft.com/office/drawing/2014/main" id="{F96794A8-438A-FB4E-A78E-36DD94D22544}"/>
+                <a16:creationId xmlns:a16="http://schemas.microsoft.com/office/drawing/2014/main" xmlns="" id="{F96794A8-438A-FB4E-A78E-36DD94D22544}"/>
               </a:ext>
             </a:extLst>
           </p:cNvPr>
@@ -3772,7 +3781,7 @@
           <p:cNvPr id="3" name="Text Placeholder 2">
             <a:extLst>
               <a:ext uri="{FF2B5EF4-FFF2-40B4-BE49-F238E27FC236}">
-                <a16:creationId xmlns:a16="http://schemas.microsoft.com/office/drawing/2014/main" id="{9FD3C57B-1618-9042-8F6F-B5E66FA89255}"/>
+                <a16:creationId xmlns:a16="http://schemas.microsoft.com/office/drawing/2014/main" xmlns="" id="{9FD3C57B-1618-9042-8F6F-B5E66FA89255}"/>
               </a:ext>
             </a:extLst>
           </p:cNvPr>
@@ -3840,7 +3849,7 @@
           <p:cNvPr id="4" name="Date Placeholder 3">
             <a:extLst>
               <a:ext uri="{FF2B5EF4-FFF2-40B4-BE49-F238E27FC236}">
-                <a16:creationId xmlns:a16="http://schemas.microsoft.com/office/drawing/2014/main" id="{14B0FDE7-BACC-C544-AB40-95D3CD32584A}"/>
+                <a16:creationId xmlns:a16="http://schemas.microsoft.com/office/drawing/2014/main" xmlns="" id="{14B0FDE7-BACC-C544-AB40-95D3CD32584A}"/>
               </a:ext>
             </a:extLst>
           </p:cNvPr>
@@ -3876,7 +3885,7 @@
           <a:p>
             <a:fld id="{0C88A4F0-6416-3849-AD5C-8182371F0C64}" type="datetimeFigureOut">
               <a:rPr lang="da-DK" smtClean="0"/>
-              <a:t>26/11/2018</a:t>
+              <a:t>27/11/2018</a:t>
             </a:fld>
             <a:endParaRPr lang="da-DK"/>
           </a:p>
@@ -3887,7 +3896,7 @@
           <p:cNvPr id="5" name="Footer Placeholder 4">
             <a:extLst>
               <a:ext uri="{FF2B5EF4-FFF2-40B4-BE49-F238E27FC236}">
-                <a16:creationId xmlns:a16="http://schemas.microsoft.com/office/drawing/2014/main" id="{48082F3E-F55F-9849-98BD-C984FA1E2EAE}"/>
+                <a16:creationId xmlns:a16="http://schemas.microsoft.com/office/drawing/2014/main" xmlns="" id="{48082F3E-F55F-9849-98BD-C984FA1E2EAE}"/>
               </a:ext>
             </a:extLst>
           </p:cNvPr>
@@ -3930,7 +3939,7 @@
           <p:cNvPr id="6" name="Slide Number Placeholder 5">
             <a:extLst>
               <a:ext uri="{FF2B5EF4-FFF2-40B4-BE49-F238E27FC236}">
-                <a16:creationId xmlns:a16="http://schemas.microsoft.com/office/drawing/2014/main" id="{F9546FC4-1471-5146-8E76-BB1F28611D7F}"/>
+                <a16:creationId xmlns:a16="http://schemas.microsoft.com/office/drawing/2014/main" xmlns="" id="{F9546FC4-1471-5146-8E76-BB1F28611D7F}"/>
               </a:ext>
             </a:extLst>
           </p:cNvPr>
@@ -4443,7 +4452,7 @@
           <p:cNvPr id="32" name="Straight Arrow Connector 31">
             <a:extLst>
               <a:ext uri="{FF2B5EF4-FFF2-40B4-BE49-F238E27FC236}">
-                <a16:creationId xmlns:a16="http://schemas.microsoft.com/office/drawing/2014/main" id="{766C1FD0-3FA5-C743-964E-C61F79490E02}"/>
+                <a16:creationId xmlns:a16="http://schemas.microsoft.com/office/drawing/2014/main" xmlns="" id="{766C1FD0-3FA5-C743-964E-C61F79490E02}"/>
               </a:ext>
             </a:extLst>
           </p:cNvPr>
@@ -4485,7 +4494,7 @@
           <p:cNvPr id="33" name="Straight Arrow Connector 32">
             <a:extLst>
               <a:ext uri="{FF2B5EF4-FFF2-40B4-BE49-F238E27FC236}">
-                <a16:creationId xmlns:a16="http://schemas.microsoft.com/office/drawing/2014/main" id="{2AE55632-4A6E-7D46-A1CE-05300C3367FF}"/>
+                <a16:creationId xmlns:a16="http://schemas.microsoft.com/office/drawing/2014/main" xmlns="" id="{2AE55632-4A6E-7D46-A1CE-05300C3367FF}"/>
               </a:ext>
             </a:extLst>
           </p:cNvPr>
@@ -4527,7 +4536,7 @@
           <p:cNvPr id="25" name="Multiply 24">
             <a:extLst>
               <a:ext uri="{FF2B5EF4-FFF2-40B4-BE49-F238E27FC236}">
-                <a16:creationId xmlns:a16="http://schemas.microsoft.com/office/drawing/2014/main" id="{3FE7EF9F-CB85-A443-8CA2-04C865A21D81}"/>
+                <a16:creationId xmlns:a16="http://schemas.microsoft.com/office/drawing/2014/main" xmlns="" id="{3FE7EF9F-CB85-A443-8CA2-04C865A21D81}"/>
               </a:ext>
             </a:extLst>
           </p:cNvPr>
@@ -5361,7 +5370,7 @@
                         <m:sSubPr>
                           <m:ctrlPr>
                             <a:rPr lang="en-US" b="0" i="1" smtClean="0">
-                              <a:latin typeface="Cambria Math" panose="02040503050406030204" pitchFamily="18" charset="0"/>
+                              <a:latin typeface="Cambria Math" charset="0"/>
                             </a:rPr>
                           </m:ctrlPr>
                         </m:sSubPr>
@@ -5470,7 +5479,7 @@
                         <m:sSubPr>
                           <m:ctrlPr>
                             <a:rPr lang="en-US" sz="2400" b="0" i="1" smtClean="0">
-                              <a:latin typeface="Cambria Math" panose="02040503050406030204" pitchFamily="18" charset="0"/>
+                              <a:latin typeface="Cambria Math" charset="0"/>
                             </a:rPr>
                           </m:ctrlPr>
                         </m:sSubPr>
@@ -5501,7 +5510,7 @@
                         <m:sSubPr>
                           <m:ctrlPr>
                             <a:rPr lang="en-US" sz="2400" b="0" i="1" smtClean="0">
-                              <a:latin typeface="Cambria Math" panose="02040503050406030204" pitchFamily="18" charset="0"/>
+                              <a:latin typeface="Cambria Math" charset="0"/>
                             </a:rPr>
                           </m:ctrlPr>
                         </m:sSubPr>
@@ -5627,7 +5636,7 @@
                         <m:sSubPr>
                           <m:ctrlPr>
                             <a:rPr lang="en-US" sz="2400" i="1" smtClean="0">
-                              <a:latin typeface="Cambria Math" panose="02040503050406030204" pitchFamily="18" charset="0"/>
+                              <a:latin typeface="Cambria Math" charset="0"/>
                             </a:rPr>
                           </m:ctrlPr>
                         </m:sSubPr>
@@ -5741,6 +5750,13 @@
   <p:clrMapOvr>
     <a:masterClrMapping/>
   </p:clrMapOvr>
+  <p:timing>
+    <p:tnLst>
+      <p:par>
+        <p:cTn id="1" dur="indefinite" restart="never" nodeType="tmRoot"/>
+      </p:par>
+    </p:tnLst>
+  </p:timing>
 </p:sld>
 </file>
 
@@ -5766,7 +5782,7 @@
           <p:cNvPr id="2" name="Title 1">
             <a:extLst>
               <a:ext uri="{FF2B5EF4-FFF2-40B4-BE49-F238E27FC236}">
-                <a16:creationId xmlns:a16="http://schemas.microsoft.com/office/drawing/2014/main" id="{B3663BD7-3EE4-A442-B110-597339C62489}"/>
+                <a16:creationId xmlns:a16="http://schemas.microsoft.com/office/drawing/2014/main" xmlns="" id="{B3663BD7-3EE4-A442-B110-597339C62489}"/>
               </a:ext>
             </a:extLst>
           </p:cNvPr>
@@ -5777,15 +5793,54 @@
             <p:ph type="title"/>
           </p:nvPr>
         </p:nvSpPr>
-        <p:spPr/>
+        <p:spPr>
+          <a:xfrm>
+            <a:off x="838200" y="365125"/>
+            <a:ext cx="4628949" cy="1325563"/>
+          </a:xfrm>
+        </p:spPr>
         <p:txBody>
           <a:bodyPr/>
           <a:lstStyle/>
           <a:p>
-            <a:endParaRPr lang="da-DK"/>
-          </a:p>
-        </p:txBody>
-      </p:sp>
+            <a:r>
+              <a:rPr lang="da-DK" dirty="0" smtClean="0"/>
+              <a:t>Method</a:t>
+            </a:r>
+            <a:endParaRPr lang="da-DK" dirty="0"/>
+          </a:p>
+        </p:txBody>
+      </p:sp>
+      <p:pic>
+        <p:nvPicPr>
+          <p:cNvPr id="4" name="Picture 3"/>
+          <p:cNvPicPr>
+            <a:picLocks noChangeAspect="1"/>
+          </p:cNvPicPr>
+          <p:nvPr/>
+        </p:nvPicPr>
+        <p:blipFill>
+          <a:blip r:embed="rId2">
+            <a:extLst>
+              <a:ext uri="{28A0092B-C50C-407E-A947-70E740481C1C}">
+                <a14:useLocalDpi xmlns:a14="http://schemas.microsoft.com/office/drawing/2010/main" val="0"/>
+              </a:ext>
+            </a:extLst>
+          </a:blip>
+          <a:stretch>
+            <a:fillRect/>
+          </a:stretch>
+        </p:blipFill>
+        <p:spPr>
+          <a:xfrm>
+            <a:off x="4005813" y="163628"/>
+            <a:ext cx="10550008" cy="25196133"/>
+          </a:xfrm>
+          <a:prstGeom prst="rect">
+            <a:avLst/>
+          </a:prstGeom>
+        </p:spPr>
+      </p:pic>
     </p:spTree>
     <p:extLst>
       <p:ext uri="{BB962C8B-B14F-4D97-AF65-F5344CB8AC3E}">
@@ -5796,6 +5851,1803 @@
   <p:clrMapOvr>
     <a:masterClrMapping/>
   </p:clrMapOvr>
+  <p:timing>
+    <p:tnLst>
+      <p:par>
+        <p:cTn id="1" dur="indefinite" restart="never" nodeType="tmRoot"/>
+      </p:par>
+    </p:tnLst>
+  </p:timing>
+</p:sld>
+</file>
+
+<file path=ppt/slides/slide12.xml><?xml version="1.0" encoding="utf-8"?>
+<p:sld xmlns:a="http://schemas.openxmlformats.org/drawingml/2006/main" xmlns:r="http://schemas.openxmlformats.org/officeDocument/2006/relationships" xmlns:p="http://schemas.openxmlformats.org/presentationml/2006/main">
+  <p:cSld>
+    <p:spTree>
+      <p:nvGrpSpPr>
+        <p:cNvPr id="1" name=""/>
+        <p:cNvGrpSpPr/>
+        <p:nvPr/>
+      </p:nvGrpSpPr>
+      <p:grpSpPr>
+        <a:xfrm>
+          <a:off x="0" y="0"/>
+          <a:ext cx="0" cy="0"/>
+          <a:chOff x="0" y="0"/>
+          <a:chExt cx="0" cy="0"/>
+        </a:xfrm>
+      </p:grpSpPr>
+      <p:sp>
+        <p:nvSpPr>
+          <p:cNvPr id="2" name="Title 1">
+            <a:extLst>
+              <a:ext uri="{FF2B5EF4-FFF2-40B4-BE49-F238E27FC236}">
+                <a16:creationId xmlns:a16="http://schemas.microsoft.com/office/drawing/2014/main" xmlns="" id="{B3663BD7-3EE4-A442-B110-597339C62489}"/>
+              </a:ext>
+            </a:extLst>
+          </p:cNvPr>
+          <p:cNvSpPr>
+            <a:spLocks noGrp="1"/>
+          </p:cNvSpPr>
+          <p:nvPr>
+            <p:ph type="title"/>
+          </p:nvPr>
+        </p:nvSpPr>
+        <p:spPr/>
+        <p:txBody>
+          <a:bodyPr/>
+          <a:lstStyle/>
+          <a:p>
+            <a:r>
+              <a:rPr lang="da-DK" dirty="0" smtClean="0"/>
+              <a:t>TiO</a:t>
+            </a:r>
+            <a:r>
+              <a:rPr lang="da-DK" baseline="-25000" dirty="0" smtClean="0"/>
+              <a:t>2</a:t>
+            </a:r>
+            <a:r>
+              <a:rPr lang="da-DK" dirty="0" smtClean="0"/>
+              <a:t>(001)</a:t>
+            </a:r>
+            <a:endParaRPr lang="da-DK" dirty="0"/>
+          </a:p>
+        </p:txBody>
+      </p:sp>
+      <p:pic>
+        <p:nvPicPr>
+          <p:cNvPr id="3" name="Picture 2"/>
+          <p:cNvPicPr>
+            <a:picLocks noChangeAspect="1"/>
+          </p:cNvPicPr>
+          <p:nvPr/>
+        </p:nvPicPr>
+        <p:blipFill>
+          <a:blip r:embed="rId2">
+            <a:extLst>
+              <a:ext uri="{28A0092B-C50C-407E-A947-70E740481C1C}">
+                <a14:useLocalDpi xmlns:a14="http://schemas.microsoft.com/office/drawing/2010/main" val="0"/>
+              </a:ext>
+            </a:extLst>
+          </a:blip>
+          <a:stretch>
+            <a:fillRect/>
+          </a:stretch>
+        </p:blipFill>
+        <p:spPr>
+          <a:xfrm>
+            <a:off x="293971" y="3608913"/>
+            <a:ext cx="4047022" cy="3037461"/>
+          </a:xfrm>
+          <a:prstGeom prst="rect">
+            <a:avLst/>
+          </a:prstGeom>
+        </p:spPr>
+      </p:pic>
+      <p:pic>
+        <p:nvPicPr>
+          <p:cNvPr id="4" name="Picture 3"/>
+          <p:cNvPicPr>
+            <a:picLocks noChangeAspect="1"/>
+          </p:cNvPicPr>
+          <p:nvPr/>
+        </p:nvPicPr>
+        <p:blipFill rotWithShape="1">
+          <a:blip r:embed="rId3">
+            <a:extLst>
+              <a:ext uri="{28A0092B-C50C-407E-A947-70E740481C1C}">
+                <a14:useLocalDpi xmlns:a14="http://schemas.microsoft.com/office/drawing/2010/main" val="0"/>
+              </a:ext>
+            </a:extLst>
+          </a:blip>
+          <a:srcRect t="45006" b="12387"/>
+          <a:stretch/>
+        </p:blipFill>
+        <p:spPr>
+          <a:xfrm>
+            <a:off x="1327557" y="1708700"/>
+            <a:ext cx="2146143" cy="914400"/>
+          </a:xfrm>
+          <a:prstGeom prst="rect">
+            <a:avLst/>
+          </a:prstGeom>
+        </p:spPr>
+      </p:pic>
+      <p:pic>
+        <p:nvPicPr>
+          <p:cNvPr id="5" name="Picture 4"/>
+          <p:cNvPicPr>
+            <a:picLocks noChangeAspect="1"/>
+          </p:cNvPicPr>
+          <p:nvPr/>
+        </p:nvPicPr>
+        <p:blipFill>
+          <a:blip r:embed="rId4">
+            <a:extLst>
+              <a:ext uri="{28A0092B-C50C-407E-A947-70E740481C1C}">
+                <a14:useLocalDpi xmlns:a14="http://schemas.microsoft.com/office/drawing/2010/main" val="0"/>
+              </a:ext>
+            </a:extLst>
+          </a:blip>
+          <a:stretch>
+            <a:fillRect/>
+          </a:stretch>
+        </p:blipFill>
+        <p:spPr>
+          <a:xfrm rot="5400000">
+            <a:off x="1350009" y="2157037"/>
+            <a:ext cx="2101241" cy="2101241"/>
+          </a:xfrm>
+          <a:prstGeom prst="rect">
+            <a:avLst/>
+          </a:prstGeom>
+        </p:spPr>
+      </p:pic>
+      <p:pic>
+        <p:nvPicPr>
+          <p:cNvPr id="7" name="Picture 6"/>
+          <p:cNvPicPr>
+            <a:picLocks noChangeAspect="1"/>
+          </p:cNvPicPr>
+          <p:nvPr/>
+        </p:nvPicPr>
+        <p:blipFill>
+          <a:blip r:embed="rId5">
+            <a:extLst>
+              <a:ext uri="{28A0092B-C50C-407E-A947-70E740481C1C}">
+                <a14:useLocalDpi xmlns:a14="http://schemas.microsoft.com/office/drawing/2010/main" val="0"/>
+              </a:ext>
+            </a:extLst>
+          </a:blip>
+          <a:stretch>
+            <a:fillRect/>
+          </a:stretch>
+        </p:blipFill>
+        <p:spPr>
+          <a:xfrm rot="5400000">
+            <a:off x="5727611" y="2220695"/>
+            <a:ext cx="999832" cy="2059840"/>
+          </a:xfrm>
+          <a:prstGeom prst="rect">
+            <a:avLst/>
+          </a:prstGeom>
+        </p:spPr>
+      </p:pic>
+      <p:pic>
+        <p:nvPicPr>
+          <p:cNvPr id="8" name="Picture 7"/>
+          <p:cNvPicPr>
+            <a:picLocks noChangeAspect="1"/>
+          </p:cNvPicPr>
+          <p:nvPr/>
+        </p:nvPicPr>
+        <p:blipFill>
+          <a:blip r:embed="rId6">
+            <a:extLst>
+              <a:ext uri="{28A0092B-C50C-407E-A947-70E740481C1C}">
+                <a14:useLocalDpi xmlns:a14="http://schemas.microsoft.com/office/drawing/2010/main" val="0"/>
+              </a:ext>
+            </a:extLst>
+          </a:blip>
+          <a:stretch>
+            <a:fillRect/>
+          </a:stretch>
+        </p:blipFill>
+        <p:spPr>
+          <a:xfrm>
+            <a:off x="4186992" y="3608912"/>
+            <a:ext cx="4047022" cy="3037461"/>
+          </a:xfrm>
+          <a:prstGeom prst="rect">
+            <a:avLst/>
+          </a:prstGeom>
+        </p:spPr>
+      </p:pic>
+      <p:pic>
+        <p:nvPicPr>
+          <p:cNvPr id="9" name="Picture 8"/>
+          <p:cNvPicPr>
+            <a:picLocks noChangeAspect="1"/>
+          </p:cNvPicPr>
+          <p:nvPr/>
+        </p:nvPicPr>
+        <p:blipFill>
+          <a:blip r:embed="rId7">
+            <a:extLst>
+              <a:ext uri="{28A0092B-C50C-407E-A947-70E740481C1C}">
+                <a14:useLocalDpi xmlns:a14="http://schemas.microsoft.com/office/drawing/2010/main" val="0"/>
+              </a:ext>
+            </a:extLst>
+          </a:blip>
+          <a:stretch>
+            <a:fillRect/>
+          </a:stretch>
+        </p:blipFill>
+        <p:spPr>
+          <a:xfrm rot="5400000">
+            <a:off x="8967130" y="2105337"/>
+            <a:ext cx="2159673" cy="2159673"/>
+          </a:xfrm>
+          <a:prstGeom prst="rect">
+            <a:avLst/>
+          </a:prstGeom>
+        </p:spPr>
+      </p:pic>
+      <p:pic>
+        <p:nvPicPr>
+          <p:cNvPr id="10" name="Picture 9"/>
+          <p:cNvPicPr>
+            <a:picLocks noChangeAspect="1"/>
+          </p:cNvPicPr>
+          <p:nvPr/>
+        </p:nvPicPr>
+        <p:blipFill rotWithShape="1">
+          <a:blip r:embed="rId8">
+            <a:extLst>
+              <a:ext uri="{28A0092B-C50C-407E-A947-70E740481C1C}">
+                <a14:useLocalDpi xmlns:a14="http://schemas.microsoft.com/office/drawing/2010/main" val="0"/>
+              </a:ext>
+            </a:extLst>
+          </a:blip>
+          <a:srcRect l="9864" t="26411" r="9228" b="15155"/>
+          <a:stretch/>
+        </p:blipFill>
+        <p:spPr>
+          <a:xfrm>
+            <a:off x="9182943" y="1303654"/>
+            <a:ext cx="1770606" cy="1278771"/>
+          </a:xfrm>
+          <a:prstGeom prst="rect">
+            <a:avLst/>
+          </a:prstGeom>
+        </p:spPr>
+      </p:pic>
+      <p:sp>
+        <p:nvSpPr>
+          <p:cNvPr id="11" name="TextBox 10"/>
+          <p:cNvSpPr txBox="1"/>
+          <p:nvPr/>
+        </p:nvSpPr>
+        <p:spPr>
+          <a:xfrm>
+            <a:off x="252622" y="2028337"/>
+            <a:ext cx="643125" cy="369332"/>
+          </a:xfrm>
+          <a:prstGeom prst="rect">
+            <a:avLst/>
+          </a:prstGeom>
+          <a:noFill/>
+        </p:spPr>
+        <p:txBody>
+          <a:bodyPr wrap="none" rtlCol="0">
+            <a:spAutoFit/>
+          </a:bodyPr>
+          <a:lstStyle/>
+          <a:p>
+            <a:r>
+              <a:rPr lang="en-US" dirty="0" smtClean="0"/>
+              <a:t>Side:</a:t>
+            </a:r>
+            <a:endParaRPr lang="en-US" dirty="0"/>
+          </a:p>
+        </p:txBody>
+      </p:sp>
+      <p:sp>
+        <p:nvSpPr>
+          <p:cNvPr id="12" name="TextBox 11"/>
+          <p:cNvSpPr txBox="1"/>
+          <p:nvPr/>
+        </p:nvSpPr>
+        <p:spPr>
+          <a:xfrm>
+            <a:off x="252621" y="3014150"/>
+            <a:ext cx="582724" cy="369332"/>
+          </a:xfrm>
+          <a:prstGeom prst="rect">
+            <a:avLst/>
+          </a:prstGeom>
+          <a:noFill/>
+        </p:spPr>
+        <p:txBody>
+          <a:bodyPr wrap="none" rtlCol="0">
+            <a:spAutoFit/>
+          </a:bodyPr>
+          <a:lstStyle/>
+          <a:p>
+            <a:r>
+              <a:rPr lang="en-US" dirty="0" smtClean="0"/>
+              <a:t>Top:</a:t>
+            </a:r>
+            <a:endParaRPr lang="en-US" dirty="0"/>
+          </a:p>
+        </p:txBody>
+      </p:sp>
+      <p:sp>
+        <p:nvSpPr>
+          <p:cNvPr id="13" name="Right Brace 12"/>
+          <p:cNvSpPr/>
+          <p:nvPr/>
+        </p:nvSpPr>
+        <p:spPr>
+          <a:xfrm>
+            <a:off x="3261946" y="2290813"/>
+            <a:ext cx="45719" cy="301611"/>
+          </a:xfrm>
+          <a:prstGeom prst="rightBrace">
+            <a:avLst/>
+          </a:prstGeom>
+        </p:spPr>
+        <p:style>
+          <a:lnRef idx="3">
+            <a:schemeClr val="dk1"/>
+          </a:lnRef>
+          <a:fillRef idx="0">
+            <a:schemeClr val="dk1"/>
+          </a:fillRef>
+          <a:effectRef idx="2">
+            <a:schemeClr val="dk1"/>
+          </a:effectRef>
+          <a:fontRef idx="minor">
+            <a:schemeClr val="tx1"/>
+          </a:fontRef>
+        </p:style>
+        <p:txBody>
+          <a:bodyPr rtlCol="0" anchor="ctr"/>
+          <a:lstStyle/>
+          <a:p>
+            <a:pPr algn="ctr"/>
+            <a:endParaRPr lang="en-US"/>
+          </a:p>
+        </p:txBody>
+      </p:sp>
+      <p:sp>
+        <p:nvSpPr>
+          <p:cNvPr id="14" name="TextBox 13"/>
+          <p:cNvSpPr txBox="1"/>
+          <p:nvPr/>
+        </p:nvSpPr>
+        <p:spPr>
+          <a:xfrm>
+            <a:off x="3302226" y="2251967"/>
+            <a:ext cx="673967" cy="369332"/>
+          </a:xfrm>
+          <a:prstGeom prst="rect">
+            <a:avLst/>
+          </a:prstGeom>
+          <a:noFill/>
+        </p:spPr>
+        <p:txBody>
+          <a:bodyPr wrap="none" rtlCol="0">
+            <a:spAutoFit/>
+          </a:bodyPr>
+          <a:lstStyle/>
+          <a:p>
+            <a:r>
+              <a:rPr lang="en-US" dirty="0" smtClean="0"/>
+              <a:t>Fixed</a:t>
+            </a:r>
+            <a:endParaRPr lang="en-US" dirty="0"/>
+          </a:p>
+        </p:txBody>
+      </p:sp>
+      <p:pic>
+        <p:nvPicPr>
+          <p:cNvPr id="15" name="Picture 14"/>
+          <p:cNvPicPr>
+            <a:picLocks noChangeAspect="1"/>
+          </p:cNvPicPr>
+          <p:nvPr/>
+        </p:nvPicPr>
+        <p:blipFill>
+          <a:blip r:embed="rId9">
+            <a:extLst>
+              <a:ext uri="{28A0092B-C50C-407E-A947-70E740481C1C}">
+                <a14:useLocalDpi xmlns:a14="http://schemas.microsoft.com/office/drawing/2010/main" val="0"/>
+              </a:ext>
+            </a:extLst>
+          </a:blip>
+          <a:stretch>
+            <a:fillRect/>
+          </a:stretch>
+        </p:blipFill>
+        <p:spPr>
+          <a:xfrm>
+            <a:off x="8009798" y="3613409"/>
+            <a:ext cx="4041031" cy="3032965"/>
+          </a:xfrm>
+          <a:prstGeom prst="rect">
+            <a:avLst/>
+          </a:prstGeom>
+        </p:spPr>
+      </p:pic>
+      <p:pic>
+        <p:nvPicPr>
+          <p:cNvPr id="16" name="Picture 15"/>
+          <p:cNvPicPr>
+            <a:picLocks noChangeAspect="1"/>
+          </p:cNvPicPr>
+          <p:nvPr/>
+        </p:nvPicPr>
+        <p:blipFill rotWithShape="1">
+          <a:blip r:embed="rId10">
+            <a:extLst>
+              <a:ext uri="{28A0092B-C50C-407E-A947-70E740481C1C}">
+                <a14:useLocalDpi xmlns:a14="http://schemas.microsoft.com/office/drawing/2010/main" val="0"/>
+              </a:ext>
+            </a:extLst>
+          </a:blip>
+          <a:srcRect t="24222" b="25056"/>
+          <a:stretch/>
+        </p:blipFill>
+        <p:spPr>
+          <a:xfrm>
+            <a:off x="5197607" y="1585137"/>
+            <a:ext cx="2060069" cy="1044910"/>
+          </a:xfrm>
+          <a:prstGeom prst="rect">
+            <a:avLst/>
+          </a:prstGeom>
+        </p:spPr>
+      </p:pic>
+    </p:spTree>
+    <p:extLst>
+      <p:ext uri="{BB962C8B-B14F-4D97-AF65-F5344CB8AC3E}">
+        <p14:creationId xmlns:p14="http://schemas.microsoft.com/office/powerpoint/2010/main" val="304183317"/>
+      </p:ext>
+    </p:extLst>
+  </p:cSld>
+  <p:clrMapOvr>
+    <a:masterClrMapping/>
+  </p:clrMapOvr>
+  <p:timing>
+    <p:tnLst>
+      <p:par>
+        <p:cTn id="1" dur="indefinite" restart="never" nodeType="tmRoot"/>
+      </p:par>
+    </p:tnLst>
+  </p:timing>
+</p:sld>
+</file>
+
+<file path=ppt/slides/slide13.xml><?xml version="1.0" encoding="utf-8"?>
+<p:sld xmlns:a="http://schemas.openxmlformats.org/drawingml/2006/main" xmlns:r="http://schemas.openxmlformats.org/officeDocument/2006/relationships" xmlns:p="http://schemas.openxmlformats.org/presentationml/2006/main">
+  <p:cSld>
+    <p:spTree>
+      <p:nvGrpSpPr>
+        <p:cNvPr id="1" name=""/>
+        <p:cNvGrpSpPr/>
+        <p:nvPr/>
+      </p:nvGrpSpPr>
+      <p:grpSpPr>
+        <a:xfrm>
+          <a:off x="0" y="0"/>
+          <a:ext cx="0" cy="0"/>
+          <a:chOff x="0" y="0"/>
+          <a:chExt cx="0" cy="0"/>
+        </a:xfrm>
+      </p:grpSpPr>
+      <p:sp>
+        <p:nvSpPr>
+          <p:cNvPr id="2" name="Title 1"/>
+          <p:cNvSpPr>
+            <a:spLocks noGrp="1"/>
+          </p:cNvSpPr>
+          <p:nvPr>
+            <p:ph type="title"/>
+          </p:nvPr>
+        </p:nvSpPr>
+        <p:spPr>
+          <a:xfrm>
+            <a:off x="802104" y="208710"/>
+            <a:ext cx="10515600" cy="1325563"/>
+          </a:xfrm>
+        </p:spPr>
+        <p:txBody>
+          <a:bodyPr/>
+          <a:lstStyle/>
+          <a:p>
+            <a:r>
+              <a:rPr lang="en-US" dirty="0" smtClean="0"/>
+              <a:t>SnO</a:t>
+            </a:r>
+            <a:r>
+              <a:rPr lang="en-US" baseline="-25000" dirty="0" smtClean="0"/>
+              <a:t>2</a:t>
+            </a:r>
+            <a:r>
+              <a:rPr lang="en-US" dirty="0" smtClean="0"/>
+              <a:t>(110)</a:t>
+            </a:r>
+            <a:endParaRPr lang="en-US" baseline="-25000" dirty="0"/>
+          </a:p>
+        </p:txBody>
+      </p:sp>
+      <p:pic>
+        <p:nvPicPr>
+          <p:cNvPr id="3" name="Picture 2"/>
+          <p:cNvPicPr>
+            <a:picLocks noChangeAspect="1"/>
+          </p:cNvPicPr>
+          <p:nvPr/>
+        </p:nvPicPr>
+        <p:blipFill>
+          <a:blip r:embed="rId2">
+            <a:extLst>
+              <a:ext uri="{28A0092B-C50C-407E-A947-70E740481C1C}">
+                <a14:useLocalDpi xmlns:a14="http://schemas.microsoft.com/office/drawing/2010/main" val="0"/>
+              </a:ext>
+            </a:extLst>
+          </a:blip>
+          <a:stretch>
+            <a:fillRect/>
+          </a:stretch>
+        </p:blipFill>
+        <p:spPr>
+          <a:xfrm rot="16200000">
+            <a:off x="1475609" y="859240"/>
+            <a:ext cx="3001620" cy="3001620"/>
+          </a:xfrm>
+          <a:prstGeom prst="rect">
+            <a:avLst/>
+          </a:prstGeom>
+        </p:spPr>
+      </p:pic>
+      <p:pic>
+        <p:nvPicPr>
+          <p:cNvPr id="5" name="Picture 4"/>
+          <p:cNvPicPr>
+            <a:picLocks noChangeAspect="1"/>
+          </p:cNvPicPr>
+          <p:nvPr/>
+        </p:nvPicPr>
+        <p:blipFill>
+          <a:blip r:embed="rId3">
+            <a:extLst>
+              <a:ext uri="{28A0092B-C50C-407E-A947-70E740481C1C}">
+                <a14:useLocalDpi xmlns:a14="http://schemas.microsoft.com/office/drawing/2010/main" val="0"/>
+              </a:ext>
+            </a:extLst>
+          </a:blip>
+          <a:stretch>
+            <a:fillRect/>
+          </a:stretch>
+        </p:blipFill>
+        <p:spPr>
+          <a:xfrm>
+            <a:off x="1536500" y="3554683"/>
+            <a:ext cx="2984273" cy="1200197"/>
+          </a:xfrm>
+          <a:prstGeom prst="rect">
+            <a:avLst/>
+          </a:prstGeom>
+        </p:spPr>
+      </p:pic>
+      <p:pic>
+        <p:nvPicPr>
+          <p:cNvPr id="6" name="Picture 5"/>
+          <p:cNvPicPr>
+            <a:picLocks noChangeAspect="1"/>
+          </p:cNvPicPr>
+          <p:nvPr/>
+        </p:nvPicPr>
+        <p:blipFill>
+          <a:blip r:embed="rId4">
+            <a:extLst>
+              <a:ext uri="{28A0092B-C50C-407E-A947-70E740481C1C}">
+                <a14:useLocalDpi xmlns:a14="http://schemas.microsoft.com/office/drawing/2010/main" val="0"/>
+              </a:ext>
+            </a:extLst>
+          </a:blip>
+          <a:stretch>
+            <a:fillRect/>
+          </a:stretch>
+        </p:blipFill>
+        <p:spPr>
+          <a:xfrm>
+            <a:off x="5131483" y="1262859"/>
+            <a:ext cx="6614806" cy="4964689"/>
+          </a:xfrm>
+          <a:prstGeom prst="rect">
+            <a:avLst/>
+          </a:prstGeom>
+        </p:spPr>
+      </p:pic>
+      <p:sp>
+        <p:nvSpPr>
+          <p:cNvPr id="8" name="TextBox 7"/>
+          <p:cNvSpPr txBox="1"/>
+          <p:nvPr/>
+        </p:nvSpPr>
+        <p:spPr>
+          <a:xfrm>
+            <a:off x="736332" y="2177704"/>
+            <a:ext cx="713850" cy="461665"/>
+          </a:xfrm>
+          <a:prstGeom prst="rect">
+            <a:avLst/>
+          </a:prstGeom>
+          <a:noFill/>
+        </p:spPr>
+        <p:txBody>
+          <a:bodyPr wrap="none" rtlCol="0">
+            <a:spAutoFit/>
+          </a:bodyPr>
+          <a:lstStyle/>
+          <a:p>
+            <a:r>
+              <a:rPr lang="en-US" sz="2400" dirty="0" smtClean="0"/>
+              <a:t>Top:</a:t>
+            </a:r>
+            <a:endParaRPr lang="en-US" sz="2400" dirty="0"/>
+          </a:p>
+        </p:txBody>
+      </p:sp>
+      <p:sp>
+        <p:nvSpPr>
+          <p:cNvPr id="9" name="TextBox 8"/>
+          <p:cNvSpPr txBox="1"/>
+          <p:nvPr/>
+        </p:nvSpPr>
+        <p:spPr>
+          <a:xfrm>
+            <a:off x="736332" y="3855454"/>
+            <a:ext cx="793807" cy="461665"/>
+          </a:xfrm>
+          <a:prstGeom prst="rect">
+            <a:avLst/>
+          </a:prstGeom>
+          <a:noFill/>
+        </p:spPr>
+        <p:txBody>
+          <a:bodyPr wrap="none" rtlCol="0">
+            <a:spAutoFit/>
+          </a:bodyPr>
+          <a:lstStyle/>
+          <a:p>
+            <a:r>
+              <a:rPr lang="en-US" sz="2400" dirty="0" smtClean="0"/>
+              <a:t>Side:</a:t>
+            </a:r>
+            <a:endParaRPr lang="en-US" sz="2400" dirty="0"/>
+          </a:p>
+        </p:txBody>
+      </p:sp>
+      <mc:AlternateContent xmlns:mc="http://schemas.openxmlformats.org/markup-compatibility/2006">
+        <mc:Choice xmlns:a14="http://schemas.microsoft.com/office/drawing/2010/main" Requires="a14">
+          <p:sp>
+            <p:nvSpPr>
+              <p:cNvPr id="14" name="TextBox 13"/>
+              <p:cNvSpPr txBox="1"/>
+              <p:nvPr/>
+            </p:nvSpPr>
+            <p:spPr>
+              <a:xfrm>
+                <a:off x="736332" y="5730389"/>
+                <a:ext cx="2454518" cy="461665"/>
+              </a:xfrm>
+              <a:prstGeom prst="rect">
+                <a:avLst/>
+              </a:prstGeom>
+              <a:noFill/>
+            </p:spPr>
+            <p:txBody>
+              <a:bodyPr wrap="none" rtlCol="0">
+                <a:spAutoFit/>
+              </a:bodyPr>
+              <a:lstStyle/>
+              <a:p>
+                <a:pPr/>
+                <a14:m>
+                  <m:oMathPara xmlns:m="http://schemas.openxmlformats.org/officeDocument/2006/math">
+                    <m:oMathParaPr>
+                      <m:jc m:val="centerGroup"/>
+                    </m:oMathParaPr>
+                    <m:oMath xmlns:m="http://schemas.openxmlformats.org/officeDocument/2006/math">
+                      <m:r>
+                        <a:rPr lang="en-US" sz="2400" b="0" i="1" smtClean="0">
+                          <a:latin typeface="Cambria Math" charset="0"/>
+                        </a:rPr>
+                        <m:t>𝑓</m:t>
+                      </m:r>
+                      <m:r>
+                        <a:rPr lang="en-US" sz="2400" b="0" i="1" smtClean="0">
+                          <a:latin typeface="Cambria Math" charset="0"/>
+                        </a:rPr>
+                        <m:t>=</m:t>
+                      </m:r>
+                      <m:sSup>
+                        <m:sSupPr>
+                          <m:ctrlPr>
+                            <a:rPr lang="en-US" sz="2400" b="0" i="1" smtClean="0">
+                              <a:latin typeface="Cambria Math" charset="0"/>
+                            </a:rPr>
+                          </m:ctrlPr>
+                        </m:sSupPr>
+                        <m:e>
+                          <m:r>
+                            <a:rPr lang="en-US" sz="2400" b="0" i="1" smtClean="0">
+                              <a:latin typeface="Cambria Math" charset="0"/>
+                            </a:rPr>
+                            <m:t>𝐸</m:t>
+                          </m:r>
+                        </m:e>
+                        <m:sup>
+                          <m:r>
+                            <a:rPr lang="en-US" sz="2400" b="0" i="1" smtClean="0">
+                              <a:latin typeface="Cambria Math" charset="0"/>
+                            </a:rPr>
+                            <m:t>𝑀𝐿</m:t>
+                          </m:r>
+                        </m:sup>
+                      </m:sSup>
+                      <m:r>
+                        <a:rPr lang="en-US" sz="2400" b="0" i="1" smtClean="0">
+                          <a:latin typeface="Cambria Math" charset="0"/>
+                        </a:rPr>
+                        <m:t>−</m:t>
+                      </m:r>
+                      <m:r>
+                        <a:rPr lang="en-US" sz="2400" b="0" i="1" smtClean="0">
+                          <a:latin typeface="Cambria Math" charset="0"/>
+                        </a:rPr>
+                        <m:t>𝜅</m:t>
+                      </m:r>
+                      <m:sSup>
+                        <m:sSupPr>
+                          <m:ctrlPr>
+                            <a:rPr lang="en-US" sz="2400" b="0" i="1" smtClean="0">
+                              <a:latin typeface="Cambria Math" charset="0"/>
+                            </a:rPr>
+                          </m:ctrlPr>
+                        </m:sSupPr>
+                        <m:e>
+                          <m:r>
+                            <a:rPr lang="en-US" sz="2400" b="0" i="1" smtClean="0">
+                              <a:latin typeface="Cambria Math" charset="0"/>
+                            </a:rPr>
+                            <m:t>𝜎</m:t>
+                          </m:r>
+                        </m:e>
+                        <m:sup>
+                          <m:r>
+                            <a:rPr lang="en-US" sz="2400" b="0" i="1" smtClean="0">
+                              <a:latin typeface="Cambria Math" charset="0"/>
+                            </a:rPr>
+                            <m:t>𝑀𝐿</m:t>
+                          </m:r>
+                        </m:sup>
+                      </m:sSup>
+                    </m:oMath>
+                  </m:oMathPara>
+                </a14:m>
+                <a:endParaRPr lang="en-US" sz="2400" dirty="0"/>
+              </a:p>
+            </p:txBody>
+          </p:sp>
+        </mc:Choice>
+        <mc:Fallback>
+          <p:sp>
+            <p:nvSpPr>
+              <p:cNvPr id="14" name="TextBox 13"/>
+              <p:cNvSpPr txBox="1">
+                <a:spLocks noRot="1" noChangeAspect="1" noMove="1" noResize="1" noEditPoints="1" noAdjustHandles="1" noChangeArrowheads="1" noChangeShapeType="1" noTextEdit="1"/>
+              </p:cNvSpPr>
+              <p:nvPr/>
+            </p:nvSpPr>
+            <p:spPr>
+              <a:xfrm>
+                <a:off x="736332" y="5730389"/>
+                <a:ext cx="2454518" cy="461665"/>
+              </a:xfrm>
+              <a:prstGeom prst="rect">
+                <a:avLst/>
+              </a:prstGeom>
+              <a:blipFill rotWithShape="0">
+                <a:blip r:embed="rId5"/>
+                <a:stretch>
+                  <a:fillRect l="-498" b="-17105"/>
+                </a:stretch>
+              </a:blipFill>
+            </p:spPr>
+            <p:txBody>
+              <a:bodyPr/>
+              <a:lstStyle/>
+              <a:p>
+                <a:r>
+                  <a:rPr lang="en-US">
+                    <a:noFill/>
+                  </a:rPr>
+                  <a:t> </a:t>
+                </a:r>
+              </a:p>
+            </p:txBody>
+          </p:sp>
+        </mc:Fallback>
+      </mc:AlternateContent>
+      <p:sp>
+        <p:nvSpPr>
+          <p:cNvPr id="17" name="TextBox 16"/>
+          <p:cNvSpPr txBox="1"/>
+          <p:nvPr/>
+        </p:nvSpPr>
+        <p:spPr>
+          <a:xfrm>
+            <a:off x="751141" y="5134618"/>
+            <a:ext cx="1075936" cy="461665"/>
+          </a:xfrm>
+          <a:prstGeom prst="rect">
+            <a:avLst/>
+          </a:prstGeom>
+          <a:noFill/>
+        </p:spPr>
+        <p:txBody>
+          <a:bodyPr wrap="none" rtlCol="0">
+            <a:spAutoFit/>
+          </a:bodyPr>
+          <a:lstStyle/>
+          <a:p>
+            <a:r>
+              <a:rPr lang="en-US" sz="2400" b="1" dirty="0" smtClean="0"/>
+              <a:t>Fitness</a:t>
+            </a:r>
+            <a:endParaRPr lang="en-US" sz="2400" b="1" dirty="0"/>
+          </a:p>
+        </p:txBody>
+      </p:sp>
+      <p:sp>
+        <p:nvSpPr>
+          <p:cNvPr id="18" name="Right Brace 17"/>
+          <p:cNvSpPr/>
+          <p:nvPr/>
+        </p:nvSpPr>
+        <p:spPr>
+          <a:xfrm>
+            <a:off x="4195599" y="4148491"/>
+            <a:ext cx="45719" cy="452386"/>
+          </a:xfrm>
+          <a:prstGeom prst="rightBrace">
+            <a:avLst/>
+          </a:prstGeom>
+        </p:spPr>
+        <p:style>
+          <a:lnRef idx="3">
+            <a:schemeClr val="dk1"/>
+          </a:lnRef>
+          <a:fillRef idx="0">
+            <a:schemeClr val="dk1"/>
+          </a:fillRef>
+          <a:effectRef idx="2">
+            <a:schemeClr val="dk1"/>
+          </a:effectRef>
+          <a:fontRef idx="minor">
+            <a:schemeClr val="tx1"/>
+          </a:fontRef>
+        </p:style>
+        <p:txBody>
+          <a:bodyPr rtlCol="0" anchor="ctr"/>
+          <a:lstStyle/>
+          <a:p>
+            <a:pPr algn="ctr"/>
+            <a:endParaRPr lang="en-US"/>
+          </a:p>
+        </p:txBody>
+      </p:sp>
+      <p:sp>
+        <p:nvSpPr>
+          <p:cNvPr id="19" name="TextBox 18"/>
+          <p:cNvSpPr txBox="1"/>
+          <p:nvPr/>
+        </p:nvSpPr>
+        <p:spPr>
+          <a:xfrm>
+            <a:off x="4235879" y="4196270"/>
+            <a:ext cx="673967" cy="369332"/>
+          </a:xfrm>
+          <a:prstGeom prst="rect">
+            <a:avLst/>
+          </a:prstGeom>
+          <a:noFill/>
+        </p:spPr>
+        <p:txBody>
+          <a:bodyPr wrap="none" rtlCol="0">
+            <a:spAutoFit/>
+          </a:bodyPr>
+          <a:lstStyle/>
+          <a:p>
+            <a:r>
+              <a:rPr lang="en-US" dirty="0" smtClean="0"/>
+              <a:t>Fixed</a:t>
+            </a:r>
+            <a:endParaRPr lang="en-US" dirty="0"/>
+          </a:p>
+        </p:txBody>
+      </p:sp>
+    </p:spTree>
+    <p:extLst>
+      <p:ext uri="{BB962C8B-B14F-4D97-AF65-F5344CB8AC3E}">
+        <p14:creationId xmlns:p14="http://schemas.microsoft.com/office/powerpoint/2010/main" val="1200018637"/>
+      </p:ext>
+    </p:extLst>
+  </p:cSld>
+  <p:clrMapOvr>
+    <a:masterClrMapping/>
+  </p:clrMapOvr>
+  <p:timing>
+    <p:tnLst>
+      <p:par>
+        <p:cTn id="1" dur="indefinite" restart="never" nodeType="tmRoot"/>
+      </p:par>
+    </p:tnLst>
+  </p:timing>
+</p:sld>
+</file>
+
+<file path=ppt/slides/slide14.xml><?xml version="1.0" encoding="utf-8"?>
+<p:sld xmlns:a="http://schemas.openxmlformats.org/drawingml/2006/main" xmlns:r="http://schemas.openxmlformats.org/officeDocument/2006/relationships" xmlns:p="http://schemas.openxmlformats.org/presentationml/2006/main">
+  <p:cSld>
+    <p:spTree>
+      <p:nvGrpSpPr>
+        <p:cNvPr id="1" name=""/>
+        <p:cNvGrpSpPr/>
+        <p:nvPr/>
+      </p:nvGrpSpPr>
+      <p:grpSpPr>
+        <a:xfrm>
+          <a:off x="0" y="0"/>
+          <a:ext cx="0" cy="0"/>
+          <a:chOff x="0" y="0"/>
+          <a:chExt cx="0" cy="0"/>
+        </a:xfrm>
+      </p:grpSpPr>
+      <p:sp>
+        <p:nvSpPr>
+          <p:cNvPr id="2" name="Title 1"/>
+          <p:cNvSpPr>
+            <a:spLocks noGrp="1"/>
+          </p:cNvSpPr>
+          <p:nvPr>
+            <p:ph type="title"/>
+          </p:nvPr>
+        </p:nvSpPr>
+        <p:spPr>
+          <a:xfrm>
+            <a:off x="802104" y="16203"/>
+            <a:ext cx="10515600" cy="1325563"/>
+          </a:xfrm>
+        </p:spPr>
+        <p:txBody>
+          <a:bodyPr/>
+          <a:lstStyle/>
+          <a:p>
+            <a:r>
+              <a:rPr lang="en-US" dirty="0" smtClean="0"/>
+              <a:t>SnO</a:t>
+            </a:r>
+            <a:r>
+              <a:rPr lang="en-US" baseline="-25000" dirty="0" smtClean="0"/>
+              <a:t>2</a:t>
+            </a:r>
+            <a:r>
+              <a:rPr lang="en-US" dirty="0" smtClean="0"/>
+              <a:t>(110)</a:t>
+            </a:r>
+            <a:r>
+              <a:rPr lang="en-US" dirty="0" smtClean="0"/>
+              <a:t> </a:t>
+            </a:r>
+            <a:r>
+              <a:rPr lang="en-US" dirty="0" smtClean="0"/>
+              <a:t>- PCA</a:t>
+            </a:r>
+            <a:endParaRPr lang="en-US" baseline="-25000" dirty="0"/>
+          </a:p>
+        </p:txBody>
+      </p:sp>
+      <p:pic>
+        <p:nvPicPr>
+          <p:cNvPr id="4" name="Picture 3"/>
+          <p:cNvPicPr>
+            <a:picLocks noChangeAspect="1"/>
+          </p:cNvPicPr>
+          <p:nvPr/>
+        </p:nvPicPr>
+        <p:blipFill>
+          <a:blip r:embed="rId2">
+            <a:extLst>
+              <a:ext uri="{28A0092B-C50C-407E-A947-70E740481C1C}">
+                <a14:useLocalDpi xmlns:a14="http://schemas.microsoft.com/office/drawing/2010/main" val="0"/>
+              </a:ext>
+            </a:extLst>
+          </a:blip>
+          <a:stretch>
+            <a:fillRect/>
+          </a:stretch>
+        </p:blipFill>
+        <p:spPr>
+          <a:xfrm>
+            <a:off x="1456239" y="1388312"/>
+            <a:ext cx="3743826" cy="2809900"/>
+          </a:xfrm>
+          <a:prstGeom prst="rect">
+            <a:avLst/>
+          </a:prstGeom>
+        </p:spPr>
+      </p:pic>
+      <p:pic>
+        <p:nvPicPr>
+          <p:cNvPr id="18" name="Picture 17"/>
+          <p:cNvPicPr>
+            <a:picLocks noChangeAspect="1"/>
+          </p:cNvPicPr>
+          <p:nvPr/>
+        </p:nvPicPr>
+        <p:blipFill>
+          <a:blip r:embed="rId3">
+            <a:extLst>
+              <a:ext uri="{28A0092B-C50C-407E-A947-70E740481C1C}">
+                <a14:useLocalDpi xmlns:a14="http://schemas.microsoft.com/office/drawing/2010/main" val="0"/>
+              </a:ext>
+            </a:extLst>
+          </a:blip>
+          <a:stretch>
+            <a:fillRect/>
+          </a:stretch>
+        </p:blipFill>
+        <p:spPr>
+          <a:xfrm>
+            <a:off x="1456240" y="4036026"/>
+            <a:ext cx="3743826" cy="2809900"/>
+          </a:xfrm>
+          <a:prstGeom prst="rect">
+            <a:avLst/>
+          </a:prstGeom>
+        </p:spPr>
+      </p:pic>
+      <p:pic>
+        <p:nvPicPr>
+          <p:cNvPr id="19" name="Picture 18"/>
+          <p:cNvPicPr>
+            <a:picLocks noChangeAspect="1"/>
+          </p:cNvPicPr>
+          <p:nvPr/>
+        </p:nvPicPr>
+        <p:blipFill>
+          <a:blip r:embed="rId4">
+            <a:extLst>
+              <a:ext uri="{28A0092B-C50C-407E-A947-70E740481C1C}">
+                <a14:useLocalDpi xmlns:a14="http://schemas.microsoft.com/office/drawing/2010/main" val="0"/>
+              </a:ext>
+            </a:extLst>
+          </a:blip>
+          <a:stretch>
+            <a:fillRect/>
+          </a:stretch>
+        </p:blipFill>
+        <p:spPr>
+          <a:xfrm>
+            <a:off x="4941188" y="1400386"/>
+            <a:ext cx="3743826" cy="2809899"/>
+          </a:xfrm>
+          <a:prstGeom prst="rect">
+            <a:avLst/>
+          </a:prstGeom>
+        </p:spPr>
+      </p:pic>
+      <p:pic>
+        <p:nvPicPr>
+          <p:cNvPr id="20" name="Picture 19"/>
+          <p:cNvPicPr>
+            <a:picLocks noChangeAspect="1"/>
+          </p:cNvPicPr>
+          <p:nvPr/>
+        </p:nvPicPr>
+        <p:blipFill>
+          <a:blip r:embed="rId5">
+            <a:extLst>
+              <a:ext uri="{28A0092B-C50C-407E-A947-70E740481C1C}">
+                <a14:useLocalDpi xmlns:a14="http://schemas.microsoft.com/office/drawing/2010/main" val="0"/>
+              </a:ext>
+            </a:extLst>
+          </a:blip>
+          <a:stretch>
+            <a:fillRect/>
+          </a:stretch>
+        </p:blipFill>
+        <p:spPr>
+          <a:xfrm>
+            <a:off x="4941189" y="4048100"/>
+            <a:ext cx="3743826" cy="2809899"/>
+          </a:xfrm>
+          <a:prstGeom prst="rect">
+            <a:avLst/>
+          </a:prstGeom>
+        </p:spPr>
+      </p:pic>
+      <p:pic>
+        <p:nvPicPr>
+          <p:cNvPr id="21" name="Picture 20"/>
+          <p:cNvPicPr>
+            <a:picLocks noChangeAspect="1"/>
+          </p:cNvPicPr>
+          <p:nvPr/>
+        </p:nvPicPr>
+        <p:blipFill>
+          <a:blip r:embed="rId6">
+            <a:extLst>
+              <a:ext uri="{28A0092B-C50C-407E-A947-70E740481C1C}">
+                <a14:useLocalDpi xmlns:a14="http://schemas.microsoft.com/office/drawing/2010/main" val="0"/>
+              </a:ext>
+            </a:extLst>
+          </a:blip>
+          <a:stretch>
+            <a:fillRect/>
+          </a:stretch>
+        </p:blipFill>
+        <p:spPr>
+          <a:xfrm>
+            <a:off x="8430137" y="1400386"/>
+            <a:ext cx="3743826" cy="2809899"/>
+          </a:xfrm>
+          <a:prstGeom prst="rect">
+            <a:avLst/>
+          </a:prstGeom>
+        </p:spPr>
+      </p:pic>
+      <p:pic>
+        <p:nvPicPr>
+          <p:cNvPr id="22" name="Picture 21"/>
+          <p:cNvPicPr>
+            <a:picLocks noChangeAspect="1"/>
+          </p:cNvPicPr>
+          <p:nvPr/>
+        </p:nvPicPr>
+        <p:blipFill>
+          <a:blip r:embed="rId7">
+            <a:extLst>
+              <a:ext uri="{28A0092B-C50C-407E-A947-70E740481C1C}">
+                <a14:useLocalDpi xmlns:a14="http://schemas.microsoft.com/office/drawing/2010/main" val="0"/>
+              </a:ext>
+            </a:extLst>
+          </a:blip>
+          <a:stretch>
+            <a:fillRect/>
+          </a:stretch>
+        </p:blipFill>
+        <p:spPr>
+          <a:xfrm>
+            <a:off x="8430138" y="4048100"/>
+            <a:ext cx="3743826" cy="2809899"/>
+          </a:xfrm>
+          <a:prstGeom prst="rect">
+            <a:avLst/>
+          </a:prstGeom>
+        </p:spPr>
+      </p:pic>
+      <mc:AlternateContent xmlns:mc="http://schemas.openxmlformats.org/markup-compatibility/2006" xmlns:a14="http://schemas.microsoft.com/office/drawing/2010/main">
+        <mc:Choice Requires="a14">
+          <p:sp>
+            <p:nvSpPr>
+              <p:cNvPr id="23" name="TextBox 22"/>
+              <p:cNvSpPr txBox="1"/>
+              <p:nvPr/>
+            </p:nvSpPr>
+            <p:spPr>
+              <a:xfrm>
+                <a:off x="2141643" y="1140468"/>
+                <a:ext cx="1231106" cy="461665"/>
+              </a:xfrm>
+              <a:prstGeom prst="rect">
+                <a:avLst/>
+              </a:prstGeom>
+              <a:noFill/>
+            </p:spPr>
+            <p:txBody>
+              <a:bodyPr wrap="none" rtlCol="0">
+                <a:spAutoFit/>
+              </a:bodyPr>
+              <a:lstStyle/>
+              <a:p>
+                <a:pPr/>
+                <a14:m>
+                  <m:oMathPara xmlns:m="http://schemas.openxmlformats.org/officeDocument/2006/math">
+                    <m:oMathParaPr>
+                      <m:jc m:val="centerGroup"/>
+                    </m:oMathParaPr>
+                    <m:oMath xmlns:m="http://schemas.openxmlformats.org/officeDocument/2006/math">
+                      <m:r>
+                        <a:rPr lang="en-US" sz="2400" b="0" i="1" smtClean="0">
+                          <a:latin typeface="Cambria Math" charset="0"/>
+                        </a:rPr>
+                        <m:t>𝜅</m:t>
+                      </m:r>
+                      <m:r>
+                        <a:rPr lang="en-US" sz="2400" b="0" i="1" smtClean="0">
+                          <a:latin typeface="Cambria Math" charset="0"/>
+                        </a:rPr>
+                        <m:t>=0.5</m:t>
+                      </m:r>
+                    </m:oMath>
+                  </m:oMathPara>
+                </a14:m>
+                <a:endParaRPr lang="en-US" sz="2400" dirty="0"/>
+              </a:p>
+            </p:txBody>
+          </p:sp>
+        </mc:Choice>
+        <mc:Fallback xmlns="">
+          <p:sp>
+            <p:nvSpPr>
+              <p:cNvPr id="23" name="TextBox 22"/>
+              <p:cNvSpPr txBox="1">
+                <a:spLocks noRot="1" noChangeAspect="1" noMove="1" noResize="1" noEditPoints="1" noAdjustHandles="1" noChangeArrowheads="1" noChangeShapeType="1" noTextEdit="1"/>
+              </p:cNvSpPr>
+              <p:nvPr/>
+            </p:nvSpPr>
+            <p:spPr>
+              <a:xfrm>
+                <a:off x="2141643" y="1140468"/>
+                <a:ext cx="1231106" cy="461665"/>
+              </a:xfrm>
+              <a:prstGeom prst="rect">
+                <a:avLst/>
+              </a:prstGeom>
+              <a:blipFill rotWithShape="0">
+                <a:blip r:embed="rId8"/>
+                <a:stretch>
+                  <a:fillRect/>
+                </a:stretch>
+              </a:blipFill>
+            </p:spPr>
+            <p:txBody>
+              <a:bodyPr/>
+              <a:lstStyle/>
+              <a:p>
+                <a:r>
+                  <a:rPr lang="en-US">
+                    <a:noFill/>
+                  </a:rPr>
+                  <a:t> </a:t>
+                </a:r>
+              </a:p>
+            </p:txBody>
+          </p:sp>
+        </mc:Fallback>
+      </mc:AlternateContent>
+      <mc:AlternateContent xmlns:mc="http://schemas.openxmlformats.org/markup-compatibility/2006" xmlns:a14="http://schemas.microsoft.com/office/drawing/2010/main">
+        <mc:Choice Requires="a14">
+          <p:sp>
+            <p:nvSpPr>
+              <p:cNvPr id="24" name="TextBox 23"/>
+              <p:cNvSpPr txBox="1"/>
+              <p:nvPr/>
+            </p:nvSpPr>
+            <p:spPr>
+              <a:xfrm>
+                <a:off x="5807259" y="1110933"/>
+                <a:ext cx="998671" cy="461665"/>
+              </a:xfrm>
+              <a:prstGeom prst="rect">
+                <a:avLst/>
+              </a:prstGeom>
+              <a:noFill/>
+            </p:spPr>
+            <p:txBody>
+              <a:bodyPr wrap="none" rtlCol="0">
+                <a:spAutoFit/>
+              </a:bodyPr>
+              <a:lstStyle/>
+              <a:p>
+                <a:pPr/>
+                <a14:m>
+                  <m:oMathPara xmlns:m="http://schemas.openxmlformats.org/officeDocument/2006/math">
+                    <m:oMathParaPr>
+                      <m:jc m:val="centerGroup"/>
+                    </m:oMathParaPr>
+                    <m:oMath xmlns:m="http://schemas.openxmlformats.org/officeDocument/2006/math">
+                      <m:r>
+                        <a:rPr lang="en-US" sz="2400" b="0" i="1" smtClean="0">
+                          <a:latin typeface="Cambria Math" charset="0"/>
+                        </a:rPr>
+                        <m:t>𝜅</m:t>
+                      </m:r>
+                      <m:r>
+                        <a:rPr lang="en-US" sz="2400" b="0" i="1" smtClean="0">
+                          <a:latin typeface="Cambria Math" charset="0"/>
+                        </a:rPr>
+                        <m:t>=2</m:t>
+                      </m:r>
+                    </m:oMath>
+                  </m:oMathPara>
+                </a14:m>
+                <a:endParaRPr lang="en-US" sz="2400" dirty="0"/>
+              </a:p>
+            </p:txBody>
+          </p:sp>
+        </mc:Choice>
+        <mc:Fallback xmlns="">
+          <p:sp>
+            <p:nvSpPr>
+              <p:cNvPr id="24" name="TextBox 23"/>
+              <p:cNvSpPr txBox="1">
+                <a:spLocks noRot="1" noChangeAspect="1" noMove="1" noResize="1" noEditPoints="1" noAdjustHandles="1" noChangeArrowheads="1" noChangeShapeType="1" noTextEdit="1"/>
+              </p:cNvSpPr>
+              <p:nvPr/>
+            </p:nvSpPr>
+            <p:spPr>
+              <a:xfrm>
+                <a:off x="5807259" y="1110933"/>
+                <a:ext cx="998671" cy="461665"/>
+              </a:xfrm>
+              <a:prstGeom prst="rect">
+                <a:avLst/>
+              </a:prstGeom>
+              <a:blipFill rotWithShape="0">
+                <a:blip r:embed="rId9"/>
+                <a:stretch>
+                  <a:fillRect/>
+                </a:stretch>
+              </a:blipFill>
+            </p:spPr>
+            <p:txBody>
+              <a:bodyPr/>
+              <a:lstStyle/>
+              <a:p>
+                <a:r>
+                  <a:rPr lang="en-US">
+                    <a:noFill/>
+                  </a:rPr>
+                  <a:t> </a:t>
+                </a:r>
+              </a:p>
+            </p:txBody>
+          </p:sp>
+        </mc:Fallback>
+      </mc:AlternateContent>
+      <mc:AlternateContent xmlns:mc="http://schemas.openxmlformats.org/markup-compatibility/2006" xmlns:a14="http://schemas.microsoft.com/office/drawing/2010/main">
+        <mc:Choice Requires="a14">
+          <p:sp>
+            <p:nvSpPr>
+              <p:cNvPr id="25" name="TextBox 24"/>
+              <p:cNvSpPr txBox="1"/>
+              <p:nvPr/>
+            </p:nvSpPr>
+            <p:spPr>
+              <a:xfrm>
+                <a:off x="9407700" y="1110932"/>
+                <a:ext cx="998671" cy="461665"/>
+              </a:xfrm>
+              <a:prstGeom prst="rect">
+                <a:avLst/>
+              </a:prstGeom>
+              <a:noFill/>
+            </p:spPr>
+            <p:txBody>
+              <a:bodyPr wrap="none" rtlCol="0">
+                <a:spAutoFit/>
+              </a:bodyPr>
+              <a:lstStyle/>
+              <a:p>
+                <a:pPr/>
+                <a14:m>
+                  <m:oMathPara xmlns:m="http://schemas.openxmlformats.org/officeDocument/2006/math">
+                    <m:oMathParaPr>
+                      <m:jc m:val="centerGroup"/>
+                    </m:oMathParaPr>
+                    <m:oMath xmlns:m="http://schemas.openxmlformats.org/officeDocument/2006/math">
+                      <m:r>
+                        <a:rPr lang="en-US" sz="2400" b="0" i="1" smtClean="0">
+                          <a:latin typeface="Cambria Math" charset="0"/>
+                        </a:rPr>
+                        <m:t>𝜅</m:t>
+                      </m:r>
+                      <m:r>
+                        <a:rPr lang="en-US" sz="2400" b="0" i="1" smtClean="0">
+                          <a:latin typeface="Cambria Math" charset="0"/>
+                        </a:rPr>
+                        <m:t>=8</m:t>
+                      </m:r>
+                    </m:oMath>
+                  </m:oMathPara>
+                </a14:m>
+                <a:endParaRPr lang="en-US" sz="2400" dirty="0"/>
+              </a:p>
+            </p:txBody>
+          </p:sp>
+        </mc:Choice>
+        <mc:Fallback xmlns="">
+          <p:sp>
+            <p:nvSpPr>
+              <p:cNvPr id="25" name="TextBox 24"/>
+              <p:cNvSpPr txBox="1">
+                <a:spLocks noRot="1" noChangeAspect="1" noMove="1" noResize="1" noEditPoints="1" noAdjustHandles="1" noChangeArrowheads="1" noChangeShapeType="1" noTextEdit="1"/>
+              </p:cNvSpPr>
+              <p:nvPr/>
+            </p:nvSpPr>
+            <p:spPr>
+              <a:xfrm>
+                <a:off x="9407700" y="1110932"/>
+                <a:ext cx="998671" cy="461665"/>
+              </a:xfrm>
+              <a:prstGeom prst="rect">
+                <a:avLst/>
+              </a:prstGeom>
+              <a:blipFill rotWithShape="0">
+                <a:blip r:embed="rId10"/>
+                <a:stretch>
+                  <a:fillRect/>
+                </a:stretch>
+              </a:blipFill>
+            </p:spPr>
+            <p:txBody>
+              <a:bodyPr/>
+              <a:lstStyle/>
+              <a:p>
+                <a:r>
+                  <a:rPr lang="en-US">
+                    <a:noFill/>
+                  </a:rPr>
+                  <a:t> </a:t>
+                </a:r>
+              </a:p>
+            </p:txBody>
+          </p:sp>
+        </mc:Fallback>
+      </mc:AlternateContent>
+      <p:sp>
+        <p:nvSpPr>
+          <p:cNvPr id="26" name="TextBox 25"/>
+          <p:cNvSpPr txBox="1"/>
+          <p:nvPr/>
+        </p:nvSpPr>
+        <p:spPr>
+          <a:xfrm>
+            <a:off x="182881" y="2458063"/>
+            <a:ext cx="1333250" cy="830997"/>
+          </a:xfrm>
+          <a:prstGeom prst="rect">
+            <a:avLst/>
+          </a:prstGeom>
+          <a:noFill/>
+        </p:spPr>
+        <p:txBody>
+          <a:bodyPr wrap="none" rtlCol="0">
+            <a:spAutoFit/>
+          </a:bodyPr>
+          <a:lstStyle/>
+          <a:p>
+            <a:r>
+              <a:rPr lang="en-US" sz="2400" dirty="0" smtClean="0"/>
+              <a:t>Search</a:t>
+            </a:r>
+          </a:p>
+          <a:p>
+            <a:r>
+              <a:rPr lang="en-US" sz="2400" dirty="0" smtClean="0"/>
+              <a:t>iteration</a:t>
+            </a:r>
+            <a:r>
+              <a:rPr lang="en-US" sz="2400" dirty="0" smtClean="0"/>
+              <a:t>:</a:t>
+            </a:r>
+            <a:endParaRPr lang="en-US" sz="2400" dirty="0"/>
+          </a:p>
+        </p:txBody>
+      </p:sp>
+      <p:sp>
+        <p:nvSpPr>
+          <p:cNvPr id="27" name="TextBox 26"/>
+          <p:cNvSpPr txBox="1"/>
+          <p:nvPr/>
+        </p:nvSpPr>
+        <p:spPr>
+          <a:xfrm>
+            <a:off x="182881" y="5122788"/>
+            <a:ext cx="1120050" cy="461665"/>
+          </a:xfrm>
+          <a:prstGeom prst="rect">
+            <a:avLst/>
+          </a:prstGeom>
+          <a:noFill/>
+        </p:spPr>
+        <p:txBody>
+          <a:bodyPr wrap="none" rtlCol="0">
+            <a:spAutoFit/>
+          </a:bodyPr>
+          <a:lstStyle/>
+          <a:p>
+            <a:r>
+              <a:rPr lang="en-US" sz="2400" dirty="0" smtClean="0"/>
+              <a:t>Energy:</a:t>
+            </a:r>
+            <a:endParaRPr lang="en-US" sz="2400" dirty="0"/>
+          </a:p>
+        </p:txBody>
+      </p:sp>
+    </p:spTree>
+    <p:extLst>
+      <p:ext uri="{BB962C8B-B14F-4D97-AF65-F5344CB8AC3E}">
+        <p14:creationId xmlns:p14="http://schemas.microsoft.com/office/powerpoint/2010/main" val="1810876119"/>
+      </p:ext>
+    </p:extLst>
+  </p:cSld>
+  <p:clrMapOvr>
+    <a:masterClrMapping/>
+  </p:clrMapOvr>
+  <p:timing>
+    <p:tnLst>
+      <p:par>
+        <p:cTn id="1" dur="indefinite" restart="never" nodeType="tmRoot"/>
+      </p:par>
+    </p:tnLst>
+  </p:timing>
+</p:sld>
+</file>
+
+<file path=ppt/slides/slide15.xml><?xml version="1.0" encoding="utf-8"?>
+<p:sld xmlns:a="http://schemas.openxmlformats.org/drawingml/2006/main" xmlns:r="http://schemas.openxmlformats.org/officeDocument/2006/relationships" xmlns:p="http://schemas.openxmlformats.org/presentationml/2006/main">
+  <p:cSld>
+    <p:spTree>
+      <p:nvGrpSpPr>
+        <p:cNvPr id="1" name=""/>
+        <p:cNvGrpSpPr/>
+        <p:nvPr/>
+      </p:nvGrpSpPr>
+      <p:grpSpPr>
+        <a:xfrm>
+          <a:off x="0" y="0"/>
+          <a:ext cx="0" cy="0"/>
+          <a:chOff x="0" y="0"/>
+          <a:chExt cx="0" cy="0"/>
+        </a:xfrm>
+      </p:grpSpPr>
+      <p:sp>
+        <p:nvSpPr>
+          <p:cNvPr id="2" name="Title 1"/>
+          <p:cNvSpPr>
+            <a:spLocks noGrp="1"/>
+          </p:cNvSpPr>
+          <p:nvPr>
+            <p:ph type="title"/>
+          </p:nvPr>
+        </p:nvSpPr>
+        <p:spPr/>
+        <p:txBody>
+          <a:bodyPr/>
+          <a:lstStyle/>
+          <a:p>
+            <a:r>
+              <a:rPr lang="en-US" dirty="0" smtClean="0"/>
+              <a:t>TiO</a:t>
+            </a:r>
+            <a:r>
+              <a:rPr lang="en-US" baseline="-25000" dirty="0" smtClean="0"/>
+              <a:t>2</a:t>
+            </a:r>
+            <a:r>
+              <a:rPr lang="en-US" dirty="0" smtClean="0"/>
+              <a:t> double step</a:t>
+            </a:r>
+            <a:endParaRPr lang="en-US" dirty="0"/>
+          </a:p>
+        </p:txBody>
+      </p:sp>
+      <p:pic>
+        <p:nvPicPr>
+          <p:cNvPr id="3" name="Picture 2"/>
+          <p:cNvPicPr>
+            <a:picLocks noChangeAspect="1"/>
+          </p:cNvPicPr>
+          <p:nvPr/>
+        </p:nvPicPr>
+        <p:blipFill>
+          <a:blip r:embed="rId2">
+            <a:extLst>
+              <a:ext uri="{28A0092B-C50C-407E-A947-70E740481C1C}">
+                <a14:useLocalDpi xmlns:a14="http://schemas.microsoft.com/office/drawing/2010/main" val="0"/>
+              </a:ext>
+            </a:extLst>
+          </a:blip>
+          <a:stretch>
+            <a:fillRect/>
+          </a:stretch>
+        </p:blipFill>
+        <p:spPr>
+          <a:xfrm rot="5400000">
+            <a:off x="2663405" y="3682980"/>
+            <a:ext cx="1367032" cy="2537995"/>
+          </a:xfrm>
+          <a:prstGeom prst="rect">
+            <a:avLst/>
+          </a:prstGeom>
+        </p:spPr>
+      </p:pic>
+      <p:pic>
+        <p:nvPicPr>
+          <p:cNvPr id="4" name="Picture 3"/>
+          <p:cNvPicPr>
+            <a:picLocks noChangeAspect="1"/>
+          </p:cNvPicPr>
+          <p:nvPr/>
+        </p:nvPicPr>
+        <p:blipFill rotWithShape="1">
+          <a:blip r:embed="rId3">
+            <a:extLst>
+              <a:ext uri="{28A0092B-C50C-407E-A947-70E740481C1C}">
+                <a14:useLocalDpi xmlns:a14="http://schemas.microsoft.com/office/drawing/2010/main" val="0"/>
+              </a:ext>
+            </a:extLst>
+          </a:blip>
+          <a:srcRect t="23786"/>
+          <a:stretch/>
+        </p:blipFill>
+        <p:spPr>
+          <a:xfrm>
+            <a:off x="2077923" y="2243288"/>
+            <a:ext cx="2537996" cy="1520698"/>
+          </a:xfrm>
+          <a:prstGeom prst="rect">
+            <a:avLst/>
+          </a:prstGeom>
+        </p:spPr>
+      </p:pic>
+      <p:pic>
+        <p:nvPicPr>
+          <p:cNvPr id="5" name="Picture 4" descr="period.png"/>
+          <p:cNvPicPr>
+            <a:picLocks noChangeAspect="1"/>
+          </p:cNvPicPr>
+          <p:nvPr/>
+        </p:nvPicPr>
+        <p:blipFill>
+          <a:blip r:embed="rId4">
+            <a:extLst>
+              <a:ext uri="{28A0092B-C50C-407E-A947-70E740481C1C}">
+                <a14:useLocalDpi xmlns:a14="http://schemas.microsoft.com/office/drawing/2010/main" val="0"/>
+              </a:ext>
+            </a:extLst>
+          </a:blip>
+          <a:stretch>
+            <a:fillRect/>
+          </a:stretch>
+        </p:blipFill>
+        <p:spPr>
+          <a:xfrm>
+            <a:off x="5894359" y="3545208"/>
+            <a:ext cx="4762968" cy="2674488"/>
+          </a:xfrm>
+          <a:prstGeom prst="rect">
+            <a:avLst/>
+          </a:prstGeom>
+        </p:spPr>
+      </p:pic>
+      <p:pic>
+        <p:nvPicPr>
+          <p:cNvPr id="6" name="Picture 5" descr="Screen Shot 2016-11-24 at 11.42.50.png"/>
+          <p:cNvPicPr>
+            <a:picLocks noChangeAspect="1"/>
+          </p:cNvPicPr>
+          <p:nvPr/>
+        </p:nvPicPr>
+        <p:blipFill>
+          <a:blip r:embed="rId5">
+            <a:extLst>
+              <a:ext uri="{28A0092B-C50C-407E-A947-70E740481C1C}">
+                <a14:useLocalDpi xmlns:a14="http://schemas.microsoft.com/office/drawing/2010/main" val="0"/>
+              </a:ext>
+            </a:extLst>
+          </a:blip>
+          <a:stretch>
+            <a:fillRect/>
+          </a:stretch>
+        </p:blipFill>
+        <p:spPr>
+          <a:xfrm>
+            <a:off x="5727805" y="1068566"/>
+            <a:ext cx="5042864" cy="2253194"/>
+          </a:xfrm>
+          <a:prstGeom prst="rect">
+            <a:avLst/>
+          </a:prstGeom>
+        </p:spPr>
+      </p:pic>
+      <p:sp>
+        <p:nvSpPr>
+          <p:cNvPr id="7" name="TextBox 6"/>
+          <p:cNvSpPr txBox="1"/>
+          <p:nvPr/>
+        </p:nvSpPr>
+        <p:spPr>
+          <a:xfrm>
+            <a:off x="1236676" y="2769482"/>
+            <a:ext cx="643125" cy="369332"/>
+          </a:xfrm>
+          <a:prstGeom prst="rect">
+            <a:avLst/>
+          </a:prstGeom>
+          <a:noFill/>
+        </p:spPr>
+        <p:txBody>
+          <a:bodyPr wrap="none" rtlCol="0">
+            <a:spAutoFit/>
+          </a:bodyPr>
+          <a:lstStyle/>
+          <a:p>
+            <a:r>
+              <a:rPr lang="en-US" smtClean="0"/>
+              <a:t>Side:</a:t>
+            </a:r>
+            <a:endParaRPr lang="en-US"/>
+          </a:p>
+        </p:txBody>
+      </p:sp>
+      <p:sp>
+        <p:nvSpPr>
+          <p:cNvPr id="8" name="TextBox 7"/>
+          <p:cNvSpPr txBox="1"/>
+          <p:nvPr/>
+        </p:nvSpPr>
+        <p:spPr>
+          <a:xfrm>
+            <a:off x="1236676" y="4719186"/>
+            <a:ext cx="582724" cy="369332"/>
+          </a:xfrm>
+          <a:prstGeom prst="rect">
+            <a:avLst/>
+          </a:prstGeom>
+          <a:noFill/>
+        </p:spPr>
+        <p:txBody>
+          <a:bodyPr wrap="none" rtlCol="0">
+            <a:spAutoFit/>
+          </a:bodyPr>
+          <a:lstStyle/>
+          <a:p>
+            <a:r>
+              <a:rPr lang="en-US" dirty="0" smtClean="0"/>
+              <a:t>Top:</a:t>
+            </a:r>
+            <a:endParaRPr lang="en-US" dirty="0"/>
+          </a:p>
+        </p:txBody>
+      </p:sp>
+    </p:spTree>
+    <p:extLst>
+      <p:ext uri="{BB962C8B-B14F-4D97-AF65-F5344CB8AC3E}">
+        <p14:creationId xmlns:p14="http://schemas.microsoft.com/office/powerpoint/2010/main" val="1153266739"/>
+      </p:ext>
+    </p:extLst>
+  </p:cSld>
+  <p:clrMapOvr>
+    <a:masterClrMapping/>
+  </p:clrMapOvr>
+  <p:timing>
+    <p:tnLst>
+      <p:par>
+        <p:cTn id="1" dur="indefinite" restart="never" nodeType="tmRoot"/>
+      </p:par>
+    </p:tnLst>
+  </p:timing>
 </p:sld>
 </file>
 
@@ -6241,7 +8093,7 @@
           <p:cNvPr id="2" name="Rectangle 1">
             <a:extLst>
               <a:ext uri="{FF2B5EF4-FFF2-40B4-BE49-F238E27FC236}">
-                <a16:creationId xmlns:a16="http://schemas.microsoft.com/office/drawing/2014/main" id="{44B75201-4883-464B-8606-95AB16148DF8}"/>
+                <a16:creationId xmlns:a16="http://schemas.microsoft.com/office/drawing/2014/main" xmlns="" id="{44B75201-4883-464B-8606-95AB16148DF8}"/>
               </a:ext>
             </a:extLst>
           </p:cNvPr>
@@ -6832,7 +8684,7 @@
           <p:cNvPr id="2" name="Rectangle 1">
             <a:extLst>
               <a:ext uri="{FF2B5EF4-FFF2-40B4-BE49-F238E27FC236}">
-                <a16:creationId xmlns:a16="http://schemas.microsoft.com/office/drawing/2014/main" id="{44B75201-4883-464B-8606-95AB16148DF8}"/>
+                <a16:creationId xmlns:a16="http://schemas.microsoft.com/office/drawing/2014/main" xmlns="" id="{44B75201-4883-464B-8606-95AB16148DF8}"/>
               </a:ext>
             </a:extLst>
           </p:cNvPr>
@@ -7522,7 +9374,7 @@
           <p:cNvPr id="2" name="Rectangle 1">
             <a:extLst>
               <a:ext uri="{FF2B5EF4-FFF2-40B4-BE49-F238E27FC236}">
-                <a16:creationId xmlns:a16="http://schemas.microsoft.com/office/drawing/2014/main" id="{44B75201-4883-464B-8606-95AB16148DF8}"/>
+                <a16:creationId xmlns:a16="http://schemas.microsoft.com/office/drawing/2014/main" xmlns="" id="{44B75201-4883-464B-8606-95AB16148DF8}"/>
               </a:ext>
             </a:extLst>
           </p:cNvPr>
@@ -8311,7 +10163,7 @@
           <p:cNvPr id="2" name="Rectangle 1">
             <a:extLst>
               <a:ext uri="{FF2B5EF4-FFF2-40B4-BE49-F238E27FC236}">
-                <a16:creationId xmlns:a16="http://schemas.microsoft.com/office/drawing/2014/main" id="{44B75201-4883-464B-8606-95AB16148DF8}"/>
+                <a16:creationId xmlns:a16="http://schemas.microsoft.com/office/drawing/2014/main" xmlns="" id="{44B75201-4883-464B-8606-95AB16148DF8}"/>
               </a:ext>
             </a:extLst>
           </p:cNvPr>
@@ -9199,7 +11051,7 @@
           <p:cNvPr id="2" name="Rectangle 1">
             <a:extLst>
               <a:ext uri="{FF2B5EF4-FFF2-40B4-BE49-F238E27FC236}">
-                <a16:creationId xmlns:a16="http://schemas.microsoft.com/office/drawing/2014/main" id="{44B75201-4883-464B-8606-95AB16148DF8}"/>
+                <a16:creationId xmlns:a16="http://schemas.microsoft.com/office/drawing/2014/main" xmlns="" id="{44B75201-4883-464B-8606-95AB16148DF8}"/>
               </a:ext>
             </a:extLst>
           </p:cNvPr>
@@ -9954,7 +11806,7 @@
           <p:cNvPr id="2" name="Rectangle 1">
             <a:extLst>
               <a:ext uri="{FF2B5EF4-FFF2-40B4-BE49-F238E27FC236}">
-                <a16:creationId xmlns:a16="http://schemas.microsoft.com/office/drawing/2014/main" id="{44B75201-4883-464B-8606-95AB16148DF8}"/>
+                <a16:creationId xmlns:a16="http://schemas.microsoft.com/office/drawing/2014/main" xmlns="" id="{44B75201-4883-464B-8606-95AB16148DF8}"/>
               </a:ext>
             </a:extLst>
           </p:cNvPr>
@@ -10008,7 +11860,7 @@
           <p:cNvPr id="24" name="TextBox 23">
             <a:extLst>
               <a:ext uri="{FF2B5EF4-FFF2-40B4-BE49-F238E27FC236}">
-                <a16:creationId xmlns:a16="http://schemas.microsoft.com/office/drawing/2014/main" id="{69D7F542-A661-434C-9490-EEB116C79FE8}"/>
+                <a16:creationId xmlns:a16="http://schemas.microsoft.com/office/drawing/2014/main" xmlns="" id="{69D7F542-A661-434C-9490-EEB116C79FE8}"/>
               </a:ext>
             </a:extLst>
           </p:cNvPr>
@@ -10048,6 +11900,13 @@
   <p:clrMapOvr>
     <a:masterClrMapping/>
   </p:clrMapOvr>
+  <p:timing>
+    <p:tnLst>
+      <p:par>
+        <p:cTn id="1" dur="indefinite" restart="never" nodeType="tmRoot"/>
+      </p:par>
+    </p:tnLst>
+  </p:timing>
 </p:sld>
 </file>
 
@@ -10678,7 +12537,7 @@
                         <m:sSubPr>
                           <m:ctrlPr>
                             <a:rPr lang="en-US" b="0" i="1" smtClean="0">
-                              <a:latin typeface="Cambria Math" panose="02040503050406030204" pitchFamily="18" charset="0"/>
+                              <a:latin typeface="Cambria Math" charset="0"/>
                             </a:rPr>
                           </m:ctrlPr>
                         </m:sSubPr>
@@ -10792,6 +12651,13 @@
   <p:clrMapOvr>
     <a:masterClrMapping/>
   </p:clrMapOvr>
+  <p:timing>
+    <p:tnLst>
+      <p:par>
+        <p:cTn id="1" dur="indefinite" restart="never" nodeType="tmRoot"/>
+      </p:par>
+    </p:tnLst>
+  </p:timing>
 </p:sld>
 </file>
 
@@ -11572,7 +13438,7 @@
                         <m:sSubPr>
                           <m:ctrlPr>
                             <a:rPr lang="en-US" b="0" i="1" smtClean="0">
-                              <a:latin typeface="Cambria Math" panose="02040503050406030204" pitchFamily="18" charset="0"/>
+                              <a:latin typeface="Cambria Math" charset="0"/>
                             </a:rPr>
                           </m:ctrlPr>
                         </m:sSubPr>
@@ -11646,8 +13512,8 @@
           </p:sp>
         </mc:Fallback>
       </mc:AlternateContent>
-      <mc:AlternateContent xmlns:mc="http://schemas.openxmlformats.org/markup-compatibility/2006">
-        <mc:Choice xmlns:a14="http://schemas.microsoft.com/office/drawing/2010/main" Requires="a14">
+      <mc:AlternateContent xmlns:mc="http://schemas.openxmlformats.org/markup-compatibility/2006" xmlns:a14="http://schemas.microsoft.com/office/drawing/2010/main">
+        <mc:Choice Requires="a14">
           <p:sp>
             <p:nvSpPr>
               <p:cNvPr id="47" name="TextBox 46"/>
@@ -11681,7 +13547,7 @@
                         <m:sSubPr>
                           <m:ctrlPr>
                             <a:rPr lang="en-US" sz="2400" b="0" i="1" smtClean="0">
-                              <a:latin typeface="Cambria Math" panose="02040503050406030204" pitchFamily="18" charset="0"/>
+                              <a:latin typeface="Cambria Math" charset="0"/>
                             </a:rPr>
                           </m:ctrlPr>
                         </m:sSubPr>
@@ -11706,19 +13572,13 @@
                         <a:rPr lang="en-US" sz="2400" b="0" i="1" smtClean="0">
                           <a:latin typeface="Cambria Math" charset="0"/>
                         </a:rPr>
-                        <m:t>=5</m:t>
-                      </m:r>
-                      <m:r>
-                        <a:rPr lang="en-US" sz="2400" b="0" i="1" smtClean="0">
-                          <a:latin typeface="Cambria Math" charset="0"/>
-                        </a:rPr>
-                        <m:t>,  </m:t>
+                        <m:t>=5,  </m:t>
                       </m:r>
                       <m:sSub>
                         <m:sSubPr>
                           <m:ctrlPr>
                             <a:rPr lang="en-US" sz="2400" b="0" i="1" smtClean="0">
-                              <a:latin typeface="Cambria Math" panose="02040503050406030204" pitchFamily="18" charset="0"/>
+                              <a:latin typeface="Cambria Math" charset="0"/>
                             </a:rPr>
                           </m:ctrlPr>
                         </m:sSubPr>
@@ -11771,7 +13631,7 @@
             </p:txBody>
           </p:sp>
         </mc:Choice>
-        <mc:Fallback>
+        <mc:Fallback xmlns="">
           <p:sp>
             <p:nvSpPr>
               <p:cNvPr id="47" name="TextBox 46"/>
@@ -11850,6 +13710,13 @@
   <p:clrMapOvr>
     <a:masterClrMapping/>
   </p:clrMapOvr>
+  <p:timing>
+    <p:tnLst>
+      <p:par>
+        <p:cTn id="1" dur="indefinite" restart="never" nodeType="tmRoot"/>
+      </p:par>
+    </p:tnLst>
+  </p:timing>
 </p:sld>
 </file>
 

--- a/Presentations/2018-11-27.pptx
+++ b/Presentations/2018-11-27.pptx
@@ -5,7 +5,7 @@
     <p:sldMasterId id="2147483648" r:id="rId1"/>
   </p:sldMasterIdLst>
   <p:notesMasterIdLst>
-    <p:notesMasterId r:id="rId17"/>
+    <p:notesMasterId r:id="rId16"/>
   </p:notesMasterIdLst>
   <p:sldIdLst>
     <p:sldId id="263" r:id="rId2"/>
@@ -18,11 +18,10 @@
     <p:sldId id="300" r:id="rId9"/>
     <p:sldId id="304" r:id="rId10"/>
     <p:sldId id="303" r:id="rId11"/>
-    <p:sldId id="305" r:id="rId12"/>
-    <p:sldId id="306" r:id="rId13"/>
-    <p:sldId id="307" r:id="rId14"/>
-    <p:sldId id="309" r:id="rId15"/>
-    <p:sldId id="308" r:id="rId16"/>
+    <p:sldId id="306" r:id="rId12"/>
+    <p:sldId id="307" r:id="rId13"/>
+    <p:sldId id="309" r:id="rId14"/>
+    <p:sldId id="308" r:id="rId15"/>
   </p:sldIdLst>
   <p:sldSz cx="12192000" cy="6858000"/>
   <p:notesSz cx="6858000" cy="9144000"/>
@@ -1089,7 +1088,7 @@
           <p:cNvPr id="2" name="Title 1">
             <a:extLst>
               <a:ext uri="{FF2B5EF4-FFF2-40B4-BE49-F238E27FC236}">
-                <a16:creationId xmlns:a16="http://schemas.microsoft.com/office/drawing/2014/main" xmlns="" id="{70EC7BC2-3D68-5445-84C7-327A3A18BB9B}"/>
+                <a16:creationId xmlns:a16="http://schemas.microsoft.com/office/drawing/2014/main" id="{70EC7BC2-3D68-5445-84C7-327A3A18BB9B}"/>
               </a:ext>
             </a:extLst>
           </p:cNvPr>
@@ -1127,7 +1126,7 @@
           <p:cNvPr id="3" name="Subtitle 2">
             <a:extLst>
               <a:ext uri="{FF2B5EF4-FFF2-40B4-BE49-F238E27FC236}">
-                <a16:creationId xmlns:a16="http://schemas.microsoft.com/office/drawing/2014/main" xmlns="" id="{36512394-0A98-8C4E-AC15-4A7687D4D5A5}"/>
+                <a16:creationId xmlns:a16="http://schemas.microsoft.com/office/drawing/2014/main" id="{36512394-0A98-8C4E-AC15-4A7687D4D5A5}"/>
               </a:ext>
             </a:extLst>
           </p:cNvPr>
@@ -1198,7 +1197,7 @@
           <p:cNvPr id="4" name="Date Placeholder 3">
             <a:extLst>
               <a:ext uri="{FF2B5EF4-FFF2-40B4-BE49-F238E27FC236}">
-                <a16:creationId xmlns:a16="http://schemas.microsoft.com/office/drawing/2014/main" xmlns="" id="{2AAF3A50-7DA1-C649-A6A0-7548FF10CC13}"/>
+                <a16:creationId xmlns:a16="http://schemas.microsoft.com/office/drawing/2014/main" id="{2AAF3A50-7DA1-C649-A6A0-7548FF10CC13}"/>
               </a:ext>
             </a:extLst>
           </p:cNvPr>
@@ -1227,7 +1226,7 @@
           <p:cNvPr id="5" name="Footer Placeholder 4">
             <a:extLst>
               <a:ext uri="{FF2B5EF4-FFF2-40B4-BE49-F238E27FC236}">
-                <a16:creationId xmlns:a16="http://schemas.microsoft.com/office/drawing/2014/main" xmlns="" id="{83A21BEB-4FCA-8C49-8372-19EB9B35D12A}"/>
+                <a16:creationId xmlns:a16="http://schemas.microsoft.com/office/drawing/2014/main" id="{83A21BEB-4FCA-8C49-8372-19EB9B35D12A}"/>
               </a:ext>
             </a:extLst>
           </p:cNvPr>
@@ -1252,7 +1251,7 @@
           <p:cNvPr id="6" name="Slide Number Placeholder 5">
             <a:extLst>
               <a:ext uri="{FF2B5EF4-FFF2-40B4-BE49-F238E27FC236}">
-                <a16:creationId xmlns:a16="http://schemas.microsoft.com/office/drawing/2014/main" xmlns="" id="{A75A4C88-1242-D940-9D93-298A87B23DD1}"/>
+                <a16:creationId xmlns:a16="http://schemas.microsoft.com/office/drawing/2014/main" id="{A75A4C88-1242-D940-9D93-298A87B23DD1}"/>
               </a:ext>
             </a:extLst>
           </p:cNvPr>
@@ -1311,7 +1310,7 @@
           <p:cNvPr id="2" name="Title 1">
             <a:extLst>
               <a:ext uri="{FF2B5EF4-FFF2-40B4-BE49-F238E27FC236}">
-                <a16:creationId xmlns:a16="http://schemas.microsoft.com/office/drawing/2014/main" xmlns="" id="{50D63CDC-1766-1140-B431-F4FE317DD9D7}"/>
+                <a16:creationId xmlns:a16="http://schemas.microsoft.com/office/drawing/2014/main" id="{50D63CDC-1766-1140-B431-F4FE317DD9D7}"/>
               </a:ext>
             </a:extLst>
           </p:cNvPr>
@@ -1340,7 +1339,7 @@
           <p:cNvPr id="3" name="Vertical Text Placeholder 2">
             <a:extLst>
               <a:ext uri="{FF2B5EF4-FFF2-40B4-BE49-F238E27FC236}">
-                <a16:creationId xmlns:a16="http://schemas.microsoft.com/office/drawing/2014/main" xmlns="" id="{3003C36F-F25B-8F4C-B5CB-795F8AA71565}"/>
+                <a16:creationId xmlns:a16="http://schemas.microsoft.com/office/drawing/2014/main" id="{3003C36F-F25B-8F4C-B5CB-795F8AA71565}"/>
               </a:ext>
             </a:extLst>
           </p:cNvPr>
@@ -1398,7 +1397,7 @@
           <p:cNvPr id="4" name="Date Placeholder 3">
             <a:extLst>
               <a:ext uri="{FF2B5EF4-FFF2-40B4-BE49-F238E27FC236}">
-                <a16:creationId xmlns:a16="http://schemas.microsoft.com/office/drawing/2014/main" xmlns="" id="{E6483027-3D2C-3449-8BC0-05F297151A5C}"/>
+                <a16:creationId xmlns:a16="http://schemas.microsoft.com/office/drawing/2014/main" id="{E6483027-3D2C-3449-8BC0-05F297151A5C}"/>
               </a:ext>
             </a:extLst>
           </p:cNvPr>
@@ -1427,7 +1426,7 @@
           <p:cNvPr id="5" name="Footer Placeholder 4">
             <a:extLst>
               <a:ext uri="{FF2B5EF4-FFF2-40B4-BE49-F238E27FC236}">
-                <a16:creationId xmlns:a16="http://schemas.microsoft.com/office/drawing/2014/main" xmlns="" id="{353AE27F-6C23-AA46-AE1F-05A540D925B7}"/>
+                <a16:creationId xmlns:a16="http://schemas.microsoft.com/office/drawing/2014/main" id="{353AE27F-6C23-AA46-AE1F-05A540D925B7}"/>
               </a:ext>
             </a:extLst>
           </p:cNvPr>
@@ -1452,7 +1451,7 @@
           <p:cNvPr id="6" name="Slide Number Placeholder 5">
             <a:extLst>
               <a:ext uri="{FF2B5EF4-FFF2-40B4-BE49-F238E27FC236}">
-                <a16:creationId xmlns:a16="http://schemas.microsoft.com/office/drawing/2014/main" xmlns="" id="{D99CF83A-BEAC-F34A-8471-1B2AF20FCF45}"/>
+                <a16:creationId xmlns:a16="http://schemas.microsoft.com/office/drawing/2014/main" id="{D99CF83A-BEAC-F34A-8471-1B2AF20FCF45}"/>
               </a:ext>
             </a:extLst>
           </p:cNvPr>
@@ -1511,7 +1510,7 @@
           <p:cNvPr id="2" name="Vertical Title 1">
             <a:extLst>
               <a:ext uri="{FF2B5EF4-FFF2-40B4-BE49-F238E27FC236}">
-                <a16:creationId xmlns:a16="http://schemas.microsoft.com/office/drawing/2014/main" xmlns="" id="{B069079C-3444-1346-8471-F03135B475B6}"/>
+                <a16:creationId xmlns:a16="http://schemas.microsoft.com/office/drawing/2014/main" id="{B069079C-3444-1346-8471-F03135B475B6}"/>
               </a:ext>
             </a:extLst>
           </p:cNvPr>
@@ -1545,7 +1544,7 @@
           <p:cNvPr id="3" name="Vertical Text Placeholder 2">
             <a:extLst>
               <a:ext uri="{FF2B5EF4-FFF2-40B4-BE49-F238E27FC236}">
-                <a16:creationId xmlns:a16="http://schemas.microsoft.com/office/drawing/2014/main" xmlns="" id="{1AA504D9-D9CA-B348-9E3C-D25720357110}"/>
+                <a16:creationId xmlns:a16="http://schemas.microsoft.com/office/drawing/2014/main" id="{1AA504D9-D9CA-B348-9E3C-D25720357110}"/>
               </a:ext>
             </a:extLst>
           </p:cNvPr>
@@ -1608,7 +1607,7 @@
           <p:cNvPr id="4" name="Date Placeholder 3">
             <a:extLst>
               <a:ext uri="{FF2B5EF4-FFF2-40B4-BE49-F238E27FC236}">
-                <a16:creationId xmlns:a16="http://schemas.microsoft.com/office/drawing/2014/main" xmlns="" id="{6F59C05C-F741-4841-BA03-A745F5621D82}"/>
+                <a16:creationId xmlns:a16="http://schemas.microsoft.com/office/drawing/2014/main" id="{6F59C05C-F741-4841-BA03-A745F5621D82}"/>
               </a:ext>
             </a:extLst>
           </p:cNvPr>
@@ -1637,7 +1636,7 @@
           <p:cNvPr id="5" name="Footer Placeholder 4">
             <a:extLst>
               <a:ext uri="{FF2B5EF4-FFF2-40B4-BE49-F238E27FC236}">
-                <a16:creationId xmlns:a16="http://schemas.microsoft.com/office/drawing/2014/main" xmlns="" id="{9D01A035-9EEC-5047-BE6D-2ECDDB537269}"/>
+                <a16:creationId xmlns:a16="http://schemas.microsoft.com/office/drawing/2014/main" id="{9D01A035-9EEC-5047-BE6D-2ECDDB537269}"/>
               </a:ext>
             </a:extLst>
           </p:cNvPr>
@@ -1662,7 +1661,7 @@
           <p:cNvPr id="6" name="Slide Number Placeholder 5">
             <a:extLst>
               <a:ext uri="{FF2B5EF4-FFF2-40B4-BE49-F238E27FC236}">
-                <a16:creationId xmlns:a16="http://schemas.microsoft.com/office/drawing/2014/main" xmlns="" id="{194EFFA5-E111-8043-A074-6F140039DCC1}"/>
+                <a16:creationId xmlns:a16="http://schemas.microsoft.com/office/drawing/2014/main" id="{194EFFA5-E111-8043-A074-6F140039DCC1}"/>
               </a:ext>
             </a:extLst>
           </p:cNvPr>
@@ -1721,7 +1720,7 @@
           <p:cNvPr id="2" name="Title 1">
             <a:extLst>
               <a:ext uri="{FF2B5EF4-FFF2-40B4-BE49-F238E27FC236}">
-                <a16:creationId xmlns:a16="http://schemas.microsoft.com/office/drawing/2014/main" xmlns="" id="{32EF171D-F94D-4241-A039-9BADAEE99C58}"/>
+                <a16:creationId xmlns:a16="http://schemas.microsoft.com/office/drawing/2014/main" id="{32EF171D-F94D-4241-A039-9BADAEE99C58}"/>
               </a:ext>
             </a:extLst>
           </p:cNvPr>
@@ -1750,7 +1749,7 @@
           <p:cNvPr id="3" name="Content Placeholder 2">
             <a:extLst>
               <a:ext uri="{FF2B5EF4-FFF2-40B4-BE49-F238E27FC236}">
-                <a16:creationId xmlns:a16="http://schemas.microsoft.com/office/drawing/2014/main" xmlns="" id="{0B1122EC-E159-0047-8FD4-D644B26C7191}"/>
+                <a16:creationId xmlns:a16="http://schemas.microsoft.com/office/drawing/2014/main" id="{0B1122EC-E159-0047-8FD4-D644B26C7191}"/>
               </a:ext>
             </a:extLst>
           </p:cNvPr>
@@ -1808,7 +1807,7 @@
           <p:cNvPr id="4" name="Date Placeholder 3">
             <a:extLst>
               <a:ext uri="{FF2B5EF4-FFF2-40B4-BE49-F238E27FC236}">
-                <a16:creationId xmlns:a16="http://schemas.microsoft.com/office/drawing/2014/main" xmlns="" id="{0B6C943D-8E30-1944-9DA7-908DA57910A3}"/>
+                <a16:creationId xmlns:a16="http://schemas.microsoft.com/office/drawing/2014/main" id="{0B6C943D-8E30-1944-9DA7-908DA57910A3}"/>
               </a:ext>
             </a:extLst>
           </p:cNvPr>
@@ -1837,7 +1836,7 @@
           <p:cNvPr id="5" name="Footer Placeholder 4">
             <a:extLst>
               <a:ext uri="{FF2B5EF4-FFF2-40B4-BE49-F238E27FC236}">
-                <a16:creationId xmlns:a16="http://schemas.microsoft.com/office/drawing/2014/main" xmlns="" id="{ADE79FE7-1179-8247-AFA1-DE953AA18248}"/>
+                <a16:creationId xmlns:a16="http://schemas.microsoft.com/office/drawing/2014/main" id="{ADE79FE7-1179-8247-AFA1-DE953AA18248}"/>
               </a:ext>
             </a:extLst>
           </p:cNvPr>
@@ -1862,7 +1861,7 @@
           <p:cNvPr id="6" name="Slide Number Placeholder 5">
             <a:extLst>
               <a:ext uri="{FF2B5EF4-FFF2-40B4-BE49-F238E27FC236}">
-                <a16:creationId xmlns:a16="http://schemas.microsoft.com/office/drawing/2014/main" xmlns="" id="{87EB9435-7FFC-6C4F-B8F4-3796A381C59D}"/>
+                <a16:creationId xmlns:a16="http://schemas.microsoft.com/office/drawing/2014/main" id="{87EB9435-7FFC-6C4F-B8F4-3796A381C59D}"/>
               </a:ext>
             </a:extLst>
           </p:cNvPr>
@@ -1921,7 +1920,7 @@
           <p:cNvPr id="2" name="Title 1">
             <a:extLst>
               <a:ext uri="{FF2B5EF4-FFF2-40B4-BE49-F238E27FC236}">
-                <a16:creationId xmlns:a16="http://schemas.microsoft.com/office/drawing/2014/main" xmlns="" id="{D1B3BE6B-6994-CD45-ADD4-058C0D82CDEB}"/>
+                <a16:creationId xmlns:a16="http://schemas.microsoft.com/office/drawing/2014/main" id="{D1B3BE6B-6994-CD45-ADD4-058C0D82CDEB}"/>
               </a:ext>
             </a:extLst>
           </p:cNvPr>
@@ -1959,7 +1958,7 @@
           <p:cNvPr id="3" name="Text Placeholder 2">
             <a:extLst>
               <a:ext uri="{FF2B5EF4-FFF2-40B4-BE49-F238E27FC236}">
-                <a16:creationId xmlns:a16="http://schemas.microsoft.com/office/drawing/2014/main" xmlns="" id="{0EB194DD-C276-0643-A3F0-2E8D8E252701}"/>
+                <a16:creationId xmlns:a16="http://schemas.microsoft.com/office/drawing/2014/main" id="{0EB194DD-C276-0643-A3F0-2E8D8E252701}"/>
               </a:ext>
             </a:extLst>
           </p:cNvPr>
@@ -2084,7 +2083,7 @@
           <p:cNvPr id="4" name="Date Placeholder 3">
             <a:extLst>
               <a:ext uri="{FF2B5EF4-FFF2-40B4-BE49-F238E27FC236}">
-                <a16:creationId xmlns:a16="http://schemas.microsoft.com/office/drawing/2014/main" xmlns="" id="{B223532C-6293-FD42-974C-CF94CD123235}"/>
+                <a16:creationId xmlns:a16="http://schemas.microsoft.com/office/drawing/2014/main" id="{B223532C-6293-FD42-974C-CF94CD123235}"/>
               </a:ext>
             </a:extLst>
           </p:cNvPr>
@@ -2113,7 +2112,7 @@
           <p:cNvPr id="5" name="Footer Placeholder 4">
             <a:extLst>
               <a:ext uri="{FF2B5EF4-FFF2-40B4-BE49-F238E27FC236}">
-                <a16:creationId xmlns:a16="http://schemas.microsoft.com/office/drawing/2014/main" xmlns="" id="{C6491A9B-99B0-BF4A-9F4F-E9F65F0D6CA8}"/>
+                <a16:creationId xmlns:a16="http://schemas.microsoft.com/office/drawing/2014/main" id="{C6491A9B-99B0-BF4A-9F4F-E9F65F0D6CA8}"/>
               </a:ext>
             </a:extLst>
           </p:cNvPr>
@@ -2138,7 +2137,7 @@
           <p:cNvPr id="6" name="Slide Number Placeholder 5">
             <a:extLst>
               <a:ext uri="{FF2B5EF4-FFF2-40B4-BE49-F238E27FC236}">
-                <a16:creationId xmlns:a16="http://schemas.microsoft.com/office/drawing/2014/main" xmlns="" id="{3588B9F7-F32A-C149-AA95-DC92EFAAF570}"/>
+                <a16:creationId xmlns:a16="http://schemas.microsoft.com/office/drawing/2014/main" id="{3588B9F7-F32A-C149-AA95-DC92EFAAF570}"/>
               </a:ext>
             </a:extLst>
           </p:cNvPr>
@@ -2197,7 +2196,7 @@
           <p:cNvPr id="2" name="Title 1">
             <a:extLst>
               <a:ext uri="{FF2B5EF4-FFF2-40B4-BE49-F238E27FC236}">
-                <a16:creationId xmlns:a16="http://schemas.microsoft.com/office/drawing/2014/main" xmlns="" id="{3BB936E0-F622-FD4D-9B7B-C252DAE05E7F}"/>
+                <a16:creationId xmlns:a16="http://schemas.microsoft.com/office/drawing/2014/main" id="{3BB936E0-F622-FD4D-9B7B-C252DAE05E7F}"/>
               </a:ext>
             </a:extLst>
           </p:cNvPr>
@@ -2226,7 +2225,7 @@
           <p:cNvPr id="3" name="Content Placeholder 2">
             <a:extLst>
               <a:ext uri="{FF2B5EF4-FFF2-40B4-BE49-F238E27FC236}">
-                <a16:creationId xmlns:a16="http://schemas.microsoft.com/office/drawing/2014/main" xmlns="" id="{058E2282-7BF4-1C46-9275-4231D23450A4}"/>
+                <a16:creationId xmlns:a16="http://schemas.microsoft.com/office/drawing/2014/main" id="{058E2282-7BF4-1C46-9275-4231D23450A4}"/>
               </a:ext>
             </a:extLst>
           </p:cNvPr>
@@ -2289,7 +2288,7 @@
           <p:cNvPr id="4" name="Content Placeholder 3">
             <a:extLst>
               <a:ext uri="{FF2B5EF4-FFF2-40B4-BE49-F238E27FC236}">
-                <a16:creationId xmlns:a16="http://schemas.microsoft.com/office/drawing/2014/main" xmlns="" id="{CCAC6B01-38F2-5143-B1DD-B05413529CF4}"/>
+                <a16:creationId xmlns:a16="http://schemas.microsoft.com/office/drawing/2014/main" id="{CCAC6B01-38F2-5143-B1DD-B05413529CF4}"/>
               </a:ext>
             </a:extLst>
           </p:cNvPr>
@@ -2352,7 +2351,7 @@
           <p:cNvPr id="5" name="Date Placeholder 4">
             <a:extLst>
               <a:ext uri="{FF2B5EF4-FFF2-40B4-BE49-F238E27FC236}">
-                <a16:creationId xmlns:a16="http://schemas.microsoft.com/office/drawing/2014/main" xmlns="" id="{DBD9031D-650D-4643-BAA3-5D95C6264C72}"/>
+                <a16:creationId xmlns:a16="http://schemas.microsoft.com/office/drawing/2014/main" id="{DBD9031D-650D-4643-BAA3-5D95C6264C72}"/>
               </a:ext>
             </a:extLst>
           </p:cNvPr>
@@ -2381,7 +2380,7 @@
           <p:cNvPr id="6" name="Footer Placeholder 5">
             <a:extLst>
               <a:ext uri="{FF2B5EF4-FFF2-40B4-BE49-F238E27FC236}">
-                <a16:creationId xmlns:a16="http://schemas.microsoft.com/office/drawing/2014/main" xmlns="" id="{9BB1D980-FABC-4347-A010-56C865D0B462}"/>
+                <a16:creationId xmlns:a16="http://schemas.microsoft.com/office/drawing/2014/main" id="{9BB1D980-FABC-4347-A010-56C865D0B462}"/>
               </a:ext>
             </a:extLst>
           </p:cNvPr>
@@ -2406,7 +2405,7 @@
           <p:cNvPr id="7" name="Slide Number Placeholder 6">
             <a:extLst>
               <a:ext uri="{FF2B5EF4-FFF2-40B4-BE49-F238E27FC236}">
-                <a16:creationId xmlns:a16="http://schemas.microsoft.com/office/drawing/2014/main" xmlns="" id="{BEF0ABD4-8BC7-9649-B12A-1E013B92485D}"/>
+                <a16:creationId xmlns:a16="http://schemas.microsoft.com/office/drawing/2014/main" id="{BEF0ABD4-8BC7-9649-B12A-1E013B92485D}"/>
               </a:ext>
             </a:extLst>
           </p:cNvPr>
@@ -2465,7 +2464,7 @@
           <p:cNvPr id="2" name="Title 1">
             <a:extLst>
               <a:ext uri="{FF2B5EF4-FFF2-40B4-BE49-F238E27FC236}">
-                <a16:creationId xmlns:a16="http://schemas.microsoft.com/office/drawing/2014/main" xmlns="" id="{E39B88A6-890F-7442-8F60-A60F9AF4CECA}"/>
+                <a16:creationId xmlns:a16="http://schemas.microsoft.com/office/drawing/2014/main" id="{E39B88A6-890F-7442-8F60-A60F9AF4CECA}"/>
               </a:ext>
             </a:extLst>
           </p:cNvPr>
@@ -2499,7 +2498,7 @@
           <p:cNvPr id="3" name="Text Placeholder 2">
             <a:extLst>
               <a:ext uri="{FF2B5EF4-FFF2-40B4-BE49-F238E27FC236}">
-                <a16:creationId xmlns:a16="http://schemas.microsoft.com/office/drawing/2014/main" xmlns="" id="{80B50DB9-2360-0C4C-B83C-563186FA3AFB}"/>
+                <a16:creationId xmlns:a16="http://schemas.microsoft.com/office/drawing/2014/main" id="{80B50DB9-2360-0C4C-B83C-563186FA3AFB}"/>
               </a:ext>
             </a:extLst>
           </p:cNvPr>
@@ -2570,7 +2569,7 @@
           <p:cNvPr id="4" name="Content Placeholder 3">
             <a:extLst>
               <a:ext uri="{FF2B5EF4-FFF2-40B4-BE49-F238E27FC236}">
-                <a16:creationId xmlns:a16="http://schemas.microsoft.com/office/drawing/2014/main" xmlns="" id="{7DA515F7-C113-E04E-B330-5FAC508D6EF9}"/>
+                <a16:creationId xmlns:a16="http://schemas.microsoft.com/office/drawing/2014/main" id="{7DA515F7-C113-E04E-B330-5FAC508D6EF9}"/>
               </a:ext>
             </a:extLst>
           </p:cNvPr>
@@ -2633,7 +2632,7 @@
           <p:cNvPr id="5" name="Text Placeholder 4">
             <a:extLst>
               <a:ext uri="{FF2B5EF4-FFF2-40B4-BE49-F238E27FC236}">
-                <a16:creationId xmlns:a16="http://schemas.microsoft.com/office/drawing/2014/main" xmlns="" id="{1C7C0490-73D2-944F-B2F7-779919A064F5}"/>
+                <a16:creationId xmlns:a16="http://schemas.microsoft.com/office/drawing/2014/main" id="{1C7C0490-73D2-944F-B2F7-779919A064F5}"/>
               </a:ext>
             </a:extLst>
           </p:cNvPr>
@@ -2704,7 +2703,7 @@
           <p:cNvPr id="6" name="Content Placeholder 5">
             <a:extLst>
               <a:ext uri="{FF2B5EF4-FFF2-40B4-BE49-F238E27FC236}">
-                <a16:creationId xmlns:a16="http://schemas.microsoft.com/office/drawing/2014/main" xmlns="" id="{D53E1515-B7D1-DF44-BD10-385FD6D0E807}"/>
+                <a16:creationId xmlns:a16="http://schemas.microsoft.com/office/drawing/2014/main" id="{D53E1515-B7D1-DF44-BD10-385FD6D0E807}"/>
               </a:ext>
             </a:extLst>
           </p:cNvPr>
@@ -2767,7 +2766,7 @@
           <p:cNvPr id="7" name="Date Placeholder 6">
             <a:extLst>
               <a:ext uri="{FF2B5EF4-FFF2-40B4-BE49-F238E27FC236}">
-                <a16:creationId xmlns:a16="http://schemas.microsoft.com/office/drawing/2014/main" xmlns="" id="{AC9500AF-25C2-614E-AD33-75DFF3CBD5C9}"/>
+                <a16:creationId xmlns:a16="http://schemas.microsoft.com/office/drawing/2014/main" id="{AC9500AF-25C2-614E-AD33-75DFF3CBD5C9}"/>
               </a:ext>
             </a:extLst>
           </p:cNvPr>
@@ -2796,7 +2795,7 @@
           <p:cNvPr id="8" name="Footer Placeholder 7">
             <a:extLst>
               <a:ext uri="{FF2B5EF4-FFF2-40B4-BE49-F238E27FC236}">
-                <a16:creationId xmlns:a16="http://schemas.microsoft.com/office/drawing/2014/main" xmlns="" id="{5F05E421-4952-9742-89F3-6CEC9AB0B942}"/>
+                <a16:creationId xmlns:a16="http://schemas.microsoft.com/office/drawing/2014/main" id="{5F05E421-4952-9742-89F3-6CEC9AB0B942}"/>
               </a:ext>
             </a:extLst>
           </p:cNvPr>
@@ -2821,7 +2820,7 @@
           <p:cNvPr id="9" name="Slide Number Placeholder 8">
             <a:extLst>
               <a:ext uri="{FF2B5EF4-FFF2-40B4-BE49-F238E27FC236}">
-                <a16:creationId xmlns:a16="http://schemas.microsoft.com/office/drawing/2014/main" xmlns="" id="{7E9B21A4-A216-1648-8675-CA9648A7316E}"/>
+                <a16:creationId xmlns:a16="http://schemas.microsoft.com/office/drawing/2014/main" id="{7E9B21A4-A216-1648-8675-CA9648A7316E}"/>
               </a:ext>
             </a:extLst>
           </p:cNvPr>
@@ -2880,7 +2879,7 @@
           <p:cNvPr id="2" name="Title 1">
             <a:extLst>
               <a:ext uri="{FF2B5EF4-FFF2-40B4-BE49-F238E27FC236}">
-                <a16:creationId xmlns:a16="http://schemas.microsoft.com/office/drawing/2014/main" xmlns="" id="{07C88290-411F-7149-8EFB-7DF344536377}"/>
+                <a16:creationId xmlns:a16="http://schemas.microsoft.com/office/drawing/2014/main" id="{07C88290-411F-7149-8EFB-7DF344536377}"/>
               </a:ext>
             </a:extLst>
           </p:cNvPr>
@@ -2909,7 +2908,7 @@
           <p:cNvPr id="3" name="Date Placeholder 2">
             <a:extLst>
               <a:ext uri="{FF2B5EF4-FFF2-40B4-BE49-F238E27FC236}">
-                <a16:creationId xmlns:a16="http://schemas.microsoft.com/office/drawing/2014/main" xmlns="" id="{FBD5C4B8-A290-084F-9A9F-D8EBE3B19867}"/>
+                <a16:creationId xmlns:a16="http://schemas.microsoft.com/office/drawing/2014/main" id="{FBD5C4B8-A290-084F-9A9F-D8EBE3B19867}"/>
               </a:ext>
             </a:extLst>
           </p:cNvPr>
@@ -2938,7 +2937,7 @@
           <p:cNvPr id="4" name="Footer Placeholder 3">
             <a:extLst>
               <a:ext uri="{FF2B5EF4-FFF2-40B4-BE49-F238E27FC236}">
-                <a16:creationId xmlns:a16="http://schemas.microsoft.com/office/drawing/2014/main" xmlns="" id="{B636B2E5-0CD8-2F43-8AD6-11AA0ED7FB61}"/>
+                <a16:creationId xmlns:a16="http://schemas.microsoft.com/office/drawing/2014/main" id="{B636B2E5-0CD8-2F43-8AD6-11AA0ED7FB61}"/>
               </a:ext>
             </a:extLst>
           </p:cNvPr>
@@ -2963,7 +2962,7 @@
           <p:cNvPr id="5" name="Slide Number Placeholder 4">
             <a:extLst>
               <a:ext uri="{FF2B5EF4-FFF2-40B4-BE49-F238E27FC236}">
-                <a16:creationId xmlns:a16="http://schemas.microsoft.com/office/drawing/2014/main" xmlns="" id="{F2EB22DC-EC74-1544-8ACF-4F0B7D0A9533}"/>
+                <a16:creationId xmlns:a16="http://schemas.microsoft.com/office/drawing/2014/main" id="{F2EB22DC-EC74-1544-8ACF-4F0B7D0A9533}"/>
               </a:ext>
             </a:extLst>
           </p:cNvPr>
@@ -3022,7 +3021,7 @@
           <p:cNvPr id="2" name="Date Placeholder 1">
             <a:extLst>
               <a:ext uri="{FF2B5EF4-FFF2-40B4-BE49-F238E27FC236}">
-                <a16:creationId xmlns:a16="http://schemas.microsoft.com/office/drawing/2014/main" xmlns="" id="{AB85106E-DAB5-DA44-94DF-21ACA341EB2E}"/>
+                <a16:creationId xmlns:a16="http://schemas.microsoft.com/office/drawing/2014/main" id="{AB85106E-DAB5-DA44-94DF-21ACA341EB2E}"/>
               </a:ext>
             </a:extLst>
           </p:cNvPr>
@@ -3051,7 +3050,7 @@
           <p:cNvPr id="3" name="Footer Placeholder 2">
             <a:extLst>
               <a:ext uri="{FF2B5EF4-FFF2-40B4-BE49-F238E27FC236}">
-                <a16:creationId xmlns:a16="http://schemas.microsoft.com/office/drawing/2014/main" xmlns="" id="{6F9B187F-CD21-6C4F-96CE-B9EEF79EC096}"/>
+                <a16:creationId xmlns:a16="http://schemas.microsoft.com/office/drawing/2014/main" id="{6F9B187F-CD21-6C4F-96CE-B9EEF79EC096}"/>
               </a:ext>
             </a:extLst>
           </p:cNvPr>
@@ -3076,7 +3075,7 @@
           <p:cNvPr id="4" name="Slide Number Placeholder 3">
             <a:extLst>
               <a:ext uri="{FF2B5EF4-FFF2-40B4-BE49-F238E27FC236}">
-                <a16:creationId xmlns:a16="http://schemas.microsoft.com/office/drawing/2014/main" xmlns="" id="{41064B7C-0ECC-1D40-ACA4-4E1B78279870}"/>
+                <a16:creationId xmlns:a16="http://schemas.microsoft.com/office/drawing/2014/main" id="{41064B7C-0ECC-1D40-ACA4-4E1B78279870}"/>
               </a:ext>
             </a:extLst>
           </p:cNvPr>
@@ -3135,7 +3134,7 @@
           <p:cNvPr id="2" name="Title 1">
             <a:extLst>
               <a:ext uri="{FF2B5EF4-FFF2-40B4-BE49-F238E27FC236}">
-                <a16:creationId xmlns:a16="http://schemas.microsoft.com/office/drawing/2014/main" xmlns="" id="{3FD338F8-A6A6-3646-AE56-78E71B37327E}"/>
+                <a16:creationId xmlns:a16="http://schemas.microsoft.com/office/drawing/2014/main" id="{3FD338F8-A6A6-3646-AE56-78E71B37327E}"/>
               </a:ext>
             </a:extLst>
           </p:cNvPr>
@@ -3173,7 +3172,7 @@
           <p:cNvPr id="3" name="Content Placeholder 2">
             <a:extLst>
               <a:ext uri="{FF2B5EF4-FFF2-40B4-BE49-F238E27FC236}">
-                <a16:creationId xmlns:a16="http://schemas.microsoft.com/office/drawing/2014/main" xmlns="" id="{F6B346EA-86A5-584A-B4E5-27BF93EE8EE0}"/>
+                <a16:creationId xmlns:a16="http://schemas.microsoft.com/office/drawing/2014/main" id="{F6B346EA-86A5-584A-B4E5-27BF93EE8EE0}"/>
               </a:ext>
             </a:extLst>
           </p:cNvPr>
@@ -3264,7 +3263,7 @@
           <p:cNvPr id="4" name="Text Placeholder 3">
             <a:extLst>
               <a:ext uri="{FF2B5EF4-FFF2-40B4-BE49-F238E27FC236}">
-                <a16:creationId xmlns:a16="http://schemas.microsoft.com/office/drawing/2014/main" xmlns="" id="{D1326A26-26A0-774E-B1E2-F756CD3E4FD6}"/>
+                <a16:creationId xmlns:a16="http://schemas.microsoft.com/office/drawing/2014/main" id="{D1326A26-26A0-774E-B1E2-F756CD3E4FD6}"/>
               </a:ext>
             </a:extLst>
           </p:cNvPr>
@@ -3335,7 +3334,7 @@
           <p:cNvPr id="5" name="Date Placeholder 4">
             <a:extLst>
               <a:ext uri="{FF2B5EF4-FFF2-40B4-BE49-F238E27FC236}">
-                <a16:creationId xmlns:a16="http://schemas.microsoft.com/office/drawing/2014/main" xmlns="" id="{C48479E9-E1F5-9643-B226-601290DC0DB3}"/>
+                <a16:creationId xmlns:a16="http://schemas.microsoft.com/office/drawing/2014/main" id="{C48479E9-E1F5-9643-B226-601290DC0DB3}"/>
               </a:ext>
             </a:extLst>
           </p:cNvPr>
@@ -3364,7 +3363,7 @@
           <p:cNvPr id="6" name="Footer Placeholder 5">
             <a:extLst>
               <a:ext uri="{FF2B5EF4-FFF2-40B4-BE49-F238E27FC236}">
-                <a16:creationId xmlns:a16="http://schemas.microsoft.com/office/drawing/2014/main" xmlns="" id="{B609F5C1-B295-E143-9CB3-91F98F044C54}"/>
+                <a16:creationId xmlns:a16="http://schemas.microsoft.com/office/drawing/2014/main" id="{B609F5C1-B295-E143-9CB3-91F98F044C54}"/>
               </a:ext>
             </a:extLst>
           </p:cNvPr>
@@ -3389,7 +3388,7 @@
           <p:cNvPr id="7" name="Slide Number Placeholder 6">
             <a:extLst>
               <a:ext uri="{FF2B5EF4-FFF2-40B4-BE49-F238E27FC236}">
-                <a16:creationId xmlns:a16="http://schemas.microsoft.com/office/drawing/2014/main" xmlns="" id="{A5E86A32-34AA-4140-BDF6-57CC088AD5A4}"/>
+                <a16:creationId xmlns:a16="http://schemas.microsoft.com/office/drawing/2014/main" id="{A5E86A32-34AA-4140-BDF6-57CC088AD5A4}"/>
               </a:ext>
             </a:extLst>
           </p:cNvPr>
@@ -3448,7 +3447,7 @@
           <p:cNvPr id="2" name="Title 1">
             <a:extLst>
               <a:ext uri="{FF2B5EF4-FFF2-40B4-BE49-F238E27FC236}">
-                <a16:creationId xmlns:a16="http://schemas.microsoft.com/office/drawing/2014/main" xmlns="" id="{25EA7A66-BE70-234F-9A50-24540B73C527}"/>
+                <a16:creationId xmlns:a16="http://schemas.microsoft.com/office/drawing/2014/main" id="{25EA7A66-BE70-234F-9A50-24540B73C527}"/>
               </a:ext>
             </a:extLst>
           </p:cNvPr>
@@ -3486,7 +3485,7 @@
           <p:cNvPr id="3" name="Picture Placeholder 2">
             <a:extLst>
               <a:ext uri="{FF2B5EF4-FFF2-40B4-BE49-F238E27FC236}">
-                <a16:creationId xmlns:a16="http://schemas.microsoft.com/office/drawing/2014/main" xmlns="" id="{731C78C1-82E9-9D4C-8841-2BF6DED32BC2}"/>
+                <a16:creationId xmlns:a16="http://schemas.microsoft.com/office/drawing/2014/main" id="{731C78C1-82E9-9D4C-8841-2BF6DED32BC2}"/>
               </a:ext>
             </a:extLst>
           </p:cNvPr>
@@ -3553,7 +3552,7 @@
           <p:cNvPr id="4" name="Text Placeholder 3">
             <a:extLst>
               <a:ext uri="{FF2B5EF4-FFF2-40B4-BE49-F238E27FC236}">
-                <a16:creationId xmlns:a16="http://schemas.microsoft.com/office/drawing/2014/main" xmlns="" id="{F2B4FA57-296A-EB45-84DB-03E00AC985C1}"/>
+                <a16:creationId xmlns:a16="http://schemas.microsoft.com/office/drawing/2014/main" id="{F2B4FA57-296A-EB45-84DB-03E00AC985C1}"/>
               </a:ext>
             </a:extLst>
           </p:cNvPr>
@@ -3624,7 +3623,7 @@
           <p:cNvPr id="5" name="Date Placeholder 4">
             <a:extLst>
               <a:ext uri="{FF2B5EF4-FFF2-40B4-BE49-F238E27FC236}">
-                <a16:creationId xmlns:a16="http://schemas.microsoft.com/office/drawing/2014/main" xmlns="" id="{A32DE43F-C007-9342-A05F-9FA9C66CEC67}"/>
+                <a16:creationId xmlns:a16="http://schemas.microsoft.com/office/drawing/2014/main" id="{A32DE43F-C007-9342-A05F-9FA9C66CEC67}"/>
               </a:ext>
             </a:extLst>
           </p:cNvPr>
@@ -3653,7 +3652,7 @@
           <p:cNvPr id="6" name="Footer Placeholder 5">
             <a:extLst>
               <a:ext uri="{FF2B5EF4-FFF2-40B4-BE49-F238E27FC236}">
-                <a16:creationId xmlns:a16="http://schemas.microsoft.com/office/drawing/2014/main" xmlns="" id="{5BFC31A1-0036-A14E-AF28-7359B007C776}"/>
+                <a16:creationId xmlns:a16="http://schemas.microsoft.com/office/drawing/2014/main" id="{5BFC31A1-0036-A14E-AF28-7359B007C776}"/>
               </a:ext>
             </a:extLst>
           </p:cNvPr>
@@ -3678,7 +3677,7 @@
           <p:cNvPr id="7" name="Slide Number Placeholder 6">
             <a:extLst>
               <a:ext uri="{FF2B5EF4-FFF2-40B4-BE49-F238E27FC236}">
-                <a16:creationId xmlns:a16="http://schemas.microsoft.com/office/drawing/2014/main" xmlns="" id="{10A460D5-A58C-9542-8134-D9ADEF475A5D}"/>
+                <a16:creationId xmlns:a16="http://schemas.microsoft.com/office/drawing/2014/main" id="{10A460D5-A58C-9542-8134-D9ADEF475A5D}"/>
               </a:ext>
             </a:extLst>
           </p:cNvPr>
@@ -3742,7 +3741,7 @@
           <p:cNvPr id="2" name="Title Placeholder 1">
             <a:extLst>
               <a:ext uri="{FF2B5EF4-FFF2-40B4-BE49-F238E27FC236}">
-                <a16:creationId xmlns:a16="http://schemas.microsoft.com/office/drawing/2014/main" xmlns="" id="{F96794A8-438A-FB4E-A78E-36DD94D22544}"/>
+                <a16:creationId xmlns:a16="http://schemas.microsoft.com/office/drawing/2014/main" id="{F96794A8-438A-FB4E-A78E-36DD94D22544}"/>
               </a:ext>
             </a:extLst>
           </p:cNvPr>
@@ -3781,7 +3780,7 @@
           <p:cNvPr id="3" name="Text Placeholder 2">
             <a:extLst>
               <a:ext uri="{FF2B5EF4-FFF2-40B4-BE49-F238E27FC236}">
-                <a16:creationId xmlns:a16="http://schemas.microsoft.com/office/drawing/2014/main" xmlns="" id="{9FD3C57B-1618-9042-8F6F-B5E66FA89255}"/>
+                <a16:creationId xmlns:a16="http://schemas.microsoft.com/office/drawing/2014/main" id="{9FD3C57B-1618-9042-8F6F-B5E66FA89255}"/>
               </a:ext>
             </a:extLst>
           </p:cNvPr>
@@ -3849,7 +3848,7 @@
           <p:cNvPr id="4" name="Date Placeholder 3">
             <a:extLst>
               <a:ext uri="{FF2B5EF4-FFF2-40B4-BE49-F238E27FC236}">
-                <a16:creationId xmlns:a16="http://schemas.microsoft.com/office/drawing/2014/main" xmlns="" id="{14B0FDE7-BACC-C544-AB40-95D3CD32584A}"/>
+                <a16:creationId xmlns:a16="http://schemas.microsoft.com/office/drawing/2014/main" id="{14B0FDE7-BACC-C544-AB40-95D3CD32584A}"/>
               </a:ext>
             </a:extLst>
           </p:cNvPr>
@@ -3896,7 +3895,7 @@
           <p:cNvPr id="5" name="Footer Placeholder 4">
             <a:extLst>
               <a:ext uri="{FF2B5EF4-FFF2-40B4-BE49-F238E27FC236}">
-                <a16:creationId xmlns:a16="http://schemas.microsoft.com/office/drawing/2014/main" xmlns="" id="{48082F3E-F55F-9849-98BD-C984FA1E2EAE}"/>
+                <a16:creationId xmlns:a16="http://schemas.microsoft.com/office/drawing/2014/main" id="{48082F3E-F55F-9849-98BD-C984FA1E2EAE}"/>
               </a:ext>
             </a:extLst>
           </p:cNvPr>
@@ -3939,7 +3938,7 @@
           <p:cNvPr id="6" name="Slide Number Placeholder 5">
             <a:extLst>
               <a:ext uri="{FF2B5EF4-FFF2-40B4-BE49-F238E27FC236}">
-                <a16:creationId xmlns:a16="http://schemas.microsoft.com/office/drawing/2014/main" xmlns="" id="{F9546FC4-1471-5146-8E76-BB1F28611D7F}"/>
+                <a16:creationId xmlns:a16="http://schemas.microsoft.com/office/drawing/2014/main" id="{F9546FC4-1471-5146-8E76-BB1F28611D7F}"/>
               </a:ext>
             </a:extLst>
           </p:cNvPr>
@@ -4452,7 +4451,7 @@
           <p:cNvPr id="32" name="Straight Arrow Connector 31">
             <a:extLst>
               <a:ext uri="{FF2B5EF4-FFF2-40B4-BE49-F238E27FC236}">
-                <a16:creationId xmlns:a16="http://schemas.microsoft.com/office/drawing/2014/main" xmlns="" id="{766C1FD0-3FA5-C743-964E-C61F79490E02}"/>
+                <a16:creationId xmlns:a16="http://schemas.microsoft.com/office/drawing/2014/main" id="{766C1FD0-3FA5-C743-964E-C61F79490E02}"/>
               </a:ext>
             </a:extLst>
           </p:cNvPr>
@@ -4494,7 +4493,7 @@
           <p:cNvPr id="33" name="Straight Arrow Connector 32">
             <a:extLst>
               <a:ext uri="{FF2B5EF4-FFF2-40B4-BE49-F238E27FC236}">
-                <a16:creationId xmlns:a16="http://schemas.microsoft.com/office/drawing/2014/main" xmlns="" id="{2AE55632-4A6E-7D46-A1CE-05300C3367FF}"/>
+                <a16:creationId xmlns:a16="http://schemas.microsoft.com/office/drawing/2014/main" id="{2AE55632-4A6E-7D46-A1CE-05300C3367FF}"/>
               </a:ext>
             </a:extLst>
           </p:cNvPr>
@@ -4536,7 +4535,7 @@
           <p:cNvPr id="25" name="Multiply 24">
             <a:extLst>
               <a:ext uri="{FF2B5EF4-FFF2-40B4-BE49-F238E27FC236}">
-                <a16:creationId xmlns:a16="http://schemas.microsoft.com/office/drawing/2014/main" xmlns="" id="{3FE7EF9F-CB85-A443-8CA2-04C865A21D81}"/>
+                <a16:creationId xmlns:a16="http://schemas.microsoft.com/office/drawing/2014/main" id="{3FE7EF9F-CB85-A443-8CA2-04C865A21D81}"/>
               </a:ext>
             </a:extLst>
           </p:cNvPr>
@@ -5370,7 +5369,7 @@
                         <m:sSubPr>
                           <m:ctrlPr>
                             <a:rPr lang="en-US" b="0" i="1" smtClean="0">
-                              <a:latin typeface="Cambria Math" charset="0"/>
+                              <a:latin typeface="Cambria Math" panose="02040503050406030204" pitchFamily="18" charset="0"/>
                             </a:rPr>
                           </m:ctrlPr>
                         </m:sSubPr>
@@ -5479,7 +5478,7 @@
                         <m:sSubPr>
                           <m:ctrlPr>
                             <a:rPr lang="en-US" sz="2400" b="0" i="1" smtClean="0">
-                              <a:latin typeface="Cambria Math" charset="0"/>
+                              <a:latin typeface="Cambria Math" panose="02040503050406030204" pitchFamily="18" charset="0"/>
                             </a:rPr>
                           </m:ctrlPr>
                         </m:sSubPr>
@@ -5510,7 +5509,7 @@
                         <m:sSubPr>
                           <m:ctrlPr>
                             <a:rPr lang="en-US" sz="2400" b="0" i="1" smtClean="0">
-                              <a:latin typeface="Cambria Math" charset="0"/>
+                              <a:latin typeface="Cambria Math" panose="02040503050406030204" pitchFamily="18" charset="0"/>
                             </a:rPr>
                           </m:ctrlPr>
                         </m:sSubPr>
@@ -5636,7 +5635,7 @@
                         <m:sSubPr>
                           <m:ctrlPr>
                             <a:rPr lang="en-US" sz="2400" i="1" smtClean="0">
-                              <a:latin typeface="Cambria Math" charset="0"/>
+                              <a:latin typeface="Cambria Math" panose="02040503050406030204" pitchFamily="18" charset="0"/>
                             </a:rPr>
                           </m:ctrlPr>
                         </m:sSubPr>
@@ -5750,13 +5749,6 @@
   <p:clrMapOvr>
     <a:masterClrMapping/>
   </p:clrMapOvr>
-  <p:timing>
-    <p:tnLst>
-      <p:par>
-        <p:cTn id="1" dur="indefinite" restart="never" nodeType="tmRoot"/>
-      </p:par>
-    </p:tnLst>
-  </p:timing>
 </p:sld>
 </file>
 
@@ -5782,7 +5774,7 @@
           <p:cNvPr id="2" name="Title 1">
             <a:extLst>
               <a:ext uri="{FF2B5EF4-FFF2-40B4-BE49-F238E27FC236}">
-                <a16:creationId xmlns:a16="http://schemas.microsoft.com/office/drawing/2014/main" xmlns="" id="{B3663BD7-3EE4-A442-B110-597339C62489}"/>
+                <a16:creationId xmlns:a16="http://schemas.microsoft.com/office/drawing/2014/main" id="{B3663BD7-3EE4-A442-B110-597339C62489}"/>
               </a:ext>
             </a:extLst>
           </p:cNvPr>
@@ -5793,24 +5785,56 @@
             <p:ph type="title"/>
           </p:nvPr>
         </p:nvSpPr>
-        <p:spPr>
-          <a:xfrm>
-            <a:off x="838200" y="365125"/>
-            <a:ext cx="4628949" cy="1325563"/>
-          </a:xfrm>
-        </p:spPr>
+        <p:spPr/>
         <p:txBody>
           <a:bodyPr/>
           <a:lstStyle/>
           <a:p>
             <a:r>
-              <a:rPr lang="da-DK" dirty="0" smtClean="0"/>
-              <a:t>Method</a:t>
-            </a:r>
-            <a:endParaRPr lang="da-DK" dirty="0"/>
-          </a:p>
-        </p:txBody>
-      </p:sp>
+              <a:rPr lang="da-DK" dirty="0"/>
+              <a:t>TiO</a:t>
+            </a:r>
+            <a:r>
+              <a:rPr lang="da-DK" baseline="-25000" dirty="0"/>
+              <a:t>2</a:t>
+            </a:r>
+            <a:r>
+              <a:rPr lang="da-DK" dirty="0"/>
+              <a:t>(001)</a:t>
+            </a:r>
+          </a:p>
+        </p:txBody>
+      </p:sp>
+      <p:pic>
+        <p:nvPicPr>
+          <p:cNvPr id="3" name="Picture 2"/>
+          <p:cNvPicPr>
+            <a:picLocks noChangeAspect="1"/>
+          </p:cNvPicPr>
+          <p:nvPr/>
+        </p:nvPicPr>
+        <p:blipFill>
+          <a:blip r:embed="rId2">
+            <a:extLst>
+              <a:ext uri="{28A0092B-C50C-407E-A947-70E740481C1C}">
+                <a14:useLocalDpi xmlns:a14="http://schemas.microsoft.com/office/drawing/2010/main" val="0"/>
+              </a:ext>
+            </a:extLst>
+          </a:blip>
+          <a:stretch>
+            <a:fillRect/>
+          </a:stretch>
+        </p:blipFill>
+        <p:spPr>
+          <a:xfrm>
+            <a:off x="293971" y="3608913"/>
+            <a:ext cx="4047022" cy="3037461"/>
+          </a:xfrm>
+          <a:prstGeom prst="rect">
+            <a:avLst/>
+          </a:prstGeom>
+        </p:spPr>
+      </p:pic>
       <p:pic>
         <p:nvPicPr>
           <p:cNvPr id="4" name="Picture 3"/>
@@ -5819,8 +5843,37 @@
           </p:cNvPicPr>
           <p:nvPr/>
         </p:nvPicPr>
+        <p:blipFill rotWithShape="1">
+          <a:blip r:embed="rId3">
+            <a:extLst>
+              <a:ext uri="{28A0092B-C50C-407E-A947-70E740481C1C}">
+                <a14:useLocalDpi xmlns:a14="http://schemas.microsoft.com/office/drawing/2010/main" val="0"/>
+              </a:ext>
+            </a:extLst>
+          </a:blip>
+          <a:srcRect t="45006" b="12387"/>
+          <a:stretch/>
+        </p:blipFill>
+        <p:spPr>
+          <a:xfrm>
+            <a:off x="1327557" y="1708700"/>
+            <a:ext cx="2146143" cy="914400"/>
+          </a:xfrm>
+          <a:prstGeom prst="rect">
+            <a:avLst/>
+          </a:prstGeom>
+        </p:spPr>
+      </p:pic>
+      <p:pic>
+        <p:nvPicPr>
+          <p:cNvPr id="5" name="Picture 4"/>
+          <p:cNvPicPr>
+            <a:picLocks noChangeAspect="1"/>
+          </p:cNvPicPr>
+          <p:nvPr/>
+        </p:nvPicPr>
         <p:blipFill>
-          <a:blip r:embed="rId2">
+          <a:blip r:embed="rId4">
             <a:extLst>
               <a:ext uri="{28A0092B-C50C-407E-A947-70E740481C1C}">
                 <a14:useLocalDpi xmlns:a14="http://schemas.microsoft.com/office/drawing/2010/main" val="0"/>
@@ -5832,9 +5885,312 @@
           </a:stretch>
         </p:blipFill>
         <p:spPr>
-          <a:xfrm>
-            <a:off x="4005813" y="163628"/>
-            <a:ext cx="10550008" cy="25196133"/>
+          <a:xfrm rot="5400000">
+            <a:off x="1350009" y="2157037"/>
+            <a:ext cx="2101241" cy="2101241"/>
+          </a:xfrm>
+          <a:prstGeom prst="rect">
+            <a:avLst/>
+          </a:prstGeom>
+        </p:spPr>
+      </p:pic>
+      <p:pic>
+        <p:nvPicPr>
+          <p:cNvPr id="7" name="Picture 6"/>
+          <p:cNvPicPr>
+            <a:picLocks noChangeAspect="1"/>
+          </p:cNvPicPr>
+          <p:nvPr/>
+        </p:nvPicPr>
+        <p:blipFill>
+          <a:blip r:embed="rId5">
+            <a:extLst>
+              <a:ext uri="{28A0092B-C50C-407E-A947-70E740481C1C}">
+                <a14:useLocalDpi xmlns:a14="http://schemas.microsoft.com/office/drawing/2010/main" val="0"/>
+              </a:ext>
+            </a:extLst>
+          </a:blip>
+          <a:stretch>
+            <a:fillRect/>
+          </a:stretch>
+        </p:blipFill>
+        <p:spPr>
+          <a:xfrm rot="5400000">
+            <a:off x="5727611" y="2220695"/>
+            <a:ext cx="999832" cy="2059840"/>
+          </a:xfrm>
+          <a:prstGeom prst="rect">
+            <a:avLst/>
+          </a:prstGeom>
+        </p:spPr>
+      </p:pic>
+      <p:pic>
+        <p:nvPicPr>
+          <p:cNvPr id="8" name="Picture 7"/>
+          <p:cNvPicPr>
+            <a:picLocks noChangeAspect="1"/>
+          </p:cNvPicPr>
+          <p:nvPr/>
+        </p:nvPicPr>
+        <p:blipFill>
+          <a:blip r:embed="rId6">
+            <a:extLst>
+              <a:ext uri="{28A0092B-C50C-407E-A947-70E740481C1C}">
+                <a14:useLocalDpi xmlns:a14="http://schemas.microsoft.com/office/drawing/2010/main" val="0"/>
+              </a:ext>
+            </a:extLst>
+          </a:blip>
+          <a:stretch>
+            <a:fillRect/>
+          </a:stretch>
+        </p:blipFill>
+        <p:spPr>
+          <a:xfrm>
+            <a:off x="4186992" y="3608912"/>
+            <a:ext cx="4047022" cy="3037461"/>
+          </a:xfrm>
+          <a:prstGeom prst="rect">
+            <a:avLst/>
+          </a:prstGeom>
+        </p:spPr>
+      </p:pic>
+      <p:pic>
+        <p:nvPicPr>
+          <p:cNvPr id="9" name="Picture 8"/>
+          <p:cNvPicPr>
+            <a:picLocks noChangeAspect="1"/>
+          </p:cNvPicPr>
+          <p:nvPr/>
+        </p:nvPicPr>
+        <p:blipFill>
+          <a:blip r:embed="rId7">
+            <a:extLst>
+              <a:ext uri="{28A0092B-C50C-407E-A947-70E740481C1C}">
+                <a14:useLocalDpi xmlns:a14="http://schemas.microsoft.com/office/drawing/2010/main" val="0"/>
+              </a:ext>
+            </a:extLst>
+          </a:blip>
+          <a:stretch>
+            <a:fillRect/>
+          </a:stretch>
+        </p:blipFill>
+        <p:spPr>
+          <a:xfrm rot="5400000">
+            <a:off x="8967130" y="2105337"/>
+            <a:ext cx="2159673" cy="2159673"/>
+          </a:xfrm>
+          <a:prstGeom prst="rect">
+            <a:avLst/>
+          </a:prstGeom>
+        </p:spPr>
+      </p:pic>
+      <p:pic>
+        <p:nvPicPr>
+          <p:cNvPr id="10" name="Picture 9"/>
+          <p:cNvPicPr>
+            <a:picLocks noChangeAspect="1"/>
+          </p:cNvPicPr>
+          <p:nvPr/>
+        </p:nvPicPr>
+        <p:blipFill rotWithShape="1">
+          <a:blip r:embed="rId8">
+            <a:extLst>
+              <a:ext uri="{28A0092B-C50C-407E-A947-70E740481C1C}">
+                <a14:useLocalDpi xmlns:a14="http://schemas.microsoft.com/office/drawing/2010/main" val="0"/>
+              </a:ext>
+            </a:extLst>
+          </a:blip>
+          <a:srcRect l="9864" t="26411" r="9228" b="15155"/>
+          <a:stretch/>
+        </p:blipFill>
+        <p:spPr>
+          <a:xfrm>
+            <a:off x="9182943" y="1303654"/>
+            <a:ext cx="1770606" cy="1278771"/>
+          </a:xfrm>
+          <a:prstGeom prst="rect">
+            <a:avLst/>
+          </a:prstGeom>
+        </p:spPr>
+      </p:pic>
+      <p:sp>
+        <p:nvSpPr>
+          <p:cNvPr id="11" name="TextBox 10"/>
+          <p:cNvSpPr txBox="1"/>
+          <p:nvPr/>
+        </p:nvSpPr>
+        <p:spPr>
+          <a:xfrm>
+            <a:off x="252622" y="2028337"/>
+            <a:ext cx="643125" cy="369332"/>
+          </a:xfrm>
+          <a:prstGeom prst="rect">
+            <a:avLst/>
+          </a:prstGeom>
+          <a:noFill/>
+        </p:spPr>
+        <p:txBody>
+          <a:bodyPr wrap="none" rtlCol="0">
+            <a:spAutoFit/>
+          </a:bodyPr>
+          <a:lstStyle/>
+          <a:p>
+            <a:r>
+              <a:rPr lang="en-US" dirty="0"/>
+              <a:t>Side:</a:t>
+            </a:r>
+          </a:p>
+        </p:txBody>
+      </p:sp>
+      <p:sp>
+        <p:nvSpPr>
+          <p:cNvPr id="12" name="TextBox 11"/>
+          <p:cNvSpPr txBox="1"/>
+          <p:nvPr/>
+        </p:nvSpPr>
+        <p:spPr>
+          <a:xfrm>
+            <a:off x="252621" y="3014150"/>
+            <a:ext cx="582724" cy="369332"/>
+          </a:xfrm>
+          <a:prstGeom prst="rect">
+            <a:avLst/>
+          </a:prstGeom>
+          <a:noFill/>
+        </p:spPr>
+        <p:txBody>
+          <a:bodyPr wrap="none" rtlCol="0">
+            <a:spAutoFit/>
+          </a:bodyPr>
+          <a:lstStyle/>
+          <a:p>
+            <a:r>
+              <a:rPr lang="en-US" dirty="0"/>
+              <a:t>Top:</a:t>
+            </a:r>
+          </a:p>
+        </p:txBody>
+      </p:sp>
+      <p:sp>
+        <p:nvSpPr>
+          <p:cNvPr id="13" name="Right Brace 12"/>
+          <p:cNvSpPr/>
+          <p:nvPr/>
+        </p:nvSpPr>
+        <p:spPr>
+          <a:xfrm>
+            <a:off x="3261946" y="2290813"/>
+            <a:ext cx="45719" cy="301611"/>
+          </a:xfrm>
+          <a:prstGeom prst="rightBrace">
+            <a:avLst/>
+          </a:prstGeom>
+        </p:spPr>
+        <p:style>
+          <a:lnRef idx="3">
+            <a:schemeClr val="dk1"/>
+          </a:lnRef>
+          <a:fillRef idx="0">
+            <a:schemeClr val="dk1"/>
+          </a:fillRef>
+          <a:effectRef idx="2">
+            <a:schemeClr val="dk1"/>
+          </a:effectRef>
+          <a:fontRef idx="minor">
+            <a:schemeClr val="tx1"/>
+          </a:fontRef>
+        </p:style>
+        <p:txBody>
+          <a:bodyPr rtlCol="0" anchor="ctr"/>
+          <a:lstStyle/>
+          <a:p>
+            <a:pPr algn="ctr"/>
+            <a:endParaRPr lang="en-US"/>
+          </a:p>
+        </p:txBody>
+      </p:sp>
+      <p:sp>
+        <p:nvSpPr>
+          <p:cNvPr id="14" name="TextBox 13"/>
+          <p:cNvSpPr txBox="1"/>
+          <p:nvPr/>
+        </p:nvSpPr>
+        <p:spPr>
+          <a:xfrm>
+            <a:off x="3302226" y="2251967"/>
+            <a:ext cx="673967" cy="369332"/>
+          </a:xfrm>
+          <a:prstGeom prst="rect">
+            <a:avLst/>
+          </a:prstGeom>
+          <a:noFill/>
+        </p:spPr>
+        <p:txBody>
+          <a:bodyPr wrap="none" rtlCol="0">
+            <a:spAutoFit/>
+          </a:bodyPr>
+          <a:lstStyle/>
+          <a:p>
+            <a:r>
+              <a:rPr lang="en-US" dirty="0"/>
+              <a:t>Fixed</a:t>
+            </a:r>
+          </a:p>
+        </p:txBody>
+      </p:sp>
+      <p:pic>
+        <p:nvPicPr>
+          <p:cNvPr id="15" name="Picture 14"/>
+          <p:cNvPicPr>
+            <a:picLocks noChangeAspect="1"/>
+          </p:cNvPicPr>
+          <p:nvPr/>
+        </p:nvPicPr>
+        <p:blipFill>
+          <a:blip r:embed="rId9">
+            <a:extLst>
+              <a:ext uri="{28A0092B-C50C-407E-A947-70E740481C1C}">
+                <a14:useLocalDpi xmlns:a14="http://schemas.microsoft.com/office/drawing/2010/main" val="0"/>
+              </a:ext>
+            </a:extLst>
+          </a:blip>
+          <a:stretch>
+            <a:fillRect/>
+          </a:stretch>
+        </p:blipFill>
+        <p:spPr>
+          <a:xfrm>
+            <a:off x="8009798" y="3613409"/>
+            <a:ext cx="4041031" cy="3032965"/>
+          </a:xfrm>
+          <a:prstGeom prst="rect">
+            <a:avLst/>
+          </a:prstGeom>
+        </p:spPr>
+      </p:pic>
+      <p:pic>
+        <p:nvPicPr>
+          <p:cNvPr id="16" name="Picture 15"/>
+          <p:cNvPicPr>
+            <a:picLocks noChangeAspect="1"/>
+          </p:cNvPicPr>
+          <p:nvPr/>
+        </p:nvPicPr>
+        <p:blipFill rotWithShape="1">
+          <a:blip r:embed="rId10">
+            <a:extLst>
+              <a:ext uri="{28A0092B-C50C-407E-A947-70E740481C1C}">
+                <a14:useLocalDpi xmlns:a14="http://schemas.microsoft.com/office/drawing/2010/main" val="0"/>
+              </a:ext>
+            </a:extLst>
+          </a:blip>
+          <a:srcRect t="24222" b="25056"/>
+          <a:stretch/>
+        </p:blipFill>
+        <p:spPr>
+          <a:xfrm>
+            <a:off x="5197607" y="1585137"/>
+            <a:ext cx="2060069" cy="1044910"/>
           </a:xfrm>
           <a:prstGeom prst="rect">
             <a:avLst/>
@@ -5844,20 +6200,13 @@
     </p:spTree>
     <p:extLst>
       <p:ext uri="{BB962C8B-B14F-4D97-AF65-F5344CB8AC3E}">
-        <p14:creationId xmlns:p14="http://schemas.microsoft.com/office/powerpoint/2010/main" val="4104581435"/>
+        <p14:creationId xmlns:p14="http://schemas.microsoft.com/office/powerpoint/2010/main" val="304183317"/>
       </p:ext>
     </p:extLst>
   </p:cSld>
   <p:clrMapOvr>
     <a:masterClrMapping/>
   </p:clrMapOvr>
-  <p:timing>
-    <p:tnLst>
-      <p:par>
-        <p:cTn id="1" dur="indefinite" restart="never" nodeType="tmRoot"/>
-      </p:par>
-    </p:tnLst>
-  </p:timing>
 </p:sld>
 </file>
 
@@ -5880,13 +6229,7 @@
       </p:grpSpPr>
       <p:sp>
         <p:nvSpPr>
-          <p:cNvPr id="2" name="Title 1">
-            <a:extLst>
-              <a:ext uri="{FF2B5EF4-FFF2-40B4-BE49-F238E27FC236}">
-                <a16:creationId xmlns:a16="http://schemas.microsoft.com/office/drawing/2014/main" xmlns="" id="{B3663BD7-3EE4-A442-B110-597339C62489}"/>
-              </a:ext>
-            </a:extLst>
-          </p:cNvPr>
+          <p:cNvPr id="2" name="Title 1"/>
           <p:cNvSpPr>
             <a:spLocks noGrp="1"/>
           </p:cNvSpPr>
@@ -5894,24 +6237,29 @@
             <p:ph type="title"/>
           </p:nvPr>
         </p:nvSpPr>
-        <p:spPr/>
+        <p:spPr>
+          <a:xfrm>
+            <a:off x="802104" y="208710"/>
+            <a:ext cx="10515600" cy="1325563"/>
+          </a:xfrm>
+        </p:spPr>
         <p:txBody>
           <a:bodyPr/>
           <a:lstStyle/>
           <a:p>
             <a:r>
-              <a:rPr lang="da-DK" dirty="0" smtClean="0"/>
-              <a:t>TiO</a:t>
-            </a:r>
-            <a:r>
-              <a:rPr lang="da-DK" baseline="-25000" dirty="0" smtClean="0"/>
+              <a:rPr lang="en-US" dirty="0"/>
+              <a:t>SnO</a:t>
+            </a:r>
+            <a:r>
+              <a:rPr lang="en-US" baseline="-25000" dirty="0"/>
               <a:t>2</a:t>
             </a:r>
             <a:r>
-              <a:rPr lang="da-DK" dirty="0" smtClean="0"/>
-              <a:t>(001)</a:t>
-            </a:r>
-            <a:endParaRPr lang="da-DK" dirty="0"/>
+              <a:rPr lang="en-US" dirty="0"/>
+              <a:t>(110)</a:t>
+            </a:r>
+            <a:endParaRPr lang="en-US" baseline="-25000" dirty="0"/>
           </a:p>
         </p:txBody>
       </p:sp>
@@ -5936,38 +6284,9 @@
           </a:stretch>
         </p:blipFill>
         <p:spPr>
-          <a:xfrm>
-            <a:off x="293971" y="3608913"/>
-            <a:ext cx="4047022" cy="3037461"/>
-          </a:xfrm>
-          <a:prstGeom prst="rect">
-            <a:avLst/>
-          </a:prstGeom>
-        </p:spPr>
-      </p:pic>
-      <p:pic>
-        <p:nvPicPr>
-          <p:cNvPr id="4" name="Picture 3"/>
-          <p:cNvPicPr>
-            <a:picLocks noChangeAspect="1"/>
-          </p:cNvPicPr>
-          <p:nvPr/>
-        </p:nvPicPr>
-        <p:blipFill rotWithShape="1">
-          <a:blip r:embed="rId3">
-            <a:extLst>
-              <a:ext uri="{28A0092B-C50C-407E-A947-70E740481C1C}">
-                <a14:useLocalDpi xmlns:a14="http://schemas.microsoft.com/office/drawing/2010/main" val="0"/>
-              </a:ext>
-            </a:extLst>
-          </a:blip>
-          <a:srcRect t="45006" b="12387"/>
-          <a:stretch/>
-        </p:blipFill>
-        <p:spPr>
-          <a:xfrm>
-            <a:off x="1327557" y="1708700"/>
-            <a:ext cx="2146143" cy="914400"/>
+          <a:xfrm rot="16200000">
+            <a:off x="1475609" y="859240"/>
+            <a:ext cx="3001620" cy="3001620"/>
           </a:xfrm>
           <a:prstGeom prst="rect">
             <a:avLst/>
@@ -5983,445 +6302,6 @@
           <p:nvPr/>
         </p:nvPicPr>
         <p:blipFill>
-          <a:blip r:embed="rId4">
-            <a:extLst>
-              <a:ext uri="{28A0092B-C50C-407E-A947-70E740481C1C}">
-                <a14:useLocalDpi xmlns:a14="http://schemas.microsoft.com/office/drawing/2010/main" val="0"/>
-              </a:ext>
-            </a:extLst>
-          </a:blip>
-          <a:stretch>
-            <a:fillRect/>
-          </a:stretch>
-        </p:blipFill>
-        <p:spPr>
-          <a:xfrm rot="5400000">
-            <a:off x="1350009" y="2157037"/>
-            <a:ext cx="2101241" cy="2101241"/>
-          </a:xfrm>
-          <a:prstGeom prst="rect">
-            <a:avLst/>
-          </a:prstGeom>
-        </p:spPr>
-      </p:pic>
-      <p:pic>
-        <p:nvPicPr>
-          <p:cNvPr id="7" name="Picture 6"/>
-          <p:cNvPicPr>
-            <a:picLocks noChangeAspect="1"/>
-          </p:cNvPicPr>
-          <p:nvPr/>
-        </p:nvPicPr>
-        <p:blipFill>
-          <a:blip r:embed="rId5">
-            <a:extLst>
-              <a:ext uri="{28A0092B-C50C-407E-A947-70E740481C1C}">
-                <a14:useLocalDpi xmlns:a14="http://schemas.microsoft.com/office/drawing/2010/main" val="0"/>
-              </a:ext>
-            </a:extLst>
-          </a:blip>
-          <a:stretch>
-            <a:fillRect/>
-          </a:stretch>
-        </p:blipFill>
-        <p:spPr>
-          <a:xfrm rot="5400000">
-            <a:off x="5727611" y="2220695"/>
-            <a:ext cx="999832" cy="2059840"/>
-          </a:xfrm>
-          <a:prstGeom prst="rect">
-            <a:avLst/>
-          </a:prstGeom>
-        </p:spPr>
-      </p:pic>
-      <p:pic>
-        <p:nvPicPr>
-          <p:cNvPr id="8" name="Picture 7"/>
-          <p:cNvPicPr>
-            <a:picLocks noChangeAspect="1"/>
-          </p:cNvPicPr>
-          <p:nvPr/>
-        </p:nvPicPr>
-        <p:blipFill>
-          <a:blip r:embed="rId6">
-            <a:extLst>
-              <a:ext uri="{28A0092B-C50C-407E-A947-70E740481C1C}">
-                <a14:useLocalDpi xmlns:a14="http://schemas.microsoft.com/office/drawing/2010/main" val="0"/>
-              </a:ext>
-            </a:extLst>
-          </a:blip>
-          <a:stretch>
-            <a:fillRect/>
-          </a:stretch>
-        </p:blipFill>
-        <p:spPr>
-          <a:xfrm>
-            <a:off x="4186992" y="3608912"/>
-            <a:ext cx="4047022" cy="3037461"/>
-          </a:xfrm>
-          <a:prstGeom prst="rect">
-            <a:avLst/>
-          </a:prstGeom>
-        </p:spPr>
-      </p:pic>
-      <p:pic>
-        <p:nvPicPr>
-          <p:cNvPr id="9" name="Picture 8"/>
-          <p:cNvPicPr>
-            <a:picLocks noChangeAspect="1"/>
-          </p:cNvPicPr>
-          <p:nvPr/>
-        </p:nvPicPr>
-        <p:blipFill>
-          <a:blip r:embed="rId7">
-            <a:extLst>
-              <a:ext uri="{28A0092B-C50C-407E-A947-70E740481C1C}">
-                <a14:useLocalDpi xmlns:a14="http://schemas.microsoft.com/office/drawing/2010/main" val="0"/>
-              </a:ext>
-            </a:extLst>
-          </a:blip>
-          <a:stretch>
-            <a:fillRect/>
-          </a:stretch>
-        </p:blipFill>
-        <p:spPr>
-          <a:xfrm rot="5400000">
-            <a:off x="8967130" y="2105337"/>
-            <a:ext cx="2159673" cy="2159673"/>
-          </a:xfrm>
-          <a:prstGeom prst="rect">
-            <a:avLst/>
-          </a:prstGeom>
-        </p:spPr>
-      </p:pic>
-      <p:pic>
-        <p:nvPicPr>
-          <p:cNvPr id="10" name="Picture 9"/>
-          <p:cNvPicPr>
-            <a:picLocks noChangeAspect="1"/>
-          </p:cNvPicPr>
-          <p:nvPr/>
-        </p:nvPicPr>
-        <p:blipFill rotWithShape="1">
-          <a:blip r:embed="rId8">
-            <a:extLst>
-              <a:ext uri="{28A0092B-C50C-407E-A947-70E740481C1C}">
-                <a14:useLocalDpi xmlns:a14="http://schemas.microsoft.com/office/drawing/2010/main" val="0"/>
-              </a:ext>
-            </a:extLst>
-          </a:blip>
-          <a:srcRect l="9864" t="26411" r="9228" b="15155"/>
-          <a:stretch/>
-        </p:blipFill>
-        <p:spPr>
-          <a:xfrm>
-            <a:off x="9182943" y="1303654"/>
-            <a:ext cx="1770606" cy="1278771"/>
-          </a:xfrm>
-          <a:prstGeom prst="rect">
-            <a:avLst/>
-          </a:prstGeom>
-        </p:spPr>
-      </p:pic>
-      <p:sp>
-        <p:nvSpPr>
-          <p:cNvPr id="11" name="TextBox 10"/>
-          <p:cNvSpPr txBox="1"/>
-          <p:nvPr/>
-        </p:nvSpPr>
-        <p:spPr>
-          <a:xfrm>
-            <a:off x="252622" y="2028337"/>
-            <a:ext cx="643125" cy="369332"/>
-          </a:xfrm>
-          <a:prstGeom prst="rect">
-            <a:avLst/>
-          </a:prstGeom>
-          <a:noFill/>
-        </p:spPr>
-        <p:txBody>
-          <a:bodyPr wrap="none" rtlCol="0">
-            <a:spAutoFit/>
-          </a:bodyPr>
-          <a:lstStyle/>
-          <a:p>
-            <a:r>
-              <a:rPr lang="en-US" dirty="0" smtClean="0"/>
-              <a:t>Side:</a:t>
-            </a:r>
-            <a:endParaRPr lang="en-US" dirty="0"/>
-          </a:p>
-        </p:txBody>
-      </p:sp>
-      <p:sp>
-        <p:nvSpPr>
-          <p:cNvPr id="12" name="TextBox 11"/>
-          <p:cNvSpPr txBox="1"/>
-          <p:nvPr/>
-        </p:nvSpPr>
-        <p:spPr>
-          <a:xfrm>
-            <a:off x="252621" y="3014150"/>
-            <a:ext cx="582724" cy="369332"/>
-          </a:xfrm>
-          <a:prstGeom prst="rect">
-            <a:avLst/>
-          </a:prstGeom>
-          <a:noFill/>
-        </p:spPr>
-        <p:txBody>
-          <a:bodyPr wrap="none" rtlCol="0">
-            <a:spAutoFit/>
-          </a:bodyPr>
-          <a:lstStyle/>
-          <a:p>
-            <a:r>
-              <a:rPr lang="en-US" dirty="0" smtClean="0"/>
-              <a:t>Top:</a:t>
-            </a:r>
-            <a:endParaRPr lang="en-US" dirty="0"/>
-          </a:p>
-        </p:txBody>
-      </p:sp>
-      <p:sp>
-        <p:nvSpPr>
-          <p:cNvPr id="13" name="Right Brace 12"/>
-          <p:cNvSpPr/>
-          <p:nvPr/>
-        </p:nvSpPr>
-        <p:spPr>
-          <a:xfrm>
-            <a:off x="3261946" y="2290813"/>
-            <a:ext cx="45719" cy="301611"/>
-          </a:xfrm>
-          <a:prstGeom prst="rightBrace">
-            <a:avLst/>
-          </a:prstGeom>
-        </p:spPr>
-        <p:style>
-          <a:lnRef idx="3">
-            <a:schemeClr val="dk1"/>
-          </a:lnRef>
-          <a:fillRef idx="0">
-            <a:schemeClr val="dk1"/>
-          </a:fillRef>
-          <a:effectRef idx="2">
-            <a:schemeClr val="dk1"/>
-          </a:effectRef>
-          <a:fontRef idx="minor">
-            <a:schemeClr val="tx1"/>
-          </a:fontRef>
-        </p:style>
-        <p:txBody>
-          <a:bodyPr rtlCol="0" anchor="ctr"/>
-          <a:lstStyle/>
-          <a:p>
-            <a:pPr algn="ctr"/>
-            <a:endParaRPr lang="en-US"/>
-          </a:p>
-        </p:txBody>
-      </p:sp>
-      <p:sp>
-        <p:nvSpPr>
-          <p:cNvPr id="14" name="TextBox 13"/>
-          <p:cNvSpPr txBox="1"/>
-          <p:nvPr/>
-        </p:nvSpPr>
-        <p:spPr>
-          <a:xfrm>
-            <a:off x="3302226" y="2251967"/>
-            <a:ext cx="673967" cy="369332"/>
-          </a:xfrm>
-          <a:prstGeom prst="rect">
-            <a:avLst/>
-          </a:prstGeom>
-          <a:noFill/>
-        </p:spPr>
-        <p:txBody>
-          <a:bodyPr wrap="none" rtlCol="0">
-            <a:spAutoFit/>
-          </a:bodyPr>
-          <a:lstStyle/>
-          <a:p>
-            <a:r>
-              <a:rPr lang="en-US" dirty="0" smtClean="0"/>
-              <a:t>Fixed</a:t>
-            </a:r>
-            <a:endParaRPr lang="en-US" dirty="0"/>
-          </a:p>
-        </p:txBody>
-      </p:sp>
-      <p:pic>
-        <p:nvPicPr>
-          <p:cNvPr id="15" name="Picture 14"/>
-          <p:cNvPicPr>
-            <a:picLocks noChangeAspect="1"/>
-          </p:cNvPicPr>
-          <p:nvPr/>
-        </p:nvPicPr>
-        <p:blipFill>
-          <a:blip r:embed="rId9">
-            <a:extLst>
-              <a:ext uri="{28A0092B-C50C-407E-A947-70E740481C1C}">
-                <a14:useLocalDpi xmlns:a14="http://schemas.microsoft.com/office/drawing/2010/main" val="0"/>
-              </a:ext>
-            </a:extLst>
-          </a:blip>
-          <a:stretch>
-            <a:fillRect/>
-          </a:stretch>
-        </p:blipFill>
-        <p:spPr>
-          <a:xfrm>
-            <a:off x="8009798" y="3613409"/>
-            <a:ext cx="4041031" cy="3032965"/>
-          </a:xfrm>
-          <a:prstGeom prst="rect">
-            <a:avLst/>
-          </a:prstGeom>
-        </p:spPr>
-      </p:pic>
-      <p:pic>
-        <p:nvPicPr>
-          <p:cNvPr id="16" name="Picture 15"/>
-          <p:cNvPicPr>
-            <a:picLocks noChangeAspect="1"/>
-          </p:cNvPicPr>
-          <p:nvPr/>
-        </p:nvPicPr>
-        <p:blipFill rotWithShape="1">
-          <a:blip r:embed="rId10">
-            <a:extLst>
-              <a:ext uri="{28A0092B-C50C-407E-A947-70E740481C1C}">
-                <a14:useLocalDpi xmlns:a14="http://schemas.microsoft.com/office/drawing/2010/main" val="0"/>
-              </a:ext>
-            </a:extLst>
-          </a:blip>
-          <a:srcRect t="24222" b="25056"/>
-          <a:stretch/>
-        </p:blipFill>
-        <p:spPr>
-          <a:xfrm>
-            <a:off x="5197607" y="1585137"/>
-            <a:ext cx="2060069" cy="1044910"/>
-          </a:xfrm>
-          <a:prstGeom prst="rect">
-            <a:avLst/>
-          </a:prstGeom>
-        </p:spPr>
-      </p:pic>
-    </p:spTree>
-    <p:extLst>
-      <p:ext uri="{BB962C8B-B14F-4D97-AF65-F5344CB8AC3E}">
-        <p14:creationId xmlns:p14="http://schemas.microsoft.com/office/powerpoint/2010/main" val="304183317"/>
-      </p:ext>
-    </p:extLst>
-  </p:cSld>
-  <p:clrMapOvr>
-    <a:masterClrMapping/>
-  </p:clrMapOvr>
-  <p:timing>
-    <p:tnLst>
-      <p:par>
-        <p:cTn id="1" dur="indefinite" restart="never" nodeType="tmRoot"/>
-      </p:par>
-    </p:tnLst>
-  </p:timing>
-</p:sld>
-</file>
-
-<file path=ppt/slides/slide13.xml><?xml version="1.0" encoding="utf-8"?>
-<p:sld xmlns:a="http://schemas.openxmlformats.org/drawingml/2006/main" xmlns:r="http://schemas.openxmlformats.org/officeDocument/2006/relationships" xmlns:p="http://schemas.openxmlformats.org/presentationml/2006/main">
-  <p:cSld>
-    <p:spTree>
-      <p:nvGrpSpPr>
-        <p:cNvPr id="1" name=""/>
-        <p:cNvGrpSpPr/>
-        <p:nvPr/>
-      </p:nvGrpSpPr>
-      <p:grpSpPr>
-        <a:xfrm>
-          <a:off x="0" y="0"/>
-          <a:ext cx="0" cy="0"/>
-          <a:chOff x="0" y="0"/>
-          <a:chExt cx="0" cy="0"/>
-        </a:xfrm>
-      </p:grpSpPr>
-      <p:sp>
-        <p:nvSpPr>
-          <p:cNvPr id="2" name="Title 1"/>
-          <p:cNvSpPr>
-            <a:spLocks noGrp="1"/>
-          </p:cNvSpPr>
-          <p:nvPr>
-            <p:ph type="title"/>
-          </p:nvPr>
-        </p:nvSpPr>
-        <p:spPr>
-          <a:xfrm>
-            <a:off x="802104" y="208710"/>
-            <a:ext cx="10515600" cy="1325563"/>
-          </a:xfrm>
-        </p:spPr>
-        <p:txBody>
-          <a:bodyPr/>
-          <a:lstStyle/>
-          <a:p>
-            <a:r>
-              <a:rPr lang="en-US" dirty="0" smtClean="0"/>
-              <a:t>SnO</a:t>
-            </a:r>
-            <a:r>
-              <a:rPr lang="en-US" baseline="-25000" dirty="0" smtClean="0"/>
-              <a:t>2</a:t>
-            </a:r>
-            <a:r>
-              <a:rPr lang="en-US" dirty="0" smtClean="0"/>
-              <a:t>(110)</a:t>
-            </a:r>
-            <a:endParaRPr lang="en-US" baseline="-25000" dirty="0"/>
-          </a:p>
-        </p:txBody>
-      </p:sp>
-      <p:pic>
-        <p:nvPicPr>
-          <p:cNvPr id="3" name="Picture 2"/>
-          <p:cNvPicPr>
-            <a:picLocks noChangeAspect="1"/>
-          </p:cNvPicPr>
-          <p:nvPr/>
-        </p:nvPicPr>
-        <p:blipFill>
-          <a:blip r:embed="rId2">
-            <a:extLst>
-              <a:ext uri="{28A0092B-C50C-407E-A947-70E740481C1C}">
-                <a14:useLocalDpi xmlns:a14="http://schemas.microsoft.com/office/drawing/2010/main" val="0"/>
-              </a:ext>
-            </a:extLst>
-          </a:blip>
-          <a:stretch>
-            <a:fillRect/>
-          </a:stretch>
-        </p:blipFill>
-        <p:spPr>
-          <a:xfrm rot="16200000">
-            <a:off x="1475609" y="859240"/>
-            <a:ext cx="3001620" cy="3001620"/>
-          </a:xfrm>
-          <a:prstGeom prst="rect">
-            <a:avLst/>
-          </a:prstGeom>
-        </p:spPr>
-      </p:pic>
-      <p:pic>
-        <p:nvPicPr>
-          <p:cNvPr id="5" name="Picture 4"/>
-          <p:cNvPicPr>
-            <a:picLocks noChangeAspect="1"/>
-          </p:cNvPicPr>
-          <p:nvPr/>
-        </p:nvPicPr>
-        <p:blipFill>
           <a:blip r:embed="rId3">
             <a:extLst>
               <a:ext uri="{28A0092B-C50C-407E-A947-70E740481C1C}">
@@ -6496,10 +6376,9 @@
           <a:lstStyle/>
           <a:p>
             <a:r>
-              <a:rPr lang="en-US" sz="2400" dirty="0" smtClean="0"/>
+              <a:rPr lang="en-US" sz="2400" dirty="0"/>
               <a:t>Top:</a:t>
             </a:r>
-            <a:endParaRPr lang="en-US" sz="2400" dirty="0"/>
           </a:p>
         </p:txBody>
       </p:sp>
@@ -6526,15 +6405,14 @@
           <a:lstStyle/>
           <a:p>
             <a:r>
-              <a:rPr lang="en-US" sz="2400" dirty="0" smtClean="0"/>
+              <a:rPr lang="en-US" sz="2400" dirty="0"/>
               <a:t>Side:</a:t>
             </a:r>
-            <a:endParaRPr lang="en-US" sz="2400" dirty="0"/>
-          </a:p>
-        </p:txBody>
-      </p:sp>
-      <mc:AlternateContent xmlns:mc="http://schemas.openxmlformats.org/markup-compatibility/2006">
-        <mc:Choice xmlns:a14="http://schemas.microsoft.com/office/drawing/2010/main" Requires="a14">
+          </a:p>
+        </p:txBody>
+      </p:sp>
+      <mc:AlternateContent xmlns:mc="http://schemas.openxmlformats.org/markup-compatibility/2006" xmlns:a14="http://schemas.microsoft.com/office/drawing/2010/main">
+        <mc:Choice Requires="a14">
           <p:sp>
             <p:nvSpPr>
               <p:cNvPr id="14" name="TextBox 13"/>
@@ -6580,7 +6458,7 @@
                         <m:sSupPr>
                           <m:ctrlPr>
                             <a:rPr lang="en-US" sz="2400" b="0" i="1" smtClean="0">
-                              <a:latin typeface="Cambria Math" charset="0"/>
+                              <a:latin typeface="Cambria Math" panose="02040503050406030204" pitchFamily="18" charset="0"/>
                             </a:rPr>
                           </m:ctrlPr>
                         </m:sSupPr>
@@ -6617,7 +6495,7 @@
                         <m:sSupPr>
                           <m:ctrlPr>
                             <a:rPr lang="en-US" sz="2400" b="0" i="1" smtClean="0">
-                              <a:latin typeface="Cambria Math" charset="0"/>
+                              <a:latin typeface="Cambria Math" panose="02040503050406030204" pitchFamily="18" charset="0"/>
                             </a:rPr>
                           </m:ctrlPr>
                         </m:sSupPr>
@@ -6646,7 +6524,7 @@
             </p:txBody>
           </p:sp>
         </mc:Choice>
-        <mc:Fallback>
+        <mc:Fallback xmlns="">
           <p:sp>
             <p:nvSpPr>
               <p:cNvPr id="14" name="TextBox 13"/>
@@ -6708,10 +6586,9 @@
           <a:lstStyle/>
           <a:p>
             <a:r>
-              <a:rPr lang="en-US" sz="2400" b="1" dirty="0" smtClean="0"/>
+              <a:rPr lang="en-US" sz="2400" b="1" dirty="0"/>
               <a:t>Fitness</a:t>
             </a:r>
-            <a:endParaRPr lang="en-US" sz="2400" b="1" dirty="0"/>
           </a:p>
         </p:txBody>
       </p:sp>
@@ -6776,10 +6653,9 @@
           <a:lstStyle/>
           <a:p>
             <a:r>
-              <a:rPr lang="en-US" dirty="0" smtClean="0"/>
+              <a:rPr lang="en-US" dirty="0"/>
               <a:t>Fixed</a:t>
             </a:r>
-            <a:endParaRPr lang="en-US" dirty="0"/>
           </a:p>
         </p:txBody>
       </p:sp>
@@ -6793,17 +6669,10 @@
   <p:clrMapOvr>
     <a:masterClrMapping/>
   </p:clrMapOvr>
-  <p:timing>
-    <p:tnLst>
-      <p:par>
-        <p:cTn id="1" dur="indefinite" restart="never" nodeType="tmRoot"/>
-      </p:par>
-    </p:tnLst>
-  </p:timing>
 </p:sld>
 </file>
 
-<file path=ppt/slides/slide14.xml><?xml version="1.0" encoding="utf-8"?>
+<file path=ppt/slides/slide13.xml><?xml version="1.0" encoding="utf-8"?>
 <p:sld xmlns:a="http://schemas.openxmlformats.org/drawingml/2006/main" xmlns:r="http://schemas.openxmlformats.org/officeDocument/2006/relationships" xmlns:p="http://schemas.openxmlformats.org/presentationml/2006/main">
   <p:cSld>
     <p:spTree>
@@ -6841,24 +6710,16 @@
           <a:lstStyle/>
           <a:p>
             <a:r>
-              <a:rPr lang="en-US" dirty="0" smtClean="0"/>
+              <a:rPr lang="en-US" dirty="0"/>
               <a:t>SnO</a:t>
             </a:r>
             <a:r>
-              <a:rPr lang="en-US" baseline="-25000" dirty="0" smtClean="0"/>
+              <a:rPr lang="en-US" baseline="-25000" dirty="0"/>
               <a:t>2</a:t>
             </a:r>
             <a:r>
-              <a:rPr lang="en-US" dirty="0" smtClean="0"/>
-              <a:t>(110)</a:t>
-            </a:r>
-            <a:r>
-              <a:rPr lang="en-US" dirty="0" smtClean="0"/>
-              <a:t> </a:t>
-            </a:r>
-            <a:r>
-              <a:rPr lang="en-US" dirty="0" smtClean="0"/>
-              <a:t>- PCA</a:t>
+              <a:rPr lang="en-US" dirty="0"/>
+              <a:t>(110) - PCA</a:t>
             </a:r>
             <a:endParaRPr lang="en-US" baseline="-25000" dirty="0"/>
           </a:p>
@@ -7337,20 +7198,15 @@
           <a:lstStyle/>
           <a:p>
             <a:r>
-              <a:rPr lang="en-US" sz="2400" dirty="0" smtClean="0"/>
+              <a:rPr lang="en-US" sz="2400" dirty="0"/>
               <a:t>Search</a:t>
             </a:r>
           </a:p>
           <a:p>
             <a:r>
-              <a:rPr lang="en-US" sz="2400" dirty="0" smtClean="0"/>
-              <a:t>iteration</a:t>
-            </a:r>
-            <a:r>
-              <a:rPr lang="en-US" sz="2400" dirty="0" smtClean="0"/>
-              <a:t>:</a:t>
-            </a:r>
-            <a:endParaRPr lang="en-US" sz="2400" dirty="0"/>
+              <a:rPr lang="en-US" sz="2400" dirty="0"/>
+              <a:t>iteration:</a:t>
+            </a:r>
           </a:p>
         </p:txBody>
       </p:sp>
@@ -7377,10 +7233,9 @@
           <a:lstStyle/>
           <a:p>
             <a:r>
-              <a:rPr lang="en-US" sz="2400" dirty="0" smtClean="0"/>
+              <a:rPr lang="en-US" sz="2400" dirty="0"/>
               <a:t>Energy:</a:t>
             </a:r>
-            <a:endParaRPr lang="en-US" sz="2400" dirty="0"/>
           </a:p>
         </p:txBody>
       </p:sp>
@@ -7394,17 +7249,10 @@
   <p:clrMapOvr>
     <a:masterClrMapping/>
   </p:clrMapOvr>
-  <p:timing>
-    <p:tnLst>
-      <p:par>
-        <p:cTn id="1" dur="indefinite" restart="never" nodeType="tmRoot"/>
-      </p:par>
-    </p:tnLst>
-  </p:timing>
 </p:sld>
 </file>
 
-<file path=ppt/slides/slide15.xml><?xml version="1.0" encoding="utf-8"?>
+<file path=ppt/slides/slide14.xml><?xml version="1.0" encoding="utf-8"?>
 <p:sld xmlns:a="http://schemas.openxmlformats.org/drawingml/2006/main" xmlns:r="http://schemas.openxmlformats.org/officeDocument/2006/relationships" xmlns:p="http://schemas.openxmlformats.org/presentationml/2006/main">
   <p:cSld>
     <p:spTree>
@@ -7437,18 +7285,17 @@
           <a:lstStyle/>
           <a:p>
             <a:r>
-              <a:rPr lang="en-US" dirty="0" smtClean="0"/>
+              <a:rPr lang="en-US" dirty="0"/>
               <a:t>TiO</a:t>
             </a:r>
             <a:r>
-              <a:rPr lang="en-US" baseline="-25000" dirty="0" smtClean="0"/>
+              <a:rPr lang="en-US" baseline="-25000" dirty="0"/>
               <a:t>2</a:t>
             </a:r>
             <a:r>
-              <a:rPr lang="en-US" dirty="0" smtClean="0"/>
+              <a:rPr lang="en-US" dirty="0"/>
               <a:t> double step</a:t>
             </a:r>
-            <a:endParaRPr lang="en-US" dirty="0"/>
           </a:p>
         </p:txBody>
       </p:sp>
@@ -7594,10 +7441,9 @@
           <a:lstStyle/>
           <a:p>
             <a:r>
-              <a:rPr lang="en-US" smtClean="0"/>
+              <a:rPr lang="en-US"/>
               <a:t>Side:</a:t>
             </a:r>
-            <a:endParaRPr lang="en-US"/>
           </a:p>
         </p:txBody>
       </p:sp>
@@ -7624,10 +7470,9 @@
           <a:lstStyle/>
           <a:p>
             <a:r>
-              <a:rPr lang="en-US" dirty="0" smtClean="0"/>
+              <a:rPr lang="en-US" dirty="0"/>
               <a:t>Top:</a:t>
             </a:r>
-            <a:endParaRPr lang="en-US" dirty="0"/>
           </a:p>
         </p:txBody>
       </p:sp>
@@ -7641,13 +7486,6 @@
   <p:clrMapOvr>
     <a:masterClrMapping/>
   </p:clrMapOvr>
-  <p:timing>
-    <p:tnLst>
-      <p:par>
-        <p:cTn id="1" dur="indefinite" restart="never" nodeType="tmRoot"/>
-      </p:par>
-    </p:tnLst>
-  </p:timing>
 </p:sld>
 </file>
 
@@ -8093,7 +7931,7 @@
           <p:cNvPr id="2" name="Rectangle 1">
             <a:extLst>
               <a:ext uri="{FF2B5EF4-FFF2-40B4-BE49-F238E27FC236}">
-                <a16:creationId xmlns:a16="http://schemas.microsoft.com/office/drawing/2014/main" xmlns="" id="{44B75201-4883-464B-8606-95AB16148DF8}"/>
+                <a16:creationId xmlns:a16="http://schemas.microsoft.com/office/drawing/2014/main" id="{44B75201-4883-464B-8606-95AB16148DF8}"/>
               </a:ext>
             </a:extLst>
           </p:cNvPr>
@@ -8684,7 +8522,7 @@
           <p:cNvPr id="2" name="Rectangle 1">
             <a:extLst>
               <a:ext uri="{FF2B5EF4-FFF2-40B4-BE49-F238E27FC236}">
-                <a16:creationId xmlns:a16="http://schemas.microsoft.com/office/drawing/2014/main" xmlns="" id="{44B75201-4883-464B-8606-95AB16148DF8}"/>
+                <a16:creationId xmlns:a16="http://schemas.microsoft.com/office/drawing/2014/main" id="{44B75201-4883-464B-8606-95AB16148DF8}"/>
               </a:ext>
             </a:extLst>
           </p:cNvPr>
@@ -9374,7 +9212,7 @@
           <p:cNvPr id="2" name="Rectangle 1">
             <a:extLst>
               <a:ext uri="{FF2B5EF4-FFF2-40B4-BE49-F238E27FC236}">
-                <a16:creationId xmlns:a16="http://schemas.microsoft.com/office/drawing/2014/main" xmlns="" id="{44B75201-4883-464B-8606-95AB16148DF8}"/>
+                <a16:creationId xmlns:a16="http://schemas.microsoft.com/office/drawing/2014/main" id="{44B75201-4883-464B-8606-95AB16148DF8}"/>
               </a:ext>
             </a:extLst>
           </p:cNvPr>
@@ -10163,7 +10001,7 @@
           <p:cNvPr id="2" name="Rectangle 1">
             <a:extLst>
               <a:ext uri="{FF2B5EF4-FFF2-40B4-BE49-F238E27FC236}">
-                <a16:creationId xmlns:a16="http://schemas.microsoft.com/office/drawing/2014/main" xmlns="" id="{44B75201-4883-464B-8606-95AB16148DF8}"/>
+                <a16:creationId xmlns:a16="http://schemas.microsoft.com/office/drawing/2014/main" id="{44B75201-4883-464B-8606-95AB16148DF8}"/>
               </a:ext>
             </a:extLst>
           </p:cNvPr>
@@ -11051,7 +10889,7 @@
           <p:cNvPr id="2" name="Rectangle 1">
             <a:extLst>
               <a:ext uri="{FF2B5EF4-FFF2-40B4-BE49-F238E27FC236}">
-                <a16:creationId xmlns:a16="http://schemas.microsoft.com/office/drawing/2014/main" xmlns="" id="{44B75201-4883-464B-8606-95AB16148DF8}"/>
+                <a16:creationId xmlns:a16="http://schemas.microsoft.com/office/drawing/2014/main" id="{44B75201-4883-464B-8606-95AB16148DF8}"/>
               </a:ext>
             </a:extLst>
           </p:cNvPr>
@@ -11806,7 +11644,7 @@
           <p:cNvPr id="2" name="Rectangle 1">
             <a:extLst>
               <a:ext uri="{FF2B5EF4-FFF2-40B4-BE49-F238E27FC236}">
-                <a16:creationId xmlns:a16="http://schemas.microsoft.com/office/drawing/2014/main" xmlns="" id="{44B75201-4883-464B-8606-95AB16148DF8}"/>
+                <a16:creationId xmlns:a16="http://schemas.microsoft.com/office/drawing/2014/main" id="{44B75201-4883-464B-8606-95AB16148DF8}"/>
               </a:ext>
             </a:extLst>
           </p:cNvPr>
@@ -11860,7 +11698,7 @@
           <p:cNvPr id="24" name="TextBox 23">
             <a:extLst>
               <a:ext uri="{FF2B5EF4-FFF2-40B4-BE49-F238E27FC236}">
-                <a16:creationId xmlns:a16="http://schemas.microsoft.com/office/drawing/2014/main" xmlns="" id="{69D7F542-A661-434C-9490-EEB116C79FE8}"/>
+                <a16:creationId xmlns:a16="http://schemas.microsoft.com/office/drawing/2014/main" id="{69D7F542-A661-434C-9490-EEB116C79FE8}"/>
               </a:ext>
             </a:extLst>
           </p:cNvPr>
@@ -11900,13 +11738,6 @@
   <p:clrMapOvr>
     <a:masterClrMapping/>
   </p:clrMapOvr>
-  <p:timing>
-    <p:tnLst>
-      <p:par>
-        <p:cTn id="1" dur="indefinite" restart="never" nodeType="tmRoot"/>
-      </p:par>
-    </p:tnLst>
-  </p:timing>
 </p:sld>
 </file>
 
@@ -12537,7 +12368,7 @@
                         <m:sSubPr>
                           <m:ctrlPr>
                             <a:rPr lang="en-US" b="0" i="1" smtClean="0">
-                              <a:latin typeface="Cambria Math" charset="0"/>
+                              <a:latin typeface="Cambria Math" panose="02040503050406030204" pitchFamily="18" charset="0"/>
                             </a:rPr>
                           </m:ctrlPr>
                         </m:sSubPr>
@@ -12651,13 +12482,6 @@
   <p:clrMapOvr>
     <a:masterClrMapping/>
   </p:clrMapOvr>
-  <p:timing>
-    <p:tnLst>
-      <p:par>
-        <p:cTn id="1" dur="indefinite" restart="never" nodeType="tmRoot"/>
-      </p:par>
-    </p:tnLst>
-  </p:timing>
 </p:sld>
 </file>
 
@@ -13438,7 +13262,7 @@
                         <m:sSubPr>
                           <m:ctrlPr>
                             <a:rPr lang="en-US" b="0" i="1" smtClean="0">
-                              <a:latin typeface="Cambria Math" charset="0"/>
+                              <a:latin typeface="Cambria Math" panose="02040503050406030204" pitchFamily="18" charset="0"/>
                             </a:rPr>
                           </m:ctrlPr>
                         </m:sSubPr>
@@ -13547,7 +13371,7 @@
                         <m:sSubPr>
                           <m:ctrlPr>
                             <a:rPr lang="en-US" sz="2400" b="0" i="1" smtClean="0">
-                              <a:latin typeface="Cambria Math" charset="0"/>
+                              <a:latin typeface="Cambria Math" panose="02040503050406030204" pitchFamily="18" charset="0"/>
                             </a:rPr>
                           </m:ctrlPr>
                         </m:sSubPr>
@@ -13578,7 +13402,7 @@
                         <m:sSubPr>
                           <m:ctrlPr>
                             <a:rPr lang="en-US" sz="2400" b="0" i="1" smtClean="0">
-                              <a:latin typeface="Cambria Math" charset="0"/>
+                              <a:latin typeface="Cambria Math" panose="02040503050406030204" pitchFamily="18" charset="0"/>
                             </a:rPr>
                           </m:ctrlPr>
                         </m:sSubPr>
@@ -13710,13 +13534,6 @@
   <p:clrMapOvr>
     <a:masterClrMapping/>
   </p:clrMapOvr>
-  <p:timing>
-    <p:tnLst>
-      <p:par>
-        <p:cTn id="1" dur="indefinite" restart="never" nodeType="tmRoot"/>
-      </p:par>
-    </p:tnLst>
-  </p:timing>
 </p:sld>
 </file>
 
